--- a/Lesson-5-Goals-and-Your-Job.pptx
+++ b/Lesson-5-Goals-and-Your-Job.pptx
@@ -8885,10 +8885,9 @@
         <a:lstStyle/>
         <a:p>
           <a:r>
-            <a:rPr lang="en-US" dirty="0" smtClean="0"/>
+            <a:rPr lang="en-US" dirty="0"/>
             <a:t>Specific</a:t>
           </a:r>
-          <a:endParaRPr lang="en-US" dirty="0"/>
         </a:p>
       </dgm:t>
     </dgm:pt>
@@ -8922,10 +8921,9 @@
         <a:lstStyle/>
         <a:p>
           <a:r>
-            <a:rPr lang="en-US" dirty="0" smtClean="0"/>
+            <a:rPr lang="en-US" dirty="0"/>
             <a:t>Timely</a:t>
           </a:r>
-          <a:endParaRPr lang="en-US" dirty="0"/>
         </a:p>
       </dgm:t>
     </dgm:pt>
@@ -8959,10 +8957,9 @@
         <a:lstStyle/>
         <a:p>
           <a:r>
-            <a:rPr lang="en-US" dirty="0" smtClean="0"/>
+            <a:rPr lang="en-US" dirty="0"/>
             <a:t>Measurable</a:t>
           </a:r>
-          <a:endParaRPr lang="en-US" dirty="0"/>
         </a:p>
       </dgm:t>
     </dgm:pt>
@@ -8996,10 +8993,9 @@
         <a:lstStyle/>
         <a:p>
           <a:r>
-            <a:rPr lang="en-US" dirty="0" smtClean="0"/>
+            <a:rPr lang="en-US" dirty="0"/>
             <a:t>Accountable</a:t>
           </a:r>
-          <a:endParaRPr lang="en-US" dirty="0"/>
         </a:p>
       </dgm:t>
     </dgm:pt>
@@ -9033,10 +9029,9 @@
         <a:lstStyle/>
         <a:p>
           <a:r>
-            <a:rPr lang="en-US" dirty="0" smtClean="0"/>
+            <a:rPr lang="en-US" dirty="0"/>
             <a:t>Relevant</a:t>
           </a:r>
-          <a:endParaRPr lang="en-US" dirty="0"/>
         </a:p>
       </dgm:t>
     </dgm:pt>
@@ -9071,13 +9066,6 @@
         </dgm:presLayoutVars>
       </dgm:prSet>
       <dgm:spPr/>
-      <dgm:t>
-        <a:bodyPr/>
-        <a:lstStyle/>
-        <a:p>
-          <a:endParaRPr lang="en-US"/>
-        </a:p>
-      </dgm:t>
     </dgm:pt>
     <dgm:pt modelId="{F071564D-A183-4856-9649-ECAD7C56F9B0}" type="pres">
       <dgm:prSet presAssocID="{6DF75F78-A630-4F07-87E9-7B219A4E4E1C}" presName="linNode" presStyleCnt="0"/>
@@ -9090,13 +9078,6 @@
         </dgm:presLayoutVars>
       </dgm:prSet>
       <dgm:spPr/>
-      <dgm:t>
-        <a:bodyPr/>
-        <a:lstStyle/>
-        <a:p>
-          <a:endParaRPr lang="en-US"/>
-        </a:p>
-      </dgm:t>
     </dgm:pt>
     <dgm:pt modelId="{9CE4C73B-5A8F-400F-9A41-6791335C19F9}" type="pres">
       <dgm:prSet presAssocID="{6DF75F78-A630-4F07-87E9-7B219A4E4E1C}" presName="childShp" presStyleLbl="bgAccFollowNode1" presStyleIdx="0" presStyleCnt="5">
@@ -9118,13 +9099,6 @@
           </a:solidFill>
         </a:ln>
       </dgm:spPr>
-      <dgm:t>
-        <a:bodyPr/>
-        <a:lstStyle/>
-        <a:p>
-          <a:endParaRPr lang="en-US"/>
-        </a:p>
-      </dgm:t>
     </dgm:pt>
     <dgm:pt modelId="{47F8B2E8-C6A1-4443-B93A-33053FFEF14D}" type="pres">
       <dgm:prSet presAssocID="{4537CD29-1992-433D-A413-D7A75E7333FF}" presName="spacing" presStyleCnt="0"/>
@@ -9141,13 +9115,6 @@
         </dgm:presLayoutVars>
       </dgm:prSet>
       <dgm:spPr/>
-      <dgm:t>
-        <a:bodyPr/>
-        <a:lstStyle/>
-        <a:p>
-          <a:endParaRPr lang="en-US"/>
-        </a:p>
-      </dgm:t>
     </dgm:pt>
     <dgm:pt modelId="{1BEE2FD5-3F3D-463B-9A11-46BC42D4F282}" type="pres">
       <dgm:prSet presAssocID="{F09A8052-8091-4AEE-839D-F7378BEF90B1}" presName="childShp" presStyleLbl="bgAccFollowNode1" presStyleIdx="1" presStyleCnt="5">
@@ -9178,13 +9145,6 @@
         </dgm:presLayoutVars>
       </dgm:prSet>
       <dgm:spPr/>
-      <dgm:t>
-        <a:bodyPr/>
-        <a:lstStyle/>
-        <a:p>
-          <a:endParaRPr lang="en-US"/>
-        </a:p>
-      </dgm:t>
     </dgm:pt>
     <dgm:pt modelId="{AEBFFA70-6174-44A3-8EB3-EAA9186CAF0F}" type="pres">
       <dgm:prSet presAssocID="{76D7414C-A6EC-4E80-BCD9-DFF38B3D924D}" presName="childShp" presStyleLbl="bgAccFollowNode1" presStyleIdx="2" presStyleCnt="5">
@@ -9215,13 +9175,6 @@
         </dgm:presLayoutVars>
       </dgm:prSet>
       <dgm:spPr/>
-      <dgm:t>
-        <a:bodyPr/>
-        <a:lstStyle/>
-        <a:p>
-          <a:endParaRPr lang="en-US"/>
-        </a:p>
-      </dgm:t>
     </dgm:pt>
     <dgm:pt modelId="{57E0EAA9-9082-49B7-A15F-A22FDFA1C63C}" type="pres">
       <dgm:prSet presAssocID="{02B931D6-D1BE-496B-B948-6225C1EB83E1}" presName="childShp" presStyleLbl="bgAccFollowNode1" presStyleIdx="3" presStyleCnt="5">
@@ -9252,13 +9205,6 @@
         </dgm:presLayoutVars>
       </dgm:prSet>
       <dgm:spPr/>
-      <dgm:t>
-        <a:bodyPr/>
-        <a:lstStyle/>
-        <a:p>
-          <a:endParaRPr lang="en-US"/>
-        </a:p>
-      </dgm:t>
     </dgm:pt>
     <dgm:pt modelId="{FD200BF5-DCCC-4CDA-90D9-0DE698DDD2E7}" type="pres">
       <dgm:prSet presAssocID="{7E776A56-D0E4-40FA-AF56-5B302D1B4B55}" presName="childShp" presStyleLbl="bgAccFollowNode1" presStyleIdx="4" presStyleCnt="5">
@@ -9273,13 +9219,6 @@
           </a:srgbClr>
         </a:solidFill>
       </dgm:spPr>
-      <dgm:t>
-        <a:bodyPr/>
-        <a:lstStyle/>
-        <a:p>
-          <a:endParaRPr lang="en-US"/>
-        </a:p>
-      </dgm:t>
     </dgm:pt>
   </dgm:ptLst>
   <dgm:cxnLst>
@@ -9346,10 +9285,9 @@
         <a:lstStyle/>
         <a:p>
           <a:r>
-            <a:rPr lang="en-US" dirty="0" smtClean="0"/>
+            <a:rPr lang="en-US" dirty="0"/>
             <a:t>Company policies</a:t>
           </a:r>
-          <a:endParaRPr lang="en-US" dirty="0"/>
         </a:p>
       </dgm:t>
     </dgm:pt>
@@ -9383,7 +9321,7 @@
         <a:lstStyle/>
         <a:p>
           <a:r>
-            <a:rPr lang="en-US" smtClean="0"/>
+            <a:rPr lang="en-US"/>
             <a:t>Supervision </a:t>
           </a:r>
           <a:endParaRPr lang="en-US" dirty="0"/>
@@ -9420,7 +9358,7 @@
         <a:lstStyle/>
         <a:p>
           <a:r>
-            <a:rPr lang="en-US" smtClean="0"/>
+            <a:rPr lang="en-US"/>
             <a:t>Relationship with manager </a:t>
           </a:r>
           <a:endParaRPr lang="en-US" dirty="0"/>
@@ -9457,7 +9395,7 @@
         <a:lstStyle/>
         <a:p>
           <a:r>
-            <a:rPr lang="en-US" smtClean="0"/>
+            <a:rPr lang="en-US"/>
             <a:t>Work conditions </a:t>
           </a:r>
           <a:endParaRPr lang="en-US" dirty="0"/>
@@ -9494,7 +9432,7 @@
         <a:lstStyle/>
         <a:p>
           <a:r>
-            <a:rPr lang="en-US" smtClean="0"/>
+            <a:rPr lang="en-US"/>
             <a:t>Salary </a:t>
           </a:r>
           <a:endParaRPr lang="en-US" dirty="0"/>
@@ -9531,7 +9469,7 @@
         <a:lstStyle/>
         <a:p>
           <a:r>
-            <a:rPr lang="en-US" smtClean="0"/>
+            <a:rPr lang="en-US"/>
             <a:t>Relationship with peers</a:t>
           </a:r>
           <a:endParaRPr lang="en-US" dirty="0"/>
@@ -9577,13 +9515,6 @@
         </dgm:presLayoutVars>
       </dgm:prSet>
       <dgm:spPr/>
-      <dgm:t>
-        <a:bodyPr/>
-        <a:lstStyle/>
-        <a:p>
-          <a:endParaRPr lang="en-US"/>
-        </a:p>
-      </dgm:t>
     </dgm:pt>
     <dgm:pt modelId="{6B95851C-4592-4CE1-B606-4E1DAF7A2678}" type="pres">
       <dgm:prSet presAssocID="{65927368-FC0F-4298-B98C-75955225F552}" presName="spacer" presStyleCnt="0"/>
@@ -9652,19 +9583,19 @@
     </dgm:pt>
   </dgm:ptLst>
   <dgm:cxnLst>
-    <dgm:cxn modelId="{94116B2A-69B1-4890-97D0-B6391FFB631D}" type="presOf" srcId="{74391E38-4CED-48AA-9557-10AB3443AF57}" destId="{7277B220-0C7A-4B78-A44D-DD0C021812EF}" srcOrd="0" destOrd="0" presId="urn:microsoft.com/office/officeart/2005/8/layout/vList2"/>
+    <dgm:cxn modelId="{DD706529-0B2D-4B39-B3EA-382CB5CEC154}" type="presOf" srcId="{121A298B-460C-4CF5-8B83-DD9566C7D4A8}" destId="{1FCFAC7A-DA73-4616-8322-604EA3CD78C0}" srcOrd="0" destOrd="0" presId="urn:microsoft.com/office/officeart/2005/8/layout/vList2"/>
+    <dgm:cxn modelId="{C838EE2B-EC30-4A6C-B2F3-FF05FBF70D9B}" srcId="{74391E38-4CED-48AA-9557-10AB3443AF57}" destId="{F65B285B-483C-43C4-A09A-D93A239072CF}" srcOrd="4" destOrd="0" parTransId="{1C9EEA27-0D83-4D4A-A7EC-302117447E12}" sibTransId="{01D3068C-47D5-457F-B852-4B9EF68588B7}"/>
     <dgm:cxn modelId="{5E06C862-3465-4C03-8EAB-B3D8685DAB38}" type="presOf" srcId="{F65B285B-483C-43C4-A09A-D93A239072CF}" destId="{78C765C1-407F-4F85-895B-1D493BB40480}" srcOrd="0" destOrd="0" presId="urn:microsoft.com/office/officeart/2005/8/layout/vList2"/>
+    <dgm:cxn modelId="{CFA590CD-96A4-4CF3-B4FC-B2694D88A5C4}" srcId="{74391E38-4CED-48AA-9557-10AB3443AF57}" destId="{A8F915B9-8CC8-4BEA-B9C4-E980A830B87A}" srcOrd="1" destOrd="0" parTransId="{3E9F57A8-639B-4C01-92A1-D8E6DEBC76B9}" sibTransId="{47272B84-609C-4CDE-8B91-FC9DBC591800}"/>
+    <dgm:cxn modelId="{C2D41A0A-28B3-442E-BC61-3E4D2C852900}" type="presOf" srcId="{A8F915B9-8CC8-4BEA-B9C4-E980A830B87A}" destId="{E406D022-5CEA-4E88-8A81-5C84A4FC997A}" srcOrd="0" destOrd="0" presId="urn:microsoft.com/office/officeart/2005/8/layout/vList2"/>
+    <dgm:cxn modelId="{DC3A99FC-0D70-425D-856C-1CEBC525EDAB}" type="presOf" srcId="{E82612A5-217F-4A48-A23B-0852F983A564}" destId="{94BD7CCC-DF1D-4831-A9C0-C4601BD13599}" srcOrd="0" destOrd="0" presId="urn:microsoft.com/office/officeart/2005/8/layout/vList2"/>
+    <dgm:cxn modelId="{EA8DB6EB-FF7B-4E9E-BDF5-BAEC2C9B535B}" srcId="{74391E38-4CED-48AA-9557-10AB3443AF57}" destId="{FD7D431E-F346-456C-86FE-811CDAC90317}" srcOrd="0" destOrd="0" parTransId="{BB350619-E9B6-4DB3-A5BC-37DD4290A0FF}" sibTransId="{65927368-FC0F-4298-B98C-75955225F552}"/>
+    <dgm:cxn modelId="{66CE86E5-C596-43A5-B830-20C0F5266844}" type="presOf" srcId="{4399F659-4F6B-4464-ADE4-BE5A202BB08F}" destId="{81BEF748-66D6-4D65-A801-E1EF1FC5E4F3}" srcOrd="0" destOrd="0" presId="urn:microsoft.com/office/officeart/2005/8/layout/vList2"/>
     <dgm:cxn modelId="{63A3C5F0-24F5-42AA-988B-AE8C9FD3DB18}" type="presOf" srcId="{FD7D431E-F346-456C-86FE-811CDAC90317}" destId="{680D0757-1A2D-455D-8BDE-43078FF98A7F}" srcOrd="0" destOrd="0" presId="urn:microsoft.com/office/officeart/2005/8/layout/vList2"/>
-    <dgm:cxn modelId="{DC3A99FC-0D70-425D-856C-1CEBC525EDAB}" type="presOf" srcId="{E82612A5-217F-4A48-A23B-0852F983A564}" destId="{94BD7CCC-DF1D-4831-A9C0-C4601BD13599}" srcOrd="0" destOrd="0" presId="urn:microsoft.com/office/officeart/2005/8/layout/vList2"/>
-    <dgm:cxn modelId="{66CE86E5-C596-43A5-B830-20C0F5266844}" type="presOf" srcId="{4399F659-4F6B-4464-ADE4-BE5A202BB08F}" destId="{81BEF748-66D6-4D65-A801-E1EF1FC5E4F3}" srcOrd="0" destOrd="0" presId="urn:microsoft.com/office/officeart/2005/8/layout/vList2"/>
+    <dgm:cxn modelId="{D0CC0B89-5821-4EB3-9AA2-E66830A8A786}" srcId="{74391E38-4CED-48AA-9557-10AB3443AF57}" destId="{E82612A5-217F-4A48-A23B-0852F983A564}" srcOrd="5" destOrd="0" parTransId="{28BD0CC6-96BF-4CEF-90EA-9B3A8A6A6A9A}" sibTransId="{CCD82FD6-B323-47A4-9FA5-C51C338F7158}"/>
     <dgm:cxn modelId="{B7D0CE9E-3901-45C4-BE60-0677141FA49F}" srcId="{74391E38-4CED-48AA-9557-10AB3443AF57}" destId="{4399F659-4F6B-4464-ADE4-BE5A202BB08F}" srcOrd="2" destOrd="0" parTransId="{A923BE79-9176-422D-9921-2A9198AD2130}" sibTransId="{656DE0FF-2A8C-4D15-A766-1FDCB0698CCF}"/>
     <dgm:cxn modelId="{CAA808CF-7483-4CD1-90B6-66B0E724B2D2}" srcId="{74391E38-4CED-48AA-9557-10AB3443AF57}" destId="{121A298B-460C-4CF5-8B83-DD9566C7D4A8}" srcOrd="3" destOrd="0" parTransId="{35FB7175-0F18-474C-B3B1-7AB2BB0ABEED}" sibTransId="{D5B3058A-5F88-4DA4-A4F3-AAB3191E0BE2}"/>
-    <dgm:cxn modelId="{DD706529-0B2D-4B39-B3EA-382CB5CEC154}" type="presOf" srcId="{121A298B-460C-4CF5-8B83-DD9566C7D4A8}" destId="{1FCFAC7A-DA73-4616-8322-604EA3CD78C0}" srcOrd="0" destOrd="0" presId="urn:microsoft.com/office/officeart/2005/8/layout/vList2"/>
-    <dgm:cxn modelId="{EA8DB6EB-FF7B-4E9E-BDF5-BAEC2C9B535B}" srcId="{74391E38-4CED-48AA-9557-10AB3443AF57}" destId="{FD7D431E-F346-456C-86FE-811CDAC90317}" srcOrd="0" destOrd="0" parTransId="{BB350619-E9B6-4DB3-A5BC-37DD4290A0FF}" sibTransId="{65927368-FC0F-4298-B98C-75955225F552}"/>
-    <dgm:cxn modelId="{C2D41A0A-28B3-442E-BC61-3E4D2C852900}" type="presOf" srcId="{A8F915B9-8CC8-4BEA-B9C4-E980A830B87A}" destId="{E406D022-5CEA-4E88-8A81-5C84A4FC997A}" srcOrd="0" destOrd="0" presId="urn:microsoft.com/office/officeart/2005/8/layout/vList2"/>
-    <dgm:cxn modelId="{CFA590CD-96A4-4CF3-B4FC-B2694D88A5C4}" srcId="{74391E38-4CED-48AA-9557-10AB3443AF57}" destId="{A8F915B9-8CC8-4BEA-B9C4-E980A830B87A}" srcOrd="1" destOrd="0" parTransId="{3E9F57A8-639B-4C01-92A1-D8E6DEBC76B9}" sibTransId="{47272B84-609C-4CDE-8B91-FC9DBC591800}"/>
-    <dgm:cxn modelId="{C838EE2B-EC30-4A6C-B2F3-FF05FBF70D9B}" srcId="{74391E38-4CED-48AA-9557-10AB3443AF57}" destId="{F65B285B-483C-43C4-A09A-D93A239072CF}" srcOrd="4" destOrd="0" parTransId="{1C9EEA27-0D83-4D4A-A7EC-302117447E12}" sibTransId="{01D3068C-47D5-457F-B852-4B9EF68588B7}"/>
-    <dgm:cxn modelId="{D0CC0B89-5821-4EB3-9AA2-E66830A8A786}" srcId="{74391E38-4CED-48AA-9557-10AB3443AF57}" destId="{E82612A5-217F-4A48-A23B-0852F983A564}" srcOrd="5" destOrd="0" parTransId="{28BD0CC6-96BF-4CEF-90EA-9B3A8A6A6A9A}" sibTransId="{CCD82FD6-B323-47A4-9FA5-C51C338F7158}"/>
+    <dgm:cxn modelId="{94116B2A-69B1-4890-97D0-B6391FFB631D}" type="presOf" srcId="{74391E38-4CED-48AA-9557-10AB3443AF57}" destId="{7277B220-0C7A-4B78-A44D-DD0C021812EF}" srcOrd="0" destOrd="0" presId="urn:microsoft.com/office/officeart/2005/8/layout/vList2"/>
     <dgm:cxn modelId="{9FB14C2D-A893-43C9-A207-BB7996C20636}" type="presParOf" srcId="{7277B220-0C7A-4B78-A44D-DD0C021812EF}" destId="{680D0757-1A2D-455D-8BDE-43078FF98A7F}" srcOrd="0" destOrd="0" presId="urn:microsoft.com/office/officeart/2005/8/layout/vList2"/>
     <dgm:cxn modelId="{3B1B8F43-42C0-4CBB-9F31-305C9206A48C}" type="presParOf" srcId="{7277B220-0C7A-4B78-A44D-DD0C021812EF}" destId="{6B95851C-4592-4CE1-B606-4E1DAF7A2678}" srcOrd="1" destOrd="0" presId="urn:microsoft.com/office/officeart/2005/8/layout/vList2"/>
     <dgm:cxn modelId="{68EA1381-F854-4CA3-8A02-F866FC531138}" type="presParOf" srcId="{7277B220-0C7A-4B78-A44D-DD0C021812EF}" destId="{E406D022-5CEA-4E88-8A81-5C84A4FC997A}" srcOrd="2" destOrd="0" presId="urn:microsoft.com/office/officeart/2005/8/layout/vList2"/>
@@ -9784,35 +9715,14 @@
         </dgm:presLayoutVars>
       </dgm:prSet>
       <dgm:spPr/>
-      <dgm:t>
-        <a:bodyPr/>
-        <a:lstStyle/>
-        <a:p>
-          <a:endParaRPr lang="en-US"/>
-        </a:p>
-      </dgm:t>
     </dgm:pt>
     <dgm:pt modelId="{3FDB574D-ACE5-4DD5-BA8F-CAB5806E4A84}" type="pres">
       <dgm:prSet presAssocID="{D4407939-DE02-46AB-B8E7-0488540ACA3A}" presName="gear1srcNode" presStyleLbl="node1" presStyleIdx="0" presStyleCnt="2"/>
       <dgm:spPr/>
-      <dgm:t>
-        <a:bodyPr/>
-        <a:lstStyle/>
-        <a:p>
-          <a:endParaRPr lang="en-US"/>
-        </a:p>
-      </dgm:t>
     </dgm:pt>
     <dgm:pt modelId="{6FFE4AE3-2828-41C4-A790-FBF73074DE46}" type="pres">
       <dgm:prSet presAssocID="{D4407939-DE02-46AB-B8E7-0488540ACA3A}" presName="gear1dstNode" presStyleLbl="node1" presStyleIdx="0" presStyleCnt="2"/>
       <dgm:spPr/>
-      <dgm:t>
-        <a:bodyPr/>
-        <a:lstStyle/>
-        <a:p>
-          <a:endParaRPr lang="en-US"/>
-        </a:p>
-      </dgm:t>
     </dgm:pt>
     <dgm:pt modelId="{77125FFC-ABB2-4879-A393-60EC3FD01C43}" type="pres">
       <dgm:prSet presAssocID="{47BF0EB5-9E80-4D6D-9A2D-451D44796590}" presName="gear2" presStyleLbl="node1" presStyleIdx="1" presStyleCnt="2">
@@ -9822,57 +9732,22 @@
         </dgm:presLayoutVars>
       </dgm:prSet>
       <dgm:spPr/>
-      <dgm:t>
-        <a:bodyPr/>
-        <a:lstStyle/>
-        <a:p>
-          <a:endParaRPr lang="en-US"/>
-        </a:p>
-      </dgm:t>
     </dgm:pt>
     <dgm:pt modelId="{FC2A453A-7911-4B7B-95C2-195AFE4D9CED}" type="pres">
       <dgm:prSet presAssocID="{47BF0EB5-9E80-4D6D-9A2D-451D44796590}" presName="gear2srcNode" presStyleLbl="node1" presStyleIdx="1" presStyleCnt="2"/>
       <dgm:spPr/>
-      <dgm:t>
-        <a:bodyPr/>
-        <a:lstStyle/>
-        <a:p>
-          <a:endParaRPr lang="en-US"/>
-        </a:p>
-      </dgm:t>
     </dgm:pt>
     <dgm:pt modelId="{9DF6E437-03B3-4DE0-99B1-9ACA400B5BB2}" type="pres">
       <dgm:prSet presAssocID="{47BF0EB5-9E80-4D6D-9A2D-451D44796590}" presName="gear2dstNode" presStyleLbl="node1" presStyleIdx="1" presStyleCnt="2"/>
       <dgm:spPr/>
-      <dgm:t>
-        <a:bodyPr/>
-        <a:lstStyle/>
-        <a:p>
-          <a:endParaRPr lang="en-US"/>
-        </a:p>
-      </dgm:t>
     </dgm:pt>
     <dgm:pt modelId="{9E767592-BD47-4F09-A723-E7C3E754A4D1}" type="pres">
       <dgm:prSet presAssocID="{56DCD3BC-6755-4CB2-BD0A-A8A576304E7B}" presName="connector1" presStyleLbl="sibTrans2D1" presStyleIdx="0" presStyleCnt="2"/>
       <dgm:spPr/>
-      <dgm:t>
-        <a:bodyPr/>
-        <a:lstStyle/>
-        <a:p>
-          <a:endParaRPr lang="en-US"/>
-        </a:p>
-      </dgm:t>
     </dgm:pt>
     <dgm:pt modelId="{19BFC00D-C765-456A-9A59-1D7B7933CE2E}" type="pres">
       <dgm:prSet presAssocID="{6FE32F17-624D-4515-9BD8-31801B134289}" presName="connector2" presStyleLbl="sibTrans2D1" presStyleIdx="1" presStyleCnt="2"/>
       <dgm:spPr/>
-      <dgm:t>
-        <a:bodyPr/>
-        <a:lstStyle/>
-        <a:p>
-          <a:endParaRPr lang="en-US"/>
-        </a:p>
-      </dgm:t>
     </dgm:pt>
   </dgm:ptLst>
   <dgm:cxnLst>
@@ -9928,10 +9803,9 @@
         <a:lstStyle/>
         <a:p>
           <a:r>
-            <a:rPr lang="en-US" dirty="0" smtClean="0"/>
+            <a:rPr lang="en-US" dirty="0"/>
             <a:t>Specific</a:t>
           </a:r>
-          <a:endParaRPr lang="en-US" dirty="0"/>
         </a:p>
       </dgm:t>
     </dgm:pt>
@@ -9965,10 +9839,9 @@
         <a:lstStyle/>
         <a:p>
           <a:r>
-            <a:rPr lang="en-US" dirty="0" smtClean="0"/>
+            <a:rPr lang="en-US" dirty="0"/>
             <a:t>Timely</a:t>
           </a:r>
-          <a:endParaRPr lang="en-US" dirty="0"/>
         </a:p>
       </dgm:t>
     </dgm:pt>
@@ -10002,10 +9875,9 @@
         <a:lstStyle/>
         <a:p>
           <a:r>
-            <a:rPr lang="en-US" dirty="0" smtClean="0"/>
+            <a:rPr lang="en-US" dirty="0"/>
             <a:t>Measurable</a:t>
           </a:r>
-          <a:endParaRPr lang="en-US" dirty="0"/>
         </a:p>
       </dgm:t>
     </dgm:pt>
@@ -10039,10 +9911,9 @@
         <a:lstStyle/>
         <a:p>
           <a:r>
-            <a:rPr lang="en-US" dirty="0" smtClean="0"/>
+            <a:rPr lang="en-US" dirty="0"/>
             <a:t>Accountable</a:t>
           </a:r>
-          <a:endParaRPr lang="en-US" dirty="0"/>
         </a:p>
       </dgm:t>
     </dgm:pt>
@@ -10076,10 +9947,9 @@
         <a:lstStyle/>
         <a:p>
           <a:r>
-            <a:rPr lang="en-US" dirty="0" smtClean="0"/>
+            <a:rPr lang="en-US" dirty="0"/>
             <a:t>Relevant</a:t>
           </a:r>
-          <a:endParaRPr lang="en-US" dirty="0"/>
         </a:p>
       </dgm:t>
     </dgm:pt>
@@ -10114,13 +9984,6 @@
         </dgm:presLayoutVars>
       </dgm:prSet>
       <dgm:spPr/>
-      <dgm:t>
-        <a:bodyPr/>
-        <a:lstStyle/>
-        <a:p>
-          <a:endParaRPr lang="en-US"/>
-        </a:p>
-      </dgm:t>
     </dgm:pt>
     <dgm:pt modelId="{F071564D-A183-4856-9649-ECAD7C56F9B0}" type="pres">
       <dgm:prSet presAssocID="{6DF75F78-A630-4F07-87E9-7B219A4E4E1C}" presName="linNode" presStyleCnt="0"/>
@@ -10133,13 +9996,6 @@
         </dgm:presLayoutVars>
       </dgm:prSet>
       <dgm:spPr/>
-      <dgm:t>
-        <a:bodyPr/>
-        <a:lstStyle/>
-        <a:p>
-          <a:endParaRPr lang="en-US"/>
-        </a:p>
-      </dgm:t>
     </dgm:pt>
     <dgm:pt modelId="{9CE4C73B-5A8F-400F-9A41-6791335C19F9}" type="pres">
       <dgm:prSet presAssocID="{6DF75F78-A630-4F07-87E9-7B219A4E4E1C}" presName="childShp" presStyleLbl="bgAccFollowNode1" presStyleIdx="0" presStyleCnt="5">
@@ -10161,13 +10017,6 @@
           </a:solidFill>
         </a:ln>
       </dgm:spPr>
-      <dgm:t>
-        <a:bodyPr/>
-        <a:lstStyle/>
-        <a:p>
-          <a:endParaRPr lang="en-US"/>
-        </a:p>
-      </dgm:t>
     </dgm:pt>
     <dgm:pt modelId="{47F8B2E8-C6A1-4443-B93A-33053FFEF14D}" type="pres">
       <dgm:prSet presAssocID="{4537CD29-1992-433D-A413-D7A75E7333FF}" presName="spacing" presStyleCnt="0"/>
@@ -10184,13 +10033,6 @@
         </dgm:presLayoutVars>
       </dgm:prSet>
       <dgm:spPr/>
-      <dgm:t>
-        <a:bodyPr/>
-        <a:lstStyle/>
-        <a:p>
-          <a:endParaRPr lang="en-US"/>
-        </a:p>
-      </dgm:t>
     </dgm:pt>
     <dgm:pt modelId="{1BEE2FD5-3F3D-463B-9A11-46BC42D4F282}" type="pres">
       <dgm:prSet presAssocID="{F09A8052-8091-4AEE-839D-F7378BEF90B1}" presName="childShp" presStyleLbl="bgAccFollowNode1" presStyleIdx="1" presStyleCnt="5">
@@ -10221,13 +10063,6 @@
         </dgm:presLayoutVars>
       </dgm:prSet>
       <dgm:spPr/>
-      <dgm:t>
-        <a:bodyPr/>
-        <a:lstStyle/>
-        <a:p>
-          <a:endParaRPr lang="en-US"/>
-        </a:p>
-      </dgm:t>
     </dgm:pt>
     <dgm:pt modelId="{AEBFFA70-6174-44A3-8EB3-EAA9186CAF0F}" type="pres">
       <dgm:prSet presAssocID="{76D7414C-A6EC-4E80-BCD9-DFF38B3D924D}" presName="childShp" presStyleLbl="bgAccFollowNode1" presStyleIdx="2" presStyleCnt="5">
@@ -10258,13 +10093,6 @@
         </dgm:presLayoutVars>
       </dgm:prSet>
       <dgm:spPr/>
-      <dgm:t>
-        <a:bodyPr/>
-        <a:lstStyle/>
-        <a:p>
-          <a:endParaRPr lang="en-US"/>
-        </a:p>
-      </dgm:t>
     </dgm:pt>
     <dgm:pt modelId="{57E0EAA9-9082-49B7-A15F-A22FDFA1C63C}" type="pres">
       <dgm:prSet presAssocID="{02B931D6-D1BE-496B-B948-6225C1EB83E1}" presName="childShp" presStyleLbl="bgAccFollowNode1" presStyleIdx="3" presStyleCnt="5">
@@ -10295,13 +10123,6 @@
         </dgm:presLayoutVars>
       </dgm:prSet>
       <dgm:spPr/>
-      <dgm:t>
-        <a:bodyPr/>
-        <a:lstStyle/>
-        <a:p>
-          <a:endParaRPr lang="en-US"/>
-        </a:p>
-      </dgm:t>
     </dgm:pt>
     <dgm:pt modelId="{FD200BF5-DCCC-4CDA-90D9-0DE698DDD2E7}" type="pres">
       <dgm:prSet presAssocID="{7E776A56-D0E4-40FA-AF56-5B302D1B4B55}" presName="childShp" presStyleLbl="bgAccFollowNode1" presStyleIdx="4" presStyleCnt="5">
@@ -10316,13 +10137,6 @@
           </a:srgbClr>
         </a:solidFill>
       </dgm:spPr>
-      <dgm:t>
-        <a:bodyPr/>
-        <a:lstStyle/>
-        <a:p>
-          <a:endParaRPr lang="en-US"/>
-        </a:p>
-      </dgm:t>
     </dgm:pt>
   </dgm:ptLst>
   <dgm:cxnLst>
@@ -10393,10 +10207,9 @@
         <a:lstStyle/>
         <a:p>
           <a:r>
-            <a:rPr lang="en-US" b="1" dirty="0" smtClean="0"/>
+            <a:rPr lang="en-US" b="1" dirty="0"/>
             <a:t>Specific</a:t>
           </a:r>
-          <a:endParaRPr lang="en-US" b="1" dirty="0"/>
         </a:p>
       </dgm:t>
     </dgm:pt>
@@ -10430,10 +10243,9 @@
         <a:lstStyle/>
         <a:p>
           <a:r>
-            <a:rPr lang="en-US" dirty="0" smtClean="0"/>
+            <a:rPr lang="en-US" dirty="0"/>
             <a:t>Timely</a:t>
           </a:r>
-          <a:endParaRPr lang="en-US" dirty="0"/>
         </a:p>
       </dgm:t>
     </dgm:pt>
@@ -10467,10 +10279,9 @@
         <a:lstStyle/>
         <a:p>
           <a:r>
-            <a:rPr lang="en-US" dirty="0" smtClean="0"/>
+            <a:rPr lang="en-US" dirty="0"/>
             <a:t>Measurable</a:t>
           </a:r>
-          <a:endParaRPr lang="en-US" dirty="0"/>
         </a:p>
       </dgm:t>
     </dgm:pt>
@@ -10504,10 +10315,9 @@
         <a:lstStyle/>
         <a:p>
           <a:r>
-            <a:rPr lang="en-US" dirty="0" smtClean="0"/>
+            <a:rPr lang="en-US" dirty="0"/>
             <a:t>Accountable</a:t>
           </a:r>
-          <a:endParaRPr lang="en-US" dirty="0"/>
         </a:p>
       </dgm:t>
     </dgm:pt>
@@ -10541,10 +10351,9 @@
         <a:lstStyle/>
         <a:p>
           <a:r>
-            <a:rPr lang="en-US" dirty="0" smtClean="0"/>
+            <a:rPr lang="en-US" dirty="0"/>
             <a:t>Relevant</a:t>
           </a:r>
-          <a:endParaRPr lang="en-US" dirty="0"/>
         </a:p>
       </dgm:t>
     </dgm:pt>
@@ -10579,13 +10388,6 @@
         </dgm:presLayoutVars>
       </dgm:prSet>
       <dgm:spPr/>
-      <dgm:t>
-        <a:bodyPr/>
-        <a:lstStyle/>
-        <a:p>
-          <a:endParaRPr lang="en-US"/>
-        </a:p>
-      </dgm:t>
     </dgm:pt>
     <dgm:pt modelId="{F071564D-A183-4856-9649-ECAD7C56F9B0}" type="pres">
       <dgm:prSet presAssocID="{6DF75F78-A630-4F07-87E9-7B219A4E4E1C}" presName="linNode" presStyleCnt="0"/>
@@ -10598,13 +10400,6 @@
         </dgm:presLayoutVars>
       </dgm:prSet>
       <dgm:spPr/>
-      <dgm:t>
-        <a:bodyPr/>
-        <a:lstStyle/>
-        <a:p>
-          <a:endParaRPr lang="en-US"/>
-        </a:p>
-      </dgm:t>
     </dgm:pt>
     <dgm:pt modelId="{9CE4C73B-5A8F-400F-9A41-6791335C19F9}" type="pres">
       <dgm:prSet presAssocID="{6DF75F78-A630-4F07-87E9-7B219A4E4E1C}" presName="childShp" presStyleLbl="bgAccFollowNode1" presStyleIdx="0" presStyleCnt="5">
@@ -10626,13 +10421,6 @@
           </a:solidFill>
         </a:ln>
       </dgm:spPr>
-      <dgm:t>
-        <a:bodyPr/>
-        <a:lstStyle/>
-        <a:p>
-          <a:endParaRPr lang="en-US"/>
-        </a:p>
-      </dgm:t>
     </dgm:pt>
     <dgm:pt modelId="{47F8B2E8-C6A1-4443-B93A-33053FFEF14D}" type="pres">
       <dgm:prSet presAssocID="{4537CD29-1992-433D-A413-D7A75E7333FF}" presName="spacing" presStyleCnt="0"/>
@@ -10649,13 +10437,6 @@
         </dgm:presLayoutVars>
       </dgm:prSet>
       <dgm:spPr/>
-      <dgm:t>
-        <a:bodyPr/>
-        <a:lstStyle/>
-        <a:p>
-          <a:endParaRPr lang="en-US"/>
-        </a:p>
-      </dgm:t>
     </dgm:pt>
     <dgm:pt modelId="{1BEE2FD5-3F3D-463B-9A11-46BC42D4F282}" type="pres">
       <dgm:prSet presAssocID="{F09A8052-8091-4AEE-839D-F7378BEF90B1}" presName="childShp" presStyleLbl="bgAccFollowNode1" presStyleIdx="1" presStyleCnt="5">
@@ -10686,13 +10467,6 @@
         </dgm:presLayoutVars>
       </dgm:prSet>
       <dgm:spPr/>
-      <dgm:t>
-        <a:bodyPr/>
-        <a:lstStyle/>
-        <a:p>
-          <a:endParaRPr lang="en-US"/>
-        </a:p>
-      </dgm:t>
     </dgm:pt>
     <dgm:pt modelId="{AEBFFA70-6174-44A3-8EB3-EAA9186CAF0F}" type="pres">
       <dgm:prSet presAssocID="{76D7414C-A6EC-4E80-BCD9-DFF38B3D924D}" presName="childShp" presStyleLbl="bgAccFollowNode1" presStyleIdx="2" presStyleCnt="5">
@@ -10723,13 +10497,6 @@
         </dgm:presLayoutVars>
       </dgm:prSet>
       <dgm:spPr/>
-      <dgm:t>
-        <a:bodyPr/>
-        <a:lstStyle/>
-        <a:p>
-          <a:endParaRPr lang="en-US"/>
-        </a:p>
-      </dgm:t>
     </dgm:pt>
     <dgm:pt modelId="{57E0EAA9-9082-49B7-A15F-A22FDFA1C63C}" type="pres">
       <dgm:prSet presAssocID="{02B931D6-D1BE-496B-B948-6225C1EB83E1}" presName="childShp" presStyleLbl="bgAccFollowNode1" presStyleIdx="3" presStyleCnt="5">
@@ -10760,13 +10527,6 @@
         </dgm:presLayoutVars>
       </dgm:prSet>
       <dgm:spPr/>
-      <dgm:t>
-        <a:bodyPr/>
-        <a:lstStyle/>
-        <a:p>
-          <a:endParaRPr lang="en-US"/>
-        </a:p>
-      </dgm:t>
     </dgm:pt>
     <dgm:pt modelId="{FD200BF5-DCCC-4CDA-90D9-0DE698DDD2E7}" type="pres">
       <dgm:prSet presAssocID="{7E776A56-D0E4-40FA-AF56-5B302D1B4B55}" presName="childShp" presStyleLbl="bgAccFollowNode1" presStyleIdx="4" presStyleCnt="5">
@@ -10781,13 +10541,6 @@
           </a:srgbClr>
         </a:solidFill>
       </dgm:spPr>
-      <dgm:t>
-        <a:bodyPr/>
-        <a:lstStyle/>
-        <a:p>
-          <a:endParaRPr lang="en-US"/>
-        </a:p>
-      </dgm:t>
     </dgm:pt>
   </dgm:ptLst>
   <dgm:cxnLst>
@@ -10854,10 +10607,9 @@
         <a:lstStyle/>
         <a:p>
           <a:r>
-            <a:rPr lang="en-US" dirty="0" smtClean="0"/>
+            <a:rPr lang="en-US" dirty="0"/>
             <a:t>Specific</a:t>
           </a:r>
-          <a:endParaRPr lang="en-US" dirty="0"/>
         </a:p>
       </dgm:t>
     </dgm:pt>
@@ -10891,10 +10643,9 @@
         <a:lstStyle/>
         <a:p>
           <a:r>
-            <a:rPr lang="en-US" dirty="0" smtClean="0"/>
+            <a:rPr lang="en-US" dirty="0"/>
             <a:t>Timely</a:t>
           </a:r>
-          <a:endParaRPr lang="en-US" dirty="0"/>
         </a:p>
       </dgm:t>
     </dgm:pt>
@@ -10932,18 +10683,13 @@
         <a:lstStyle/>
         <a:p>
           <a:r>
-            <a:rPr lang="en-US" b="1" dirty="0" smtClean="0">
+            <a:rPr lang="en-US" b="1" dirty="0">
               <a:solidFill>
                 <a:schemeClr val="tx1"/>
               </a:solidFill>
             </a:rPr>
             <a:t>Measurable</a:t>
           </a:r>
-          <a:endParaRPr lang="en-US" b="1" dirty="0">
-            <a:solidFill>
-              <a:schemeClr val="tx1"/>
-            </a:solidFill>
-          </a:endParaRPr>
         </a:p>
       </dgm:t>
     </dgm:pt>
@@ -10977,10 +10723,9 @@
         <a:lstStyle/>
         <a:p>
           <a:r>
-            <a:rPr lang="en-US" dirty="0" smtClean="0"/>
+            <a:rPr lang="en-US" dirty="0"/>
             <a:t>Accountable</a:t>
           </a:r>
-          <a:endParaRPr lang="en-US" dirty="0"/>
         </a:p>
       </dgm:t>
     </dgm:pt>
@@ -11014,10 +10759,9 @@
         <a:lstStyle/>
         <a:p>
           <a:r>
-            <a:rPr lang="en-US" dirty="0" smtClean="0"/>
+            <a:rPr lang="en-US" dirty="0"/>
             <a:t>Relevant</a:t>
           </a:r>
-          <a:endParaRPr lang="en-US" dirty="0"/>
         </a:p>
       </dgm:t>
     </dgm:pt>
@@ -11052,13 +10796,6 @@
         </dgm:presLayoutVars>
       </dgm:prSet>
       <dgm:spPr/>
-      <dgm:t>
-        <a:bodyPr/>
-        <a:lstStyle/>
-        <a:p>
-          <a:endParaRPr lang="en-US"/>
-        </a:p>
-      </dgm:t>
     </dgm:pt>
     <dgm:pt modelId="{F071564D-A183-4856-9649-ECAD7C56F9B0}" type="pres">
       <dgm:prSet presAssocID="{6DF75F78-A630-4F07-87E9-7B219A4E4E1C}" presName="linNode" presStyleCnt="0"/>
@@ -11071,13 +10808,6 @@
         </dgm:presLayoutVars>
       </dgm:prSet>
       <dgm:spPr/>
-      <dgm:t>
-        <a:bodyPr/>
-        <a:lstStyle/>
-        <a:p>
-          <a:endParaRPr lang="en-US"/>
-        </a:p>
-      </dgm:t>
     </dgm:pt>
     <dgm:pt modelId="{9CE4C73B-5A8F-400F-9A41-6791335C19F9}" type="pres">
       <dgm:prSet presAssocID="{6DF75F78-A630-4F07-87E9-7B219A4E4E1C}" presName="childShp" presStyleLbl="bgAccFollowNode1" presStyleIdx="0" presStyleCnt="5">
@@ -11099,13 +10829,6 @@
           </a:solidFill>
         </a:ln>
       </dgm:spPr>
-      <dgm:t>
-        <a:bodyPr/>
-        <a:lstStyle/>
-        <a:p>
-          <a:endParaRPr lang="en-US"/>
-        </a:p>
-      </dgm:t>
     </dgm:pt>
     <dgm:pt modelId="{47F8B2E8-C6A1-4443-B93A-33053FFEF14D}" type="pres">
       <dgm:prSet presAssocID="{4537CD29-1992-433D-A413-D7A75E7333FF}" presName="spacing" presStyleCnt="0"/>
@@ -11122,13 +10845,6 @@
         </dgm:presLayoutVars>
       </dgm:prSet>
       <dgm:spPr/>
-      <dgm:t>
-        <a:bodyPr/>
-        <a:lstStyle/>
-        <a:p>
-          <a:endParaRPr lang="en-US"/>
-        </a:p>
-      </dgm:t>
     </dgm:pt>
     <dgm:pt modelId="{1BEE2FD5-3F3D-463B-9A11-46BC42D4F282}" type="pres">
       <dgm:prSet presAssocID="{F09A8052-8091-4AEE-839D-F7378BEF90B1}" presName="childShp" presStyleLbl="bgAccFollowNode1" presStyleIdx="1" presStyleCnt="5">
@@ -11159,13 +10875,6 @@
         </dgm:presLayoutVars>
       </dgm:prSet>
       <dgm:spPr/>
-      <dgm:t>
-        <a:bodyPr/>
-        <a:lstStyle/>
-        <a:p>
-          <a:endParaRPr lang="en-US"/>
-        </a:p>
-      </dgm:t>
     </dgm:pt>
     <dgm:pt modelId="{AEBFFA70-6174-44A3-8EB3-EAA9186CAF0F}" type="pres">
       <dgm:prSet presAssocID="{76D7414C-A6EC-4E80-BCD9-DFF38B3D924D}" presName="childShp" presStyleLbl="bgAccFollowNode1" presStyleIdx="2" presStyleCnt="5">
@@ -11196,13 +10905,6 @@
         </dgm:presLayoutVars>
       </dgm:prSet>
       <dgm:spPr/>
-      <dgm:t>
-        <a:bodyPr/>
-        <a:lstStyle/>
-        <a:p>
-          <a:endParaRPr lang="en-US"/>
-        </a:p>
-      </dgm:t>
     </dgm:pt>
     <dgm:pt modelId="{57E0EAA9-9082-49B7-A15F-A22FDFA1C63C}" type="pres">
       <dgm:prSet presAssocID="{02B931D6-D1BE-496B-B948-6225C1EB83E1}" presName="childShp" presStyleLbl="bgAccFollowNode1" presStyleIdx="3" presStyleCnt="5">
@@ -11233,13 +10935,6 @@
         </dgm:presLayoutVars>
       </dgm:prSet>
       <dgm:spPr/>
-      <dgm:t>
-        <a:bodyPr/>
-        <a:lstStyle/>
-        <a:p>
-          <a:endParaRPr lang="en-US"/>
-        </a:p>
-      </dgm:t>
     </dgm:pt>
     <dgm:pt modelId="{FD200BF5-DCCC-4CDA-90D9-0DE698DDD2E7}" type="pres">
       <dgm:prSet presAssocID="{7E776A56-D0E4-40FA-AF56-5B302D1B4B55}" presName="childShp" presStyleLbl="bgAccFollowNode1" presStyleIdx="4" presStyleCnt="5">
@@ -11254,13 +10949,6 @@
           </a:srgbClr>
         </a:solidFill>
       </dgm:spPr>
-      <dgm:t>
-        <a:bodyPr/>
-        <a:lstStyle/>
-        <a:p>
-          <a:endParaRPr lang="en-US"/>
-        </a:p>
-      </dgm:t>
     </dgm:pt>
   </dgm:ptLst>
   <dgm:cxnLst>
@@ -11327,10 +11015,9 @@
         <a:lstStyle/>
         <a:p>
           <a:r>
-            <a:rPr lang="en-US" dirty="0" smtClean="0"/>
+            <a:rPr lang="en-US" dirty="0"/>
             <a:t>Specific</a:t>
           </a:r>
-          <a:endParaRPr lang="en-US" dirty="0"/>
         </a:p>
       </dgm:t>
     </dgm:pt>
@@ -11364,10 +11051,9 @@
         <a:lstStyle/>
         <a:p>
           <a:r>
-            <a:rPr lang="en-US" dirty="0" smtClean="0"/>
+            <a:rPr lang="en-US" dirty="0"/>
             <a:t>Timely</a:t>
           </a:r>
-          <a:endParaRPr lang="en-US" dirty="0"/>
         </a:p>
       </dgm:t>
     </dgm:pt>
@@ -11401,10 +11087,9 @@
         <a:lstStyle/>
         <a:p>
           <a:r>
-            <a:rPr lang="en-US" dirty="0" smtClean="0"/>
+            <a:rPr lang="en-US" dirty="0"/>
             <a:t>Measurable</a:t>
           </a:r>
-          <a:endParaRPr lang="en-US" dirty="0"/>
         </a:p>
       </dgm:t>
     </dgm:pt>
@@ -11442,18 +11127,13 @@
         <a:lstStyle/>
         <a:p>
           <a:r>
-            <a:rPr lang="en-US" b="1" dirty="0" smtClean="0">
+            <a:rPr lang="en-US" b="1" dirty="0">
               <a:solidFill>
                 <a:schemeClr val="tx1"/>
               </a:solidFill>
             </a:rPr>
             <a:t>Accountable</a:t>
           </a:r>
-          <a:endParaRPr lang="en-US" b="1" dirty="0">
-            <a:solidFill>
-              <a:schemeClr val="tx1"/>
-            </a:solidFill>
-          </a:endParaRPr>
         </a:p>
       </dgm:t>
     </dgm:pt>
@@ -11487,10 +11167,9 @@
         <a:lstStyle/>
         <a:p>
           <a:r>
-            <a:rPr lang="en-US" dirty="0" smtClean="0"/>
+            <a:rPr lang="en-US" dirty="0"/>
             <a:t>Relevant</a:t>
           </a:r>
-          <a:endParaRPr lang="en-US" dirty="0"/>
         </a:p>
       </dgm:t>
     </dgm:pt>
@@ -11525,13 +11204,6 @@
         </dgm:presLayoutVars>
       </dgm:prSet>
       <dgm:spPr/>
-      <dgm:t>
-        <a:bodyPr/>
-        <a:lstStyle/>
-        <a:p>
-          <a:endParaRPr lang="en-US"/>
-        </a:p>
-      </dgm:t>
     </dgm:pt>
     <dgm:pt modelId="{F071564D-A183-4856-9649-ECAD7C56F9B0}" type="pres">
       <dgm:prSet presAssocID="{6DF75F78-A630-4F07-87E9-7B219A4E4E1C}" presName="linNode" presStyleCnt="0"/>
@@ -11544,13 +11216,6 @@
         </dgm:presLayoutVars>
       </dgm:prSet>
       <dgm:spPr/>
-      <dgm:t>
-        <a:bodyPr/>
-        <a:lstStyle/>
-        <a:p>
-          <a:endParaRPr lang="en-US"/>
-        </a:p>
-      </dgm:t>
     </dgm:pt>
     <dgm:pt modelId="{9CE4C73B-5A8F-400F-9A41-6791335C19F9}" type="pres">
       <dgm:prSet presAssocID="{6DF75F78-A630-4F07-87E9-7B219A4E4E1C}" presName="childShp" presStyleLbl="bgAccFollowNode1" presStyleIdx="0" presStyleCnt="5">
@@ -11572,13 +11237,6 @@
           </a:solidFill>
         </a:ln>
       </dgm:spPr>
-      <dgm:t>
-        <a:bodyPr/>
-        <a:lstStyle/>
-        <a:p>
-          <a:endParaRPr lang="en-US"/>
-        </a:p>
-      </dgm:t>
     </dgm:pt>
     <dgm:pt modelId="{47F8B2E8-C6A1-4443-B93A-33053FFEF14D}" type="pres">
       <dgm:prSet presAssocID="{4537CD29-1992-433D-A413-D7A75E7333FF}" presName="spacing" presStyleCnt="0"/>
@@ -11595,13 +11253,6 @@
         </dgm:presLayoutVars>
       </dgm:prSet>
       <dgm:spPr/>
-      <dgm:t>
-        <a:bodyPr/>
-        <a:lstStyle/>
-        <a:p>
-          <a:endParaRPr lang="en-US"/>
-        </a:p>
-      </dgm:t>
     </dgm:pt>
     <dgm:pt modelId="{1BEE2FD5-3F3D-463B-9A11-46BC42D4F282}" type="pres">
       <dgm:prSet presAssocID="{F09A8052-8091-4AEE-839D-F7378BEF90B1}" presName="childShp" presStyleLbl="bgAccFollowNode1" presStyleIdx="1" presStyleCnt="5">
@@ -11632,13 +11283,6 @@
         </dgm:presLayoutVars>
       </dgm:prSet>
       <dgm:spPr/>
-      <dgm:t>
-        <a:bodyPr/>
-        <a:lstStyle/>
-        <a:p>
-          <a:endParaRPr lang="en-US"/>
-        </a:p>
-      </dgm:t>
     </dgm:pt>
     <dgm:pt modelId="{AEBFFA70-6174-44A3-8EB3-EAA9186CAF0F}" type="pres">
       <dgm:prSet presAssocID="{76D7414C-A6EC-4E80-BCD9-DFF38B3D924D}" presName="childShp" presStyleLbl="bgAccFollowNode1" presStyleIdx="2" presStyleCnt="5">
@@ -11669,13 +11313,6 @@
         </dgm:presLayoutVars>
       </dgm:prSet>
       <dgm:spPr/>
-      <dgm:t>
-        <a:bodyPr/>
-        <a:lstStyle/>
-        <a:p>
-          <a:endParaRPr lang="en-US"/>
-        </a:p>
-      </dgm:t>
     </dgm:pt>
     <dgm:pt modelId="{57E0EAA9-9082-49B7-A15F-A22FDFA1C63C}" type="pres">
       <dgm:prSet presAssocID="{02B931D6-D1BE-496B-B948-6225C1EB83E1}" presName="childShp" presStyleLbl="bgAccFollowNode1" presStyleIdx="3" presStyleCnt="5">
@@ -11706,13 +11343,6 @@
         </dgm:presLayoutVars>
       </dgm:prSet>
       <dgm:spPr/>
-      <dgm:t>
-        <a:bodyPr/>
-        <a:lstStyle/>
-        <a:p>
-          <a:endParaRPr lang="en-US"/>
-        </a:p>
-      </dgm:t>
     </dgm:pt>
     <dgm:pt modelId="{FD200BF5-DCCC-4CDA-90D9-0DE698DDD2E7}" type="pres">
       <dgm:prSet presAssocID="{7E776A56-D0E4-40FA-AF56-5B302D1B4B55}" presName="childShp" presStyleLbl="bgAccFollowNode1" presStyleIdx="4" presStyleCnt="5">
@@ -11727,13 +11357,6 @@
           </a:srgbClr>
         </a:solidFill>
       </dgm:spPr>
-      <dgm:t>
-        <a:bodyPr/>
-        <a:lstStyle/>
-        <a:p>
-          <a:endParaRPr lang="en-US"/>
-        </a:p>
-      </dgm:t>
     </dgm:pt>
   </dgm:ptLst>
   <dgm:cxnLst>
@@ -11800,10 +11423,9 @@
         <a:lstStyle/>
         <a:p>
           <a:r>
-            <a:rPr lang="en-US" dirty="0" smtClean="0"/>
+            <a:rPr lang="en-US" dirty="0"/>
             <a:t>Specific</a:t>
           </a:r>
-          <a:endParaRPr lang="en-US" dirty="0"/>
         </a:p>
       </dgm:t>
     </dgm:pt>
@@ -11837,10 +11459,9 @@
         <a:lstStyle/>
         <a:p>
           <a:r>
-            <a:rPr lang="en-US" dirty="0" smtClean="0"/>
+            <a:rPr lang="en-US" dirty="0"/>
             <a:t>Timely</a:t>
           </a:r>
-          <a:endParaRPr lang="en-US" dirty="0"/>
         </a:p>
       </dgm:t>
     </dgm:pt>
@@ -11874,10 +11495,9 @@
         <a:lstStyle/>
         <a:p>
           <a:r>
-            <a:rPr lang="en-US" dirty="0" smtClean="0"/>
+            <a:rPr lang="en-US" dirty="0"/>
             <a:t>Measurable</a:t>
           </a:r>
-          <a:endParaRPr lang="en-US" dirty="0"/>
         </a:p>
       </dgm:t>
     </dgm:pt>
@@ -11911,10 +11531,9 @@
         <a:lstStyle/>
         <a:p>
           <a:r>
-            <a:rPr lang="en-US" dirty="0" smtClean="0"/>
+            <a:rPr lang="en-US" dirty="0"/>
             <a:t>Accountable</a:t>
           </a:r>
-          <a:endParaRPr lang="en-US" dirty="0"/>
         </a:p>
       </dgm:t>
     </dgm:pt>
@@ -11952,18 +11571,13 @@
         <a:lstStyle/>
         <a:p>
           <a:r>
-            <a:rPr lang="en-US" b="1" dirty="0" smtClean="0">
+            <a:rPr lang="en-US" b="1" dirty="0">
               <a:solidFill>
                 <a:schemeClr val="bg1"/>
               </a:solidFill>
             </a:rPr>
             <a:t>Relevant</a:t>
           </a:r>
-          <a:endParaRPr lang="en-US" b="1" dirty="0">
-            <a:solidFill>
-              <a:schemeClr val="bg1"/>
-            </a:solidFill>
-          </a:endParaRPr>
         </a:p>
       </dgm:t>
     </dgm:pt>
@@ -11998,13 +11612,6 @@
         </dgm:presLayoutVars>
       </dgm:prSet>
       <dgm:spPr/>
-      <dgm:t>
-        <a:bodyPr/>
-        <a:lstStyle/>
-        <a:p>
-          <a:endParaRPr lang="en-US"/>
-        </a:p>
-      </dgm:t>
     </dgm:pt>
     <dgm:pt modelId="{F071564D-A183-4856-9649-ECAD7C56F9B0}" type="pres">
       <dgm:prSet presAssocID="{6DF75F78-A630-4F07-87E9-7B219A4E4E1C}" presName="linNode" presStyleCnt="0"/>
@@ -12017,13 +11624,6 @@
         </dgm:presLayoutVars>
       </dgm:prSet>
       <dgm:spPr/>
-      <dgm:t>
-        <a:bodyPr/>
-        <a:lstStyle/>
-        <a:p>
-          <a:endParaRPr lang="en-US"/>
-        </a:p>
-      </dgm:t>
     </dgm:pt>
     <dgm:pt modelId="{9CE4C73B-5A8F-400F-9A41-6791335C19F9}" type="pres">
       <dgm:prSet presAssocID="{6DF75F78-A630-4F07-87E9-7B219A4E4E1C}" presName="childShp" presStyleLbl="bgAccFollowNode1" presStyleIdx="0" presStyleCnt="5">
@@ -12045,13 +11645,6 @@
           </a:solidFill>
         </a:ln>
       </dgm:spPr>
-      <dgm:t>
-        <a:bodyPr/>
-        <a:lstStyle/>
-        <a:p>
-          <a:endParaRPr lang="en-US"/>
-        </a:p>
-      </dgm:t>
     </dgm:pt>
     <dgm:pt modelId="{47F8B2E8-C6A1-4443-B93A-33053FFEF14D}" type="pres">
       <dgm:prSet presAssocID="{4537CD29-1992-433D-A413-D7A75E7333FF}" presName="spacing" presStyleCnt="0"/>
@@ -12068,13 +11661,6 @@
         </dgm:presLayoutVars>
       </dgm:prSet>
       <dgm:spPr/>
-      <dgm:t>
-        <a:bodyPr/>
-        <a:lstStyle/>
-        <a:p>
-          <a:endParaRPr lang="en-US"/>
-        </a:p>
-      </dgm:t>
     </dgm:pt>
     <dgm:pt modelId="{1BEE2FD5-3F3D-463B-9A11-46BC42D4F282}" type="pres">
       <dgm:prSet presAssocID="{F09A8052-8091-4AEE-839D-F7378BEF90B1}" presName="childShp" presStyleLbl="bgAccFollowNode1" presStyleIdx="1" presStyleCnt="5">
@@ -12105,13 +11691,6 @@
         </dgm:presLayoutVars>
       </dgm:prSet>
       <dgm:spPr/>
-      <dgm:t>
-        <a:bodyPr/>
-        <a:lstStyle/>
-        <a:p>
-          <a:endParaRPr lang="en-US"/>
-        </a:p>
-      </dgm:t>
     </dgm:pt>
     <dgm:pt modelId="{AEBFFA70-6174-44A3-8EB3-EAA9186CAF0F}" type="pres">
       <dgm:prSet presAssocID="{76D7414C-A6EC-4E80-BCD9-DFF38B3D924D}" presName="childShp" presStyleLbl="bgAccFollowNode1" presStyleIdx="2" presStyleCnt="5">
@@ -12142,13 +11721,6 @@
         </dgm:presLayoutVars>
       </dgm:prSet>
       <dgm:spPr/>
-      <dgm:t>
-        <a:bodyPr/>
-        <a:lstStyle/>
-        <a:p>
-          <a:endParaRPr lang="en-US"/>
-        </a:p>
-      </dgm:t>
     </dgm:pt>
     <dgm:pt modelId="{57E0EAA9-9082-49B7-A15F-A22FDFA1C63C}" type="pres">
       <dgm:prSet presAssocID="{02B931D6-D1BE-496B-B948-6225C1EB83E1}" presName="childShp" presStyleLbl="bgAccFollowNode1" presStyleIdx="3" presStyleCnt="5">
@@ -12179,13 +11751,6 @@
         </dgm:presLayoutVars>
       </dgm:prSet>
       <dgm:spPr/>
-      <dgm:t>
-        <a:bodyPr/>
-        <a:lstStyle/>
-        <a:p>
-          <a:endParaRPr lang="en-US"/>
-        </a:p>
-      </dgm:t>
     </dgm:pt>
     <dgm:pt modelId="{FD200BF5-DCCC-4CDA-90D9-0DE698DDD2E7}" type="pres">
       <dgm:prSet presAssocID="{7E776A56-D0E4-40FA-AF56-5B302D1B4B55}" presName="childShp" presStyleLbl="bgAccFollowNode1" presStyleIdx="4" presStyleCnt="5">
@@ -12200,13 +11765,6 @@
           </a:srgbClr>
         </a:solidFill>
       </dgm:spPr>
-      <dgm:t>
-        <a:bodyPr/>
-        <a:lstStyle/>
-        <a:p>
-          <a:endParaRPr lang="en-US"/>
-        </a:p>
-      </dgm:t>
     </dgm:pt>
   </dgm:ptLst>
   <dgm:cxnLst>
@@ -12273,10 +11831,9 @@
         <a:lstStyle/>
         <a:p>
           <a:r>
-            <a:rPr lang="en-US" dirty="0" smtClean="0"/>
+            <a:rPr lang="en-US" dirty="0"/>
             <a:t>Specific</a:t>
           </a:r>
-          <a:endParaRPr lang="en-US" dirty="0"/>
         </a:p>
       </dgm:t>
     </dgm:pt>
@@ -12314,10 +11871,9 @@
         <a:lstStyle/>
         <a:p>
           <a:r>
-            <a:rPr lang="en-US" b="1" dirty="0" smtClean="0"/>
+            <a:rPr lang="en-US" b="1" dirty="0"/>
             <a:t>Timely</a:t>
           </a:r>
-          <a:endParaRPr lang="en-US" b="1" dirty="0"/>
         </a:p>
       </dgm:t>
     </dgm:pt>
@@ -12351,10 +11907,9 @@
         <a:lstStyle/>
         <a:p>
           <a:r>
-            <a:rPr lang="en-US" dirty="0" smtClean="0"/>
+            <a:rPr lang="en-US" dirty="0"/>
             <a:t>Measurable</a:t>
           </a:r>
-          <a:endParaRPr lang="en-US" dirty="0"/>
         </a:p>
       </dgm:t>
     </dgm:pt>
@@ -12388,10 +11943,9 @@
         <a:lstStyle/>
         <a:p>
           <a:r>
-            <a:rPr lang="en-US" dirty="0" smtClean="0"/>
+            <a:rPr lang="en-US" dirty="0"/>
             <a:t>Accountable</a:t>
           </a:r>
-          <a:endParaRPr lang="en-US" dirty="0"/>
         </a:p>
       </dgm:t>
     </dgm:pt>
@@ -12425,10 +11979,9 @@
         <a:lstStyle/>
         <a:p>
           <a:r>
-            <a:rPr lang="en-US" dirty="0" smtClean="0"/>
+            <a:rPr lang="en-US" dirty="0"/>
             <a:t>Relevant</a:t>
           </a:r>
-          <a:endParaRPr lang="en-US" dirty="0"/>
         </a:p>
       </dgm:t>
     </dgm:pt>
@@ -12463,13 +12016,6 @@
         </dgm:presLayoutVars>
       </dgm:prSet>
       <dgm:spPr/>
-      <dgm:t>
-        <a:bodyPr/>
-        <a:lstStyle/>
-        <a:p>
-          <a:endParaRPr lang="en-US"/>
-        </a:p>
-      </dgm:t>
     </dgm:pt>
     <dgm:pt modelId="{F071564D-A183-4856-9649-ECAD7C56F9B0}" type="pres">
       <dgm:prSet presAssocID="{6DF75F78-A630-4F07-87E9-7B219A4E4E1C}" presName="linNode" presStyleCnt="0"/>
@@ -12482,13 +12028,6 @@
         </dgm:presLayoutVars>
       </dgm:prSet>
       <dgm:spPr/>
-      <dgm:t>
-        <a:bodyPr/>
-        <a:lstStyle/>
-        <a:p>
-          <a:endParaRPr lang="en-US"/>
-        </a:p>
-      </dgm:t>
     </dgm:pt>
     <dgm:pt modelId="{9CE4C73B-5A8F-400F-9A41-6791335C19F9}" type="pres">
       <dgm:prSet presAssocID="{6DF75F78-A630-4F07-87E9-7B219A4E4E1C}" presName="childShp" presStyleLbl="bgAccFollowNode1" presStyleIdx="0" presStyleCnt="5">
@@ -12510,13 +12049,6 @@
           </a:solidFill>
         </a:ln>
       </dgm:spPr>
-      <dgm:t>
-        <a:bodyPr/>
-        <a:lstStyle/>
-        <a:p>
-          <a:endParaRPr lang="en-US"/>
-        </a:p>
-      </dgm:t>
     </dgm:pt>
     <dgm:pt modelId="{47F8B2E8-C6A1-4443-B93A-33053FFEF14D}" type="pres">
       <dgm:prSet presAssocID="{4537CD29-1992-433D-A413-D7A75E7333FF}" presName="spacing" presStyleCnt="0"/>
@@ -12533,13 +12065,6 @@
         </dgm:presLayoutVars>
       </dgm:prSet>
       <dgm:spPr/>
-      <dgm:t>
-        <a:bodyPr/>
-        <a:lstStyle/>
-        <a:p>
-          <a:endParaRPr lang="en-US"/>
-        </a:p>
-      </dgm:t>
     </dgm:pt>
     <dgm:pt modelId="{1BEE2FD5-3F3D-463B-9A11-46BC42D4F282}" type="pres">
       <dgm:prSet presAssocID="{F09A8052-8091-4AEE-839D-F7378BEF90B1}" presName="childShp" presStyleLbl="bgAccFollowNode1" presStyleIdx="1" presStyleCnt="5">
@@ -12570,13 +12095,6 @@
         </dgm:presLayoutVars>
       </dgm:prSet>
       <dgm:spPr/>
-      <dgm:t>
-        <a:bodyPr/>
-        <a:lstStyle/>
-        <a:p>
-          <a:endParaRPr lang="en-US"/>
-        </a:p>
-      </dgm:t>
     </dgm:pt>
     <dgm:pt modelId="{AEBFFA70-6174-44A3-8EB3-EAA9186CAF0F}" type="pres">
       <dgm:prSet presAssocID="{76D7414C-A6EC-4E80-BCD9-DFF38B3D924D}" presName="childShp" presStyleLbl="bgAccFollowNode1" presStyleIdx="2" presStyleCnt="5">
@@ -12607,13 +12125,6 @@
         </dgm:presLayoutVars>
       </dgm:prSet>
       <dgm:spPr/>
-      <dgm:t>
-        <a:bodyPr/>
-        <a:lstStyle/>
-        <a:p>
-          <a:endParaRPr lang="en-US"/>
-        </a:p>
-      </dgm:t>
     </dgm:pt>
     <dgm:pt modelId="{57E0EAA9-9082-49B7-A15F-A22FDFA1C63C}" type="pres">
       <dgm:prSet presAssocID="{02B931D6-D1BE-496B-B948-6225C1EB83E1}" presName="childShp" presStyleLbl="bgAccFollowNode1" presStyleIdx="3" presStyleCnt="5">
@@ -12644,13 +12155,6 @@
         </dgm:presLayoutVars>
       </dgm:prSet>
       <dgm:spPr/>
-      <dgm:t>
-        <a:bodyPr/>
-        <a:lstStyle/>
-        <a:p>
-          <a:endParaRPr lang="en-US"/>
-        </a:p>
-      </dgm:t>
     </dgm:pt>
     <dgm:pt modelId="{FD200BF5-DCCC-4CDA-90D9-0DE698DDD2E7}" type="pres">
       <dgm:prSet presAssocID="{7E776A56-D0E4-40FA-AF56-5B302D1B4B55}" presName="childShp" presStyleLbl="bgAccFollowNode1" presStyleIdx="4" presStyleCnt="5">
@@ -12665,13 +12169,6 @@
           </a:srgbClr>
         </a:solidFill>
       </dgm:spPr>
-      <dgm:t>
-        <a:bodyPr/>
-        <a:lstStyle/>
-        <a:p>
-          <a:endParaRPr lang="en-US"/>
-        </a:p>
-      </dgm:t>
     </dgm:pt>
   </dgm:ptLst>
   <dgm:cxnLst>
@@ -12738,10 +12235,9 @@
         <a:lstStyle/>
         <a:p>
           <a:r>
-            <a:rPr lang="en-US" dirty="0" smtClean="0"/>
+            <a:rPr lang="en-US" dirty="0"/>
             <a:t>Autonomy</a:t>
           </a:r>
-          <a:endParaRPr lang="en-US" dirty="0"/>
         </a:p>
       </dgm:t>
     </dgm:pt>
@@ -12775,10 +12271,9 @@
         <a:lstStyle/>
         <a:p>
           <a:r>
-            <a:rPr lang="en-US" dirty="0" smtClean="0"/>
+            <a:rPr lang="en-US" dirty="0"/>
             <a:t>Mastery</a:t>
           </a:r>
-          <a:endParaRPr lang="en-US" dirty="0"/>
         </a:p>
       </dgm:t>
     </dgm:pt>
@@ -12812,10 +12307,9 @@
         <a:lstStyle/>
         <a:p>
           <a:r>
-            <a:rPr lang="en-US" dirty="0" smtClean="0"/>
+            <a:rPr lang="en-US" dirty="0"/>
             <a:t>Purpose</a:t>
           </a:r>
-          <a:endParaRPr lang="en-US" dirty="0"/>
         </a:p>
       </dgm:t>
     </dgm:pt>
@@ -12881,22 +12375,15 @@
         </dgm:presLayoutVars>
       </dgm:prSet>
       <dgm:spPr/>
-      <dgm:t>
-        <a:bodyPr/>
-        <a:lstStyle/>
-        <a:p>
-          <a:endParaRPr lang="en-US"/>
-        </a:p>
-      </dgm:t>
     </dgm:pt>
   </dgm:ptLst>
   <dgm:cxnLst>
     <dgm:cxn modelId="{58CFCB5B-61A4-45CB-9944-F3A745C7D90F}" type="presOf" srcId="{223C7C6C-CA45-42E5-AE11-95E702F4C8EF}" destId="{AF6EF89F-2EBA-43DF-9B6A-083B65B64065}" srcOrd="0" destOrd="0" presId="urn:microsoft.com/office/officeart/2005/8/layout/default"/>
     <dgm:cxn modelId="{5F508BEC-3155-4137-8AFB-FACBB2583F86}" srcId="{E6D2A186-C95F-4458-A90E-00AFE54AF518}" destId="{139CF35D-49FF-4AD6-9CB1-25104B5429C4}" srcOrd="0" destOrd="0" parTransId="{20467DF1-DCDD-446F-AAF8-5C89EB886BB4}" sibTransId="{8B887254-D91F-48D2-8D7C-B6FF096936FE}"/>
     <dgm:cxn modelId="{9D6B70D8-5F51-4BF7-860B-0C24C1C12177}" srcId="{E6D2A186-C95F-4458-A90E-00AFE54AF518}" destId="{223C7C6C-CA45-42E5-AE11-95E702F4C8EF}" srcOrd="2" destOrd="0" parTransId="{1764C002-4A87-4C89-8C40-675201D9D425}" sibTransId="{6956503C-8053-4FCF-BED3-04D45DC1DE33}"/>
-    <dgm:cxn modelId="{9B4A5295-F068-48B2-BFE4-BEDB45B80FD2}" type="presOf" srcId="{27E8CBCD-AC68-4312-9E15-1F51385D7CF8}" destId="{338DEB31-C5CB-4310-BD13-8580B956D7F4}" srcOrd="0" destOrd="0" presId="urn:microsoft.com/office/officeart/2005/8/layout/default"/>
     <dgm:cxn modelId="{EEC711AC-6C74-4976-85EC-C2F59243EDF3}" type="presOf" srcId="{E6D2A186-C95F-4458-A90E-00AFE54AF518}" destId="{E7316667-B0F3-4023-AC8C-C272F5151C4B}" srcOrd="0" destOrd="0" presId="urn:microsoft.com/office/officeart/2005/8/layout/default"/>
     <dgm:cxn modelId="{3583838B-2EE5-4770-9CD0-0F45458C214D}" type="presOf" srcId="{139CF35D-49FF-4AD6-9CB1-25104B5429C4}" destId="{7CEF7651-4190-4FC9-AB41-FA78BE77A22B}" srcOrd="0" destOrd="0" presId="urn:microsoft.com/office/officeart/2005/8/layout/default"/>
+    <dgm:cxn modelId="{9B4A5295-F068-48B2-BFE4-BEDB45B80FD2}" type="presOf" srcId="{27E8CBCD-AC68-4312-9E15-1F51385D7CF8}" destId="{338DEB31-C5CB-4310-BD13-8580B956D7F4}" srcOrd="0" destOrd="0" presId="urn:microsoft.com/office/officeart/2005/8/layout/default"/>
     <dgm:cxn modelId="{2B36C68A-0D79-426F-839F-6C833B4FDDC6}" srcId="{E6D2A186-C95F-4458-A90E-00AFE54AF518}" destId="{27E8CBCD-AC68-4312-9E15-1F51385D7CF8}" srcOrd="1" destOrd="0" parTransId="{6289D7B0-290F-4CF7-AC2C-781EBD93F847}" sibTransId="{4EAFECF3-42E1-4445-BDE1-130416C0F478}"/>
     <dgm:cxn modelId="{CA331382-0B7E-4776-890F-D98ABBBC3E5C}" type="presParOf" srcId="{E7316667-B0F3-4023-AC8C-C272F5151C4B}" destId="{7CEF7651-4190-4FC9-AB41-FA78BE77A22B}" srcOrd="0" destOrd="0" presId="urn:microsoft.com/office/officeart/2005/8/layout/default"/>
     <dgm:cxn modelId="{AEBD303E-63AA-405E-BE0C-12F7CB7DF310}" type="presParOf" srcId="{E7316667-B0F3-4023-AC8C-C272F5151C4B}" destId="{88A1CE08-DDA8-444B-8017-E611AC94681D}" srcOrd="1" destOrd="0" presId="urn:microsoft.com/office/officeart/2005/8/layout/default"/>
@@ -12929,10 +12416,9 @@
         <a:lstStyle/>
         <a:p>
           <a:r>
-            <a:rPr lang="en-US" dirty="0" smtClean="0"/>
+            <a:rPr lang="en-US" dirty="0"/>
             <a:t>1. Achievement</a:t>
           </a:r>
-          <a:endParaRPr lang="en-US" dirty="0"/>
         </a:p>
       </dgm:t>
     </dgm:pt>
@@ -12966,10 +12452,9 @@
         <a:lstStyle/>
         <a:p>
           <a:r>
-            <a:rPr lang="en-US" dirty="0" smtClean="0"/>
+            <a:rPr lang="en-US" dirty="0"/>
             <a:t>2. Recognition</a:t>
           </a:r>
-          <a:endParaRPr lang="en-US" dirty="0"/>
         </a:p>
       </dgm:t>
     </dgm:pt>
@@ -13003,10 +12488,9 @@
         <a:lstStyle/>
         <a:p>
           <a:r>
-            <a:rPr lang="en-US" dirty="0" smtClean="0"/>
+            <a:rPr lang="en-US" dirty="0"/>
             <a:t>3. The work itself</a:t>
           </a:r>
-          <a:endParaRPr lang="en-US" dirty="0"/>
         </a:p>
       </dgm:t>
     </dgm:pt>
@@ -13040,10 +12524,9 @@
         <a:lstStyle/>
         <a:p>
           <a:r>
-            <a:rPr lang="en-US" dirty="0" smtClean="0"/>
+            <a:rPr lang="en-US" dirty="0"/>
             <a:t>4. Responsibility</a:t>
           </a:r>
-          <a:endParaRPr lang="en-US" dirty="0"/>
         </a:p>
       </dgm:t>
     </dgm:pt>
@@ -13077,10 +12560,9 @@
         <a:lstStyle/>
         <a:p>
           <a:r>
-            <a:rPr lang="en-US" dirty="0" smtClean="0"/>
+            <a:rPr lang="en-US" dirty="0"/>
             <a:t>5. Advancement</a:t>
           </a:r>
-          <a:endParaRPr lang="en-US" dirty="0"/>
         </a:p>
       </dgm:t>
     </dgm:pt>
@@ -13114,10 +12596,9 @@
         <a:lstStyle/>
         <a:p>
           <a:r>
-            <a:rPr lang="en-US" dirty="0" smtClean="0"/>
+            <a:rPr lang="en-US" dirty="0"/>
             <a:t>6. Growth</a:t>
           </a:r>
-          <a:endParaRPr lang="en-US" dirty="0"/>
         </a:p>
       </dgm:t>
     </dgm:pt>
@@ -13228,19 +12709,19 @@
     </dgm:pt>
   </dgm:ptLst>
   <dgm:cxnLst>
+    <dgm:cxn modelId="{FFB0D785-442E-464A-AA4A-C0BF6AE63706}" type="presOf" srcId="{5C700D6D-9053-47D4-8D8F-96E52201E8FC}" destId="{8EAD9ADE-A92C-4D90-9FE7-439440158CCA}" srcOrd="0" destOrd="0" presId="urn:microsoft.com/office/officeart/2005/8/layout/vList2"/>
+    <dgm:cxn modelId="{2A4C42A5-05DE-4FC1-95AD-03F4B2EB4DFF}" type="presOf" srcId="{5796ED0F-071F-4DE9-841D-8DD171044B5E}" destId="{9911A2B8-21D9-42BE-8225-304198AB32CE}" srcOrd="0" destOrd="0" presId="urn:microsoft.com/office/officeart/2005/8/layout/vList2"/>
     <dgm:cxn modelId="{14DDA5D5-27AF-463A-9753-97173BCA9287}" type="presOf" srcId="{5EB15ACA-DFA9-4BAA-9743-A098C21CCD95}" destId="{ED7161B7-D830-4000-89F4-66BD364BD7DF}" srcOrd="0" destOrd="0" presId="urn:microsoft.com/office/officeart/2005/8/layout/vList2"/>
+    <dgm:cxn modelId="{3AC2661B-B114-463E-AFE7-42B94C321BCA}" srcId="{527A5841-1A07-4368-9619-FD3E1DAFBF7A}" destId="{5EB15ACA-DFA9-4BAA-9743-A098C21CCD95}" srcOrd="2" destOrd="0" parTransId="{09A7DEC4-0661-43FD-8370-6517DA5DA1C5}" sibTransId="{A7655716-3F1E-4EE5-BD5D-8C92EAE8E910}"/>
+    <dgm:cxn modelId="{C629F8CC-82CA-4FAA-AFC1-4CDA9D3418A5}" type="presOf" srcId="{527A5841-1A07-4368-9619-FD3E1DAFBF7A}" destId="{53189BE4-9C97-4BBB-B4E9-A21AA3B53232}" srcOrd="0" destOrd="0" presId="urn:microsoft.com/office/officeart/2005/8/layout/vList2"/>
+    <dgm:cxn modelId="{834DF221-2EA4-4F8A-A3A2-1C7EE936AD5B}" srcId="{527A5841-1A07-4368-9619-FD3E1DAFBF7A}" destId="{E0781E2E-52A1-4A9F-A9B9-6F9FB689BA9D}" srcOrd="4" destOrd="0" parTransId="{A8E3B902-7D42-4DBD-8528-BC84393D122C}" sibTransId="{77919A14-F97B-4FD3-AFCB-42C91128CC3D}"/>
     <dgm:cxn modelId="{32BD28D2-4490-458E-8AB0-6387C4A3499B}" srcId="{527A5841-1A07-4368-9619-FD3E1DAFBF7A}" destId="{5C700D6D-9053-47D4-8D8F-96E52201E8FC}" srcOrd="3" destOrd="0" parTransId="{11EB4CCC-3299-4AD1-9A40-E73ED7A9F80F}" sibTransId="{F5A43F2B-AAF2-4B7C-8D5E-D67DAE0F7CB5}"/>
-    <dgm:cxn modelId="{834DF221-2EA4-4F8A-A3A2-1C7EE936AD5B}" srcId="{527A5841-1A07-4368-9619-FD3E1DAFBF7A}" destId="{E0781E2E-52A1-4A9F-A9B9-6F9FB689BA9D}" srcOrd="4" destOrd="0" parTransId="{A8E3B902-7D42-4DBD-8528-BC84393D122C}" sibTransId="{77919A14-F97B-4FD3-AFCB-42C91128CC3D}"/>
+    <dgm:cxn modelId="{239A8147-A182-42A4-B18F-DA94342DBAF2}" srcId="{527A5841-1A07-4368-9619-FD3E1DAFBF7A}" destId="{D2B87746-4986-4F39-B8DB-16413A081970}" srcOrd="0" destOrd="0" parTransId="{0CD9715D-07DF-4D0E-9897-7DDE37E66CE8}" sibTransId="{8D87A551-3C94-4477-B882-9787E85581E5}"/>
     <dgm:cxn modelId="{36C04BB4-99CA-4F81-8CA5-FF923F7004EB}" type="presOf" srcId="{D2B87746-4986-4F39-B8DB-16413A081970}" destId="{1919DBC8-E7FD-441A-B93E-D1B8AF5C805A}" srcOrd="0" destOrd="0" presId="urn:microsoft.com/office/officeart/2005/8/layout/vList2"/>
-    <dgm:cxn modelId="{C629F8CC-82CA-4FAA-AFC1-4CDA9D3418A5}" type="presOf" srcId="{527A5841-1A07-4368-9619-FD3E1DAFBF7A}" destId="{53189BE4-9C97-4BBB-B4E9-A21AA3B53232}" srcOrd="0" destOrd="0" presId="urn:microsoft.com/office/officeart/2005/8/layout/vList2"/>
     <dgm:cxn modelId="{F2F1D940-2D8F-423D-8E80-1017C22352C6}" srcId="{527A5841-1A07-4368-9619-FD3E1DAFBF7A}" destId="{0B9A878B-A21E-49D9-9460-3E9119CB1D57}" srcOrd="1" destOrd="0" parTransId="{765AB1F6-A161-490B-BCF4-E3BD7CB0D46B}" sibTransId="{B7C50FBE-FC6D-440A-B577-21F348FE410A}"/>
+    <dgm:cxn modelId="{FF5F9FFC-AE2A-468D-8E64-ECA098ED617D}" type="presOf" srcId="{E0781E2E-52A1-4A9F-A9B9-6F9FB689BA9D}" destId="{377AF49E-EB36-49EB-9ACA-EE561C825A02}" srcOrd="0" destOrd="0" presId="urn:microsoft.com/office/officeart/2005/8/layout/vList2"/>
+    <dgm:cxn modelId="{A3AB2353-E5C7-41E1-8E52-488167F40223}" srcId="{527A5841-1A07-4368-9619-FD3E1DAFBF7A}" destId="{5796ED0F-071F-4DE9-841D-8DD171044B5E}" srcOrd="5" destOrd="0" parTransId="{65B7B4F8-EA65-4D98-829D-11A08998A5CA}" sibTransId="{B8528537-60F1-4128-88CE-7A5185C6661E}"/>
     <dgm:cxn modelId="{D071A1C4-60D3-400C-917C-2D73C05205E6}" type="presOf" srcId="{0B9A878B-A21E-49D9-9460-3E9119CB1D57}" destId="{2C746C7A-0934-4139-A00D-73939508EF79}" srcOrd="0" destOrd="0" presId="urn:microsoft.com/office/officeart/2005/8/layout/vList2"/>
-    <dgm:cxn modelId="{239A8147-A182-42A4-B18F-DA94342DBAF2}" srcId="{527A5841-1A07-4368-9619-FD3E1DAFBF7A}" destId="{D2B87746-4986-4F39-B8DB-16413A081970}" srcOrd="0" destOrd="0" parTransId="{0CD9715D-07DF-4D0E-9897-7DDE37E66CE8}" sibTransId="{8D87A551-3C94-4477-B882-9787E85581E5}"/>
-    <dgm:cxn modelId="{3AC2661B-B114-463E-AFE7-42B94C321BCA}" srcId="{527A5841-1A07-4368-9619-FD3E1DAFBF7A}" destId="{5EB15ACA-DFA9-4BAA-9743-A098C21CCD95}" srcOrd="2" destOrd="0" parTransId="{09A7DEC4-0661-43FD-8370-6517DA5DA1C5}" sibTransId="{A7655716-3F1E-4EE5-BD5D-8C92EAE8E910}"/>
-    <dgm:cxn modelId="{FFB0D785-442E-464A-AA4A-C0BF6AE63706}" type="presOf" srcId="{5C700D6D-9053-47D4-8D8F-96E52201E8FC}" destId="{8EAD9ADE-A92C-4D90-9FE7-439440158CCA}" srcOrd="0" destOrd="0" presId="urn:microsoft.com/office/officeart/2005/8/layout/vList2"/>
-    <dgm:cxn modelId="{A3AB2353-E5C7-41E1-8E52-488167F40223}" srcId="{527A5841-1A07-4368-9619-FD3E1DAFBF7A}" destId="{5796ED0F-071F-4DE9-841D-8DD171044B5E}" srcOrd="5" destOrd="0" parTransId="{65B7B4F8-EA65-4D98-829D-11A08998A5CA}" sibTransId="{B8528537-60F1-4128-88CE-7A5185C6661E}"/>
-    <dgm:cxn modelId="{FF5F9FFC-AE2A-468D-8E64-ECA098ED617D}" type="presOf" srcId="{E0781E2E-52A1-4A9F-A9B9-6F9FB689BA9D}" destId="{377AF49E-EB36-49EB-9ACA-EE561C825A02}" srcOrd="0" destOrd="0" presId="urn:microsoft.com/office/officeart/2005/8/layout/vList2"/>
-    <dgm:cxn modelId="{2A4C42A5-05DE-4FC1-95AD-03F4B2EB4DFF}" type="presOf" srcId="{5796ED0F-071F-4DE9-841D-8DD171044B5E}" destId="{9911A2B8-21D9-42BE-8225-304198AB32CE}" srcOrd="0" destOrd="0" presId="urn:microsoft.com/office/officeart/2005/8/layout/vList2"/>
     <dgm:cxn modelId="{FDBECD53-3ED0-45A5-877F-96D87283A442}" type="presParOf" srcId="{53189BE4-9C97-4BBB-B4E9-A21AA3B53232}" destId="{1919DBC8-E7FD-441A-B93E-D1B8AF5C805A}" srcOrd="0" destOrd="0" presId="urn:microsoft.com/office/officeart/2005/8/layout/vList2"/>
     <dgm:cxn modelId="{309D8B70-5301-4895-A306-B0EC8DCB8FC1}" type="presParOf" srcId="{53189BE4-9C97-4BBB-B4E9-A21AA3B53232}" destId="{589D73DE-D934-4128-B230-A5794FFFE981}" srcOrd="1" destOrd="0" presId="urn:microsoft.com/office/officeart/2005/8/layout/vList2"/>
     <dgm:cxn modelId="{94C2E2B2-BF74-47EF-8E2F-9E4C7F792BA5}" type="presParOf" srcId="{53189BE4-9C97-4BBB-B4E9-A21AA3B53232}" destId="{2C746C7A-0934-4139-A00D-73939508EF79}" srcOrd="2" destOrd="0" presId="urn:microsoft.com/office/officeart/2005/8/layout/vList2"/>
@@ -13369,7 +12850,7 @@
         </a:bodyPr>
         <a:lstStyle/>
         <a:p>
-          <a:pPr lvl="0" algn="ctr" defTabSz="889000">
+          <a:pPr marL="0" lvl="0" indent="0" algn="ctr" defTabSz="889000">
             <a:lnSpc>
               <a:spcPct val="90000"/>
             </a:lnSpc>
@@ -13379,12 +12860,12 @@
             <a:spcAft>
               <a:spcPct val="35000"/>
             </a:spcAft>
+            <a:buNone/>
           </a:pPr>
           <a:r>
-            <a:rPr lang="en-US" sz="2000" kern="1200" dirty="0" smtClean="0"/>
+            <a:rPr lang="en-US" sz="2000" kern="1200" dirty="0"/>
             <a:t>Specific</a:t>
           </a:r>
-          <a:endParaRPr lang="en-US" sz="2000" kern="1200" dirty="0"/>
         </a:p>
       </dsp:txBody>
       <dsp:txXfrm>
@@ -13495,7 +12976,7 @@
         </a:bodyPr>
         <a:lstStyle/>
         <a:p>
-          <a:pPr lvl="0" algn="ctr" defTabSz="889000">
+          <a:pPr marL="0" lvl="0" indent="0" algn="ctr" defTabSz="889000">
             <a:lnSpc>
               <a:spcPct val="90000"/>
             </a:lnSpc>
@@ -13505,12 +12986,12 @@
             <a:spcAft>
               <a:spcPct val="35000"/>
             </a:spcAft>
+            <a:buNone/>
           </a:pPr>
           <a:r>
-            <a:rPr lang="en-US" sz="2000" kern="1200" dirty="0" smtClean="0"/>
+            <a:rPr lang="en-US" sz="2000" kern="1200" dirty="0"/>
             <a:t>Measurable</a:t>
           </a:r>
-          <a:endParaRPr lang="en-US" sz="2000" kern="1200" dirty="0"/>
         </a:p>
       </dsp:txBody>
       <dsp:txXfrm>
@@ -13621,7 +13102,7 @@
         </a:bodyPr>
         <a:lstStyle/>
         <a:p>
-          <a:pPr lvl="0" algn="ctr" defTabSz="889000">
+          <a:pPr marL="0" lvl="0" indent="0" algn="ctr" defTabSz="889000">
             <a:lnSpc>
               <a:spcPct val="90000"/>
             </a:lnSpc>
@@ -13631,12 +13112,12 @@
             <a:spcAft>
               <a:spcPct val="35000"/>
             </a:spcAft>
+            <a:buNone/>
           </a:pPr>
           <a:r>
-            <a:rPr lang="en-US" sz="2000" kern="1200" dirty="0" smtClean="0"/>
+            <a:rPr lang="en-US" sz="2000" kern="1200" dirty="0"/>
             <a:t>Accountable</a:t>
           </a:r>
-          <a:endParaRPr lang="en-US" sz="2000" kern="1200" dirty="0"/>
         </a:p>
       </dsp:txBody>
       <dsp:txXfrm>
@@ -13747,7 +13228,7 @@
         </a:bodyPr>
         <a:lstStyle/>
         <a:p>
-          <a:pPr lvl="0" algn="ctr" defTabSz="889000">
+          <a:pPr marL="0" lvl="0" indent="0" algn="ctr" defTabSz="889000">
             <a:lnSpc>
               <a:spcPct val="90000"/>
             </a:lnSpc>
@@ -13757,12 +13238,12 @@
             <a:spcAft>
               <a:spcPct val="35000"/>
             </a:spcAft>
+            <a:buNone/>
           </a:pPr>
           <a:r>
-            <a:rPr lang="en-US" sz="2000" kern="1200" dirty="0" smtClean="0"/>
+            <a:rPr lang="en-US" sz="2000" kern="1200" dirty="0"/>
             <a:t>Relevant</a:t>
           </a:r>
-          <a:endParaRPr lang="en-US" sz="2000" kern="1200" dirty="0"/>
         </a:p>
       </dsp:txBody>
       <dsp:txXfrm>
@@ -13873,7 +13354,7 @@
         </a:bodyPr>
         <a:lstStyle/>
         <a:p>
-          <a:pPr lvl="0" algn="ctr" defTabSz="889000">
+          <a:pPr marL="0" lvl="0" indent="0" algn="ctr" defTabSz="889000">
             <a:lnSpc>
               <a:spcPct val="90000"/>
             </a:lnSpc>
@@ -13883,12 +13364,12 @@
             <a:spcAft>
               <a:spcPct val="35000"/>
             </a:spcAft>
+            <a:buNone/>
           </a:pPr>
           <a:r>
-            <a:rPr lang="en-US" sz="2000" kern="1200" dirty="0" smtClean="0"/>
+            <a:rPr lang="en-US" sz="2000" kern="1200" dirty="0"/>
             <a:t>Timely</a:t>
           </a:r>
-          <a:endParaRPr lang="en-US" sz="2000" kern="1200" dirty="0"/>
         </a:p>
       </dsp:txBody>
       <dsp:txXfrm>
@@ -13962,7 +13443,7 @@
         </a:bodyPr>
         <a:lstStyle/>
         <a:p>
-          <a:pPr lvl="0" algn="l" defTabSz="1511300">
+          <a:pPr marL="0" lvl="0" indent="0" algn="l" defTabSz="1511300">
             <a:lnSpc>
               <a:spcPct val="90000"/>
             </a:lnSpc>
@@ -13972,12 +13453,12 @@
             <a:spcAft>
               <a:spcPct val="35000"/>
             </a:spcAft>
+            <a:buNone/>
           </a:pPr>
           <a:r>
-            <a:rPr lang="en-US" sz="3400" kern="1200" dirty="0" smtClean="0"/>
+            <a:rPr lang="en-US" sz="3400" kern="1200" dirty="0"/>
             <a:t>Company policies</a:t>
           </a:r>
-          <a:endParaRPr lang="en-US" sz="3400" kern="1200" dirty="0"/>
         </a:p>
       </dsp:txBody>
       <dsp:txXfrm>
@@ -14039,7 +13520,7 @@
         </a:bodyPr>
         <a:lstStyle/>
         <a:p>
-          <a:pPr lvl="0" algn="l" defTabSz="1511300">
+          <a:pPr marL="0" lvl="0" indent="0" algn="l" defTabSz="1511300">
             <a:lnSpc>
               <a:spcPct val="90000"/>
             </a:lnSpc>
@@ -14049,9 +13530,10 @@
             <a:spcAft>
               <a:spcPct val="35000"/>
             </a:spcAft>
+            <a:buNone/>
           </a:pPr>
           <a:r>
-            <a:rPr lang="en-US" sz="3400" kern="1200" smtClean="0"/>
+            <a:rPr lang="en-US" sz="3400" kern="1200"/>
             <a:t>Supervision </a:t>
           </a:r>
           <a:endParaRPr lang="en-US" sz="3400" kern="1200" dirty="0"/>
@@ -14116,7 +13598,7 @@
         </a:bodyPr>
         <a:lstStyle/>
         <a:p>
-          <a:pPr lvl="0" algn="l" defTabSz="1511300">
+          <a:pPr marL="0" lvl="0" indent="0" algn="l" defTabSz="1511300">
             <a:lnSpc>
               <a:spcPct val="90000"/>
             </a:lnSpc>
@@ -14126,9 +13608,10 @@
             <a:spcAft>
               <a:spcPct val="35000"/>
             </a:spcAft>
+            <a:buNone/>
           </a:pPr>
           <a:r>
-            <a:rPr lang="en-US" sz="3400" kern="1200" smtClean="0"/>
+            <a:rPr lang="en-US" sz="3400" kern="1200"/>
             <a:t>Relationship with manager </a:t>
           </a:r>
           <a:endParaRPr lang="en-US" sz="3400" kern="1200" dirty="0"/>
@@ -14193,7 +13676,7 @@
         </a:bodyPr>
         <a:lstStyle/>
         <a:p>
-          <a:pPr lvl="0" algn="l" defTabSz="1511300">
+          <a:pPr marL="0" lvl="0" indent="0" algn="l" defTabSz="1511300">
             <a:lnSpc>
               <a:spcPct val="90000"/>
             </a:lnSpc>
@@ -14203,9 +13686,10 @@
             <a:spcAft>
               <a:spcPct val="35000"/>
             </a:spcAft>
+            <a:buNone/>
           </a:pPr>
           <a:r>
-            <a:rPr lang="en-US" sz="3400" kern="1200" smtClean="0"/>
+            <a:rPr lang="en-US" sz="3400" kern="1200"/>
             <a:t>Work conditions </a:t>
           </a:r>
           <a:endParaRPr lang="en-US" sz="3400" kern="1200" dirty="0"/>
@@ -14270,7 +13754,7 @@
         </a:bodyPr>
         <a:lstStyle/>
         <a:p>
-          <a:pPr lvl="0" algn="l" defTabSz="1511300">
+          <a:pPr marL="0" lvl="0" indent="0" algn="l" defTabSz="1511300">
             <a:lnSpc>
               <a:spcPct val="90000"/>
             </a:lnSpc>
@@ -14280,9 +13764,10 @@
             <a:spcAft>
               <a:spcPct val="35000"/>
             </a:spcAft>
+            <a:buNone/>
           </a:pPr>
           <a:r>
-            <a:rPr lang="en-US" sz="3400" kern="1200" smtClean="0"/>
+            <a:rPr lang="en-US" sz="3400" kern="1200"/>
             <a:t>Salary </a:t>
           </a:r>
           <a:endParaRPr lang="en-US" sz="3400" kern="1200" dirty="0"/>
@@ -14347,7 +13832,7 @@
         </a:bodyPr>
         <a:lstStyle/>
         <a:p>
-          <a:pPr lvl="0" algn="l" defTabSz="1511300">
+          <a:pPr marL="0" lvl="0" indent="0" algn="l" defTabSz="1511300">
             <a:lnSpc>
               <a:spcPct val="90000"/>
             </a:lnSpc>
@@ -14357,9 +13842,10 @@
             <a:spcAft>
               <a:spcPct val="35000"/>
             </a:spcAft>
+            <a:buNone/>
           </a:pPr>
           <a:r>
-            <a:rPr lang="en-US" sz="3400" kern="1200" smtClean="0"/>
+            <a:rPr lang="en-US" sz="3400" kern="1200"/>
             <a:t>Relationship with peers</a:t>
           </a:r>
           <a:endParaRPr lang="en-US" sz="3400" kern="1200" dirty="0"/>
@@ -14436,7 +13922,7 @@
         </a:bodyPr>
         <a:lstStyle/>
         <a:p>
-          <a:pPr lvl="0" algn="ctr" defTabSz="1066800">
+          <a:pPr marL="0" lvl="0" indent="0" algn="ctr" defTabSz="1066800">
             <a:lnSpc>
               <a:spcPct val="90000"/>
             </a:lnSpc>
@@ -14446,6 +13932,7 @@
             <a:spcAft>
               <a:spcPct val="35000"/>
             </a:spcAft>
+            <a:buNone/>
           </a:pPr>
           <a:r>
             <a:rPr lang="en-US" sz="2400" kern="1200" dirty="0"/>
@@ -14512,7 +13999,7 @@
         </a:bodyPr>
         <a:lstStyle/>
         <a:p>
-          <a:pPr lvl="0" algn="ctr" defTabSz="1066800">
+          <a:pPr marL="0" lvl="0" indent="0" algn="ctr" defTabSz="1066800">
             <a:lnSpc>
               <a:spcPct val="90000"/>
             </a:lnSpc>
@@ -14522,6 +14009,7 @@
             <a:spcAft>
               <a:spcPct val="35000"/>
             </a:spcAft>
+            <a:buNone/>
           </a:pPr>
           <a:r>
             <a:rPr lang="en-US" sz="2400" kern="1200" dirty="0"/>
@@ -14738,7 +14226,7 @@
         </a:bodyPr>
         <a:lstStyle/>
         <a:p>
-          <a:pPr lvl="0" algn="ctr" defTabSz="666750">
+          <a:pPr marL="0" lvl="0" indent="0" algn="ctr" defTabSz="666750">
             <a:lnSpc>
               <a:spcPct val="90000"/>
             </a:lnSpc>
@@ -14748,12 +14236,12 @@
             <a:spcAft>
               <a:spcPct val="35000"/>
             </a:spcAft>
+            <a:buNone/>
           </a:pPr>
           <a:r>
-            <a:rPr lang="en-US" sz="1500" kern="1200" dirty="0" smtClean="0"/>
+            <a:rPr lang="en-US" sz="1500" kern="1200" dirty="0"/>
             <a:t>Specific</a:t>
           </a:r>
-          <a:endParaRPr lang="en-US" sz="1500" kern="1200" dirty="0"/>
         </a:p>
       </dsp:txBody>
       <dsp:txXfrm>
@@ -14864,7 +14352,7 @@
         </a:bodyPr>
         <a:lstStyle/>
         <a:p>
-          <a:pPr lvl="0" algn="ctr" defTabSz="666750">
+          <a:pPr marL="0" lvl="0" indent="0" algn="ctr" defTabSz="666750">
             <a:lnSpc>
               <a:spcPct val="90000"/>
             </a:lnSpc>
@@ -14874,12 +14362,12 @@
             <a:spcAft>
               <a:spcPct val="35000"/>
             </a:spcAft>
+            <a:buNone/>
           </a:pPr>
           <a:r>
-            <a:rPr lang="en-US" sz="1500" kern="1200" dirty="0" smtClean="0"/>
+            <a:rPr lang="en-US" sz="1500" kern="1200" dirty="0"/>
             <a:t>Measurable</a:t>
           </a:r>
-          <a:endParaRPr lang="en-US" sz="1500" kern="1200" dirty="0"/>
         </a:p>
       </dsp:txBody>
       <dsp:txXfrm>
@@ -14990,7 +14478,7 @@
         </a:bodyPr>
         <a:lstStyle/>
         <a:p>
-          <a:pPr lvl="0" algn="ctr" defTabSz="666750">
+          <a:pPr marL="0" lvl="0" indent="0" algn="ctr" defTabSz="666750">
             <a:lnSpc>
               <a:spcPct val="90000"/>
             </a:lnSpc>
@@ -15000,12 +14488,12 @@
             <a:spcAft>
               <a:spcPct val="35000"/>
             </a:spcAft>
+            <a:buNone/>
           </a:pPr>
           <a:r>
-            <a:rPr lang="en-US" sz="1500" kern="1200" dirty="0" smtClean="0"/>
+            <a:rPr lang="en-US" sz="1500" kern="1200" dirty="0"/>
             <a:t>Accountable</a:t>
           </a:r>
-          <a:endParaRPr lang="en-US" sz="1500" kern="1200" dirty="0"/>
         </a:p>
       </dsp:txBody>
       <dsp:txXfrm>
@@ -15116,7 +14604,7 @@
         </a:bodyPr>
         <a:lstStyle/>
         <a:p>
-          <a:pPr lvl="0" algn="ctr" defTabSz="666750">
+          <a:pPr marL="0" lvl="0" indent="0" algn="ctr" defTabSz="666750">
             <a:lnSpc>
               <a:spcPct val="90000"/>
             </a:lnSpc>
@@ -15126,12 +14614,12 @@
             <a:spcAft>
               <a:spcPct val="35000"/>
             </a:spcAft>
+            <a:buNone/>
           </a:pPr>
           <a:r>
-            <a:rPr lang="en-US" sz="1500" kern="1200" dirty="0" smtClean="0"/>
+            <a:rPr lang="en-US" sz="1500" kern="1200" dirty="0"/>
             <a:t>Relevant</a:t>
           </a:r>
-          <a:endParaRPr lang="en-US" sz="1500" kern="1200" dirty="0"/>
         </a:p>
       </dsp:txBody>
       <dsp:txXfrm>
@@ -15242,7 +14730,7 @@
         </a:bodyPr>
         <a:lstStyle/>
         <a:p>
-          <a:pPr lvl="0" algn="ctr" defTabSz="666750">
+          <a:pPr marL="0" lvl="0" indent="0" algn="ctr" defTabSz="666750">
             <a:lnSpc>
               <a:spcPct val="90000"/>
             </a:lnSpc>
@@ -15252,12 +14740,12 @@
             <a:spcAft>
               <a:spcPct val="35000"/>
             </a:spcAft>
+            <a:buNone/>
           </a:pPr>
           <a:r>
-            <a:rPr lang="en-US" sz="1500" kern="1200" dirty="0" smtClean="0"/>
+            <a:rPr lang="en-US" sz="1500" kern="1200" dirty="0"/>
             <a:t>Timely</a:t>
           </a:r>
-          <a:endParaRPr lang="en-US" sz="1500" kern="1200" dirty="0"/>
         </a:p>
       </dsp:txBody>
       <dsp:txXfrm>
@@ -15370,7 +14858,7 @@
         </a:bodyPr>
         <a:lstStyle/>
         <a:p>
-          <a:pPr lvl="0" algn="ctr" defTabSz="711200">
+          <a:pPr marL="0" lvl="0" indent="0" algn="ctr" defTabSz="711200">
             <a:lnSpc>
               <a:spcPct val="90000"/>
             </a:lnSpc>
@@ -15380,12 +14868,12 @@
             <a:spcAft>
               <a:spcPct val="35000"/>
             </a:spcAft>
+            <a:buNone/>
           </a:pPr>
           <a:r>
-            <a:rPr lang="en-US" sz="1600" b="1" kern="1200" dirty="0" smtClean="0"/>
+            <a:rPr lang="en-US" sz="1600" b="1" kern="1200" dirty="0"/>
             <a:t>Specific</a:t>
           </a:r>
-          <a:endParaRPr lang="en-US" sz="1600" b="1" kern="1200" dirty="0"/>
         </a:p>
       </dsp:txBody>
       <dsp:txXfrm>
@@ -15496,7 +14984,7 @@
         </a:bodyPr>
         <a:lstStyle/>
         <a:p>
-          <a:pPr lvl="0" algn="ctr" defTabSz="711200">
+          <a:pPr marL="0" lvl="0" indent="0" algn="ctr" defTabSz="711200">
             <a:lnSpc>
               <a:spcPct val="90000"/>
             </a:lnSpc>
@@ -15506,12 +14994,12 @@
             <a:spcAft>
               <a:spcPct val="35000"/>
             </a:spcAft>
+            <a:buNone/>
           </a:pPr>
           <a:r>
-            <a:rPr lang="en-US" sz="1600" kern="1200" dirty="0" smtClean="0"/>
+            <a:rPr lang="en-US" sz="1600" kern="1200" dirty="0"/>
             <a:t>Measurable</a:t>
           </a:r>
-          <a:endParaRPr lang="en-US" sz="1600" kern="1200" dirty="0"/>
         </a:p>
       </dsp:txBody>
       <dsp:txXfrm>
@@ -15622,7 +15110,7 @@
         </a:bodyPr>
         <a:lstStyle/>
         <a:p>
-          <a:pPr lvl="0" algn="ctr" defTabSz="711200">
+          <a:pPr marL="0" lvl="0" indent="0" algn="ctr" defTabSz="711200">
             <a:lnSpc>
               <a:spcPct val="90000"/>
             </a:lnSpc>
@@ -15632,12 +15120,12 @@
             <a:spcAft>
               <a:spcPct val="35000"/>
             </a:spcAft>
+            <a:buNone/>
           </a:pPr>
           <a:r>
-            <a:rPr lang="en-US" sz="1600" kern="1200" dirty="0" smtClean="0"/>
+            <a:rPr lang="en-US" sz="1600" kern="1200" dirty="0"/>
             <a:t>Accountable</a:t>
           </a:r>
-          <a:endParaRPr lang="en-US" sz="1600" kern="1200" dirty="0"/>
         </a:p>
       </dsp:txBody>
       <dsp:txXfrm>
@@ -15748,7 +15236,7 @@
         </a:bodyPr>
         <a:lstStyle/>
         <a:p>
-          <a:pPr lvl="0" algn="ctr" defTabSz="711200">
+          <a:pPr marL="0" lvl="0" indent="0" algn="ctr" defTabSz="711200">
             <a:lnSpc>
               <a:spcPct val="90000"/>
             </a:lnSpc>
@@ -15758,12 +15246,12 @@
             <a:spcAft>
               <a:spcPct val="35000"/>
             </a:spcAft>
+            <a:buNone/>
           </a:pPr>
           <a:r>
-            <a:rPr lang="en-US" sz="1600" kern="1200" dirty="0" smtClean="0"/>
+            <a:rPr lang="en-US" sz="1600" kern="1200" dirty="0"/>
             <a:t>Relevant</a:t>
           </a:r>
-          <a:endParaRPr lang="en-US" sz="1600" kern="1200" dirty="0"/>
         </a:p>
       </dsp:txBody>
       <dsp:txXfrm>
@@ -15874,7 +15362,7 @@
         </a:bodyPr>
         <a:lstStyle/>
         <a:p>
-          <a:pPr lvl="0" algn="ctr" defTabSz="711200">
+          <a:pPr marL="0" lvl="0" indent="0" algn="ctr" defTabSz="711200">
             <a:lnSpc>
               <a:spcPct val="90000"/>
             </a:lnSpc>
@@ -15884,12 +15372,12 @@
             <a:spcAft>
               <a:spcPct val="35000"/>
             </a:spcAft>
+            <a:buNone/>
           </a:pPr>
           <a:r>
-            <a:rPr lang="en-US" sz="1600" kern="1200" dirty="0" smtClean="0"/>
+            <a:rPr lang="en-US" sz="1600" kern="1200" dirty="0"/>
             <a:t>Timely</a:t>
           </a:r>
-          <a:endParaRPr lang="en-US" sz="1600" kern="1200" dirty="0"/>
         </a:p>
       </dsp:txBody>
       <dsp:txXfrm>
@@ -16007,7 +15495,7 @@
         </a:bodyPr>
         <a:lstStyle/>
         <a:p>
-          <a:pPr lvl="0" algn="ctr" defTabSz="755650">
+          <a:pPr marL="0" lvl="0" indent="0" algn="ctr" defTabSz="755650">
             <a:lnSpc>
               <a:spcPct val="90000"/>
             </a:lnSpc>
@@ -16017,12 +15505,12 @@
             <a:spcAft>
               <a:spcPct val="35000"/>
             </a:spcAft>
+            <a:buNone/>
           </a:pPr>
           <a:r>
-            <a:rPr lang="en-US" sz="1700" kern="1200" dirty="0" smtClean="0"/>
+            <a:rPr lang="en-US" sz="1700" kern="1200" dirty="0"/>
             <a:t>Specific</a:t>
           </a:r>
-          <a:endParaRPr lang="en-US" sz="1700" kern="1200" dirty="0"/>
         </a:p>
       </dsp:txBody>
       <dsp:txXfrm>
@@ -16128,7 +15616,7 @@
         </a:bodyPr>
         <a:lstStyle/>
         <a:p>
-          <a:pPr lvl="0" algn="ctr" defTabSz="755650">
+          <a:pPr marL="0" lvl="0" indent="0" algn="ctr" defTabSz="755650">
             <a:lnSpc>
               <a:spcPct val="90000"/>
             </a:lnSpc>
@@ -16138,20 +15626,16 @@
             <a:spcAft>
               <a:spcPct val="35000"/>
             </a:spcAft>
+            <a:buNone/>
           </a:pPr>
           <a:r>
-            <a:rPr lang="en-US" sz="1700" b="1" kern="1200" dirty="0" smtClean="0">
+            <a:rPr lang="en-US" sz="1700" b="1" kern="1200" dirty="0">
               <a:solidFill>
                 <a:schemeClr val="tx1"/>
               </a:solidFill>
             </a:rPr>
             <a:t>Measurable</a:t>
           </a:r>
-          <a:endParaRPr lang="en-US" sz="1700" b="1" kern="1200" dirty="0">
-            <a:solidFill>
-              <a:schemeClr val="tx1"/>
-            </a:solidFill>
-          </a:endParaRPr>
         </a:p>
       </dsp:txBody>
       <dsp:txXfrm>
@@ -16262,7 +15746,7 @@
         </a:bodyPr>
         <a:lstStyle/>
         <a:p>
-          <a:pPr lvl="0" algn="ctr" defTabSz="755650">
+          <a:pPr marL="0" lvl="0" indent="0" algn="ctr" defTabSz="755650">
             <a:lnSpc>
               <a:spcPct val="90000"/>
             </a:lnSpc>
@@ -16272,12 +15756,12 @@
             <a:spcAft>
               <a:spcPct val="35000"/>
             </a:spcAft>
+            <a:buNone/>
           </a:pPr>
           <a:r>
-            <a:rPr lang="en-US" sz="1700" kern="1200" dirty="0" smtClean="0"/>
+            <a:rPr lang="en-US" sz="1700" kern="1200" dirty="0"/>
             <a:t>Accountable</a:t>
           </a:r>
-          <a:endParaRPr lang="en-US" sz="1700" kern="1200" dirty="0"/>
         </a:p>
       </dsp:txBody>
       <dsp:txXfrm>
@@ -16388,7 +15872,7 @@
         </a:bodyPr>
         <a:lstStyle/>
         <a:p>
-          <a:pPr lvl="0" algn="ctr" defTabSz="755650">
+          <a:pPr marL="0" lvl="0" indent="0" algn="ctr" defTabSz="755650">
             <a:lnSpc>
               <a:spcPct val="90000"/>
             </a:lnSpc>
@@ -16398,12 +15882,12 @@
             <a:spcAft>
               <a:spcPct val="35000"/>
             </a:spcAft>
+            <a:buNone/>
           </a:pPr>
           <a:r>
-            <a:rPr lang="en-US" sz="1700" kern="1200" dirty="0" smtClean="0"/>
+            <a:rPr lang="en-US" sz="1700" kern="1200" dirty="0"/>
             <a:t>Relevant</a:t>
           </a:r>
-          <a:endParaRPr lang="en-US" sz="1700" kern="1200" dirty="0"/>
         </a:p>
       </dsp:txBody>
       <dsp:txXfrm>
@@ -16514,7 +15998,7 @@
         </a:bodyPr>
         <a:lstStyle/>
         <a:p>
-          <a:pPr lvl="0" algn="ctr" defTabSz="755650">
+          <a:pPr marL="0" lvl="0" indent="0" algn="ctr" defTabSz="755650">
             <a:lnSpc>
               <a:spcPct val="90000"/>
             </a:lnSpc>
@@ -16524,12 +16008,12 @@
             <a:spcAft>
               <a:spcPct val="35000"/>
             </a:spcAft>
+            <a:buNone/>
           </a:pPr>
           <a:r>
-            <a:rPr lang="en-US" sz="1700" kern="1200" dirty="0" smtClean="0"/>
+            <a:rPr lang="en-US" sz="1700" kern="1200" dirty="0"/>
             <a:t>Timely</a:t>
           </a:r>
-          <a:endParaRPr lang="en-US" sz="1700" kern="1200" dirty="0"/>
         </a:p>
       </dsp:txBody>
       <dsp:txXfrm>
@@ -16647,7 +16131,7 @@
         </a:bodyPr>
         <a:lstStyle/>
         <a:p>
-          <a:pPr lvl="0" algn="ctr" defTabSz="622300">
+          <a:pPr marL="0" lvl="0" indent="0" algn="ctr" defTabSz="622300">
             <a:lnSpc>
               <a:spcPct val="90000"/>
             </a:lnSpc>
@@ -16657,12 +16141,12 @@
             <a:spcAft>
               <a:spcPct val="35000"/>
             </a:spcAft>
+            <a:buNone/>
           </a:pPr>
           <a:r>
-            <a:rPr lang="en-US" sz="1400" kern="1200" dirty="0" smtClean="0"/>
+            <a:rPr lang="en-US" sz="1400" kern="1200" dirty="0"/>
             <a:t>Specific</a:t>
           </a:r>
-          <a:endParaRPr lang="en-US" sz="1400" kern="1200" dirty="0"/>
         </a:p>
       </dsp:txBody>
       <dsp:txXfrm>
@@ -16773,7 +16257,7 @@
         </a:bodyPr>
         <a:lstStyle/>
         <a:p>
-          <a:pPr lvl="0" algn="ctr" defTabSz="622300">
+          <a:pPr marL="0" lvl="0" indent="0" algn="ctr" defTabSz="622300">
             <a:lnSpc>
               <a:spcPct val="90000"/>
             </a:lnSpc>
@@ -16783,12 +16267,12 @@
             <a:spcAft>
               <a:spcPct val="35000"/>
             </a:spcAft>
+            <a:buNone/>
           </a:pPr>
           <a:r>
-            <a:rPr lang="en-US" sz="1400" kern="1200" dirty="0" smtClean="0"/>
+            <a:rPr lang="en-US" sz="1400" kern="1200" dirty="0"/>
             <a:t>Measurable</a:t>
           </a:r>
-          <a:endParaRPr lang="en-US" sz="1400" kern="1200" dirty="0"/>
         </a:p>
       </dsp:txBody>
       <dsp:txXfrm>
@@ -16894,7 +16378,7 @@
         </a:bodyPr>
         <a:lstStyle/>
         <a:p>
-          <a:pPr lvl="0" algn="ctr" defTabSz="622300">
+          <a:pPr marL="0" lvl="0" indent="0" algn="ctr" defTabSz="622300">
             <a:lnSpc>
               <a:spcPct val="90000"/>
             </a:lnSpc>
@@ -16904,20 +16388,16 @@
             <a:spcAft>
               <a:spcPct val="35000"/>
             </a:spcAft>
+            <a:buNone/>
           </a:pPr>
           <a:r>
-            <a:rPr lang="en-US" sz="1400" b="1" kern="1200" dirty="0" smtClean="0">
+            <a:rPr lang="en-US" sz="1400" b="1" kern="1200" dirty="0">
               <a:solidFill>
                 <a:schemeClr val="tx1"/>
               </a:solidFill>
             </a:rPr>
             <a:t>Accountable</a:t>
           </a:r>
-          <a:endParaRPr lang="en-US" sz="1400" b="1" kern="1200" dirty="0">
-            <a:solidFill>
-              <a:schemeClr val="tx1"/>
-            </a:solidFill>
-          </a:endParaRPr>
         </a:p>
       </dsp:txBody>
       <dsp:txXfrm>
@@ -17028,7 +16508,7 @@
         </a:bodyPr>
         <a:lstStyle/>
         <a:p>
-          <a:pPr lvl="0" algn="ctr" defTabSz="622300">
+          <a:pPr marL="0" lvl="0" indent="0" algn="ctr" defTabSz="622300">
             <a:lnSpc>
               <a:spcPct val="90000"/>
             </a:lnSpc>
@@ -17038,12 +16518,12 @@
             <a:spcAft>
               <a:spcPct val="35000"/>
             </a:spcAft>
+            <a:buNone/>
           </a:pPr>
           <a:r>
-            <a:rPr lang="en-US" sz="1400" kern="1200" dirty="0" smtClean="0"/>
+            <a:rPr lang="en-US" sz="1400" kern="1200" dirty="0"/>
             <a:t>Relevant</a:t>
           </a:r>
-          <a:endParaRPr lang="en-US" sz="1400" kern="1200" dirty="0"/>
         </a:p>
       </dsp:txBody>
       <dsp:txXfrm>
@@ -17154,7 +16634,7 @@
         </a:bodyPr>
         <a:lstStyle/>
         <a:p>
-          <a:pPr lvl="0" algn="ctr" defTabSz="622300">
+          <a:pPr marL="0" lvl="0" indent="0" algn="ctr" defTabSz="622300">
             <a:lnSpc>
               <a:spcPct val="90000"/>
             </a:lnSpc>
@@ -17164,12 +16644,12 @@
             <a:spcAft>
               <a:spcPct val="35000"/>
             </a:spcAft>
+            <a:buNone/>
           </a:pPr>
           <a:r>
-            <a:rPr lang="en-US" sz="1400" kern="1200" dirty="0" smtClean="0"/>
+            <a:rPr lang="en-US" sz="1400" kern="1200" dirty="0"/>
             <a:t>Timely</a:t>
           </a:r>
-          <a:endParaRPr lang="en-US" sz="1400" kern="1200" dirty="0"/>
         </a:p>
       </dsp:txBody>
       <dsp:txXfrm>
@@ -17287,7 +16767,7 @@
         </a:bodyPr>
         <a:lstStyle/>
         <a:p>
-          <a:pPr lvl="0" algn="ctr" defTabSz="755650">
+          <a:pPr marL="0" lvl="0" indent="0" algn="ctr" defTabSz="755650">
             <a:lnSpc>
               <a:spcPct val="90000"/>
             </a:lnSpc>
@@ -17297,12 +16777,12 @@
             <a:spcAft>
               <a:spcPct val="35000"/>
             </a:spcAft>
+            <a:buNone/>
           </a:pPr>
           <a:r>
-            <a:rPr lang="en-US" sz="1700" kern="1200" dirty="0" smtClean="0"/>
+            <a:rPr lang="en-US" sz="1700" kern="1200" dirty="0"/>
             <a:t>Specific</a:t>
           </a:r>
-          <a:endParaRPr lang="en-US" sz="1700" kern="1200" dirty="0"/>
         </a:p>
       </dsp:txBody>
       <dsp:txXfrm>
@@ -17413,7 +16893,7 @@
         </a:bodyPr>
         <a:lstStyle/>
         <a:p>
-          <a:pPr lvl="0" algn="ctr" defTabSz="755650">
+          <a:pPr marL="0" lvl="0" indent="0" algn="ctr" defTabSz="755650">
             <a:lnSpc>
               <a:spcPct val="90000"/>
             </a:lnSpc>
@@ -17423,12 +16903,12 @@
             <a:spcAft>
               <a:spcPct val="35000"/>
             </a:spcAft>
+            <a:buNone/>
           </a:pPr>
           <a:r>
-            <a:rPr lang="en-US" sz="1700" kern="1200" dirty="0" smtClean="0"/>
+            <a:rPr lang="en-US" sz="1700" kern="1200" dirty="0"/>
             <a:t>Measurable</a:t>
           </a:r>
-          <a:endParaRPr lang="en-US" sz="1700" kern="1200" dirty="0"/>
         </a:p>
       </dsp:txBody>
       <dsp:txXfrm>
@@ -17539,7 +17019,7 @@
         </a:bodyPr>
         <a:lstStyle/>
         <a:p>
-          <a:pPr lvl="0" algn="ctr" defTabSz="755650">
+          <a:pPr marL="0" lvl="0" indent="0" algn="ctr" defTabSz="755650">
             <a:lnSpc>
               <a:spcPct val="90000"/>
             </a:lnSpc>
@@ -17549,12 +17029,12 @@
             <a:spcAft>
               <a:spcPct val="35000"/>
             </a:spcAft>
+            <a:buNone/>
           </a:pPr>
           <a:r>
-            <a:rPr lang="en-US" sz="1700" kern="1200" dirty="0" smtClean="0"/>
+            <a:rPr lang="en-US" sz="1700" kern="1200" dirty="0"/>
             <a:t>Accountable</a:t>
           </a:r>
-          <a:endParaRPr lang="en-US" sz="1700" kern="1200" dirty="0"/>
         </a:p>
       </dsp:txBody>
       <dsp:txXfrm>
@@ -17660,7 +17140,7 @@
         </a:bodyPr>
         <a:lstStyle/>
         <a:p>
-          <a:pPr lvl="0" algn="ctr" defTabSz="755650">
+          <a:pPr marL="0" lvl="0" indent="0" algn="ctr" defTabSz="755650">
             <a:lnSpc>
               <a:spcPct val="90000"/>
             </a:lnSpc>
@@ -17670,20 +17150,16 @@
             <a:spcAft>
               <a:spcPct val="35000"/>
             </a:spcAft>
+            <a:buNone/>
           </a:pPr>
           <a:r>
-            <a:rPr lang="en-US" sz="1700" b="1" kern="1200" dirty="0" smtClean="0">
+            <a:rPr lang="en-US" sz="1700" b="1" kern="1200" dirty="0">
               <a:solidFill>
                 <a:schemeClr val="bg1"/>
               </a:solidFill>
             </a:rPr>
             <a:t>Relevant</a:t>
           </a:r>
-          <a:endParaRPr lang="en-US" sz="1700" b="1" kern="1200" dirty="0">
-            <a:solidFill>
-              <a:schemeClr val="bg1"/>
-            </a:solidFill>
-          </a:endParaRPr>
         </a:p>
       </dsp:txBody>
       <dsp:txXfrm>
@@ -17794,7 +17270,7 @@
         </a:bodyPr>
         <a:lstStyle/>
         <a:p>
-          <a:pPr lvl="0" algn="ctr" defTabSz="755650">
+          <a:pPr marL="0" lvl="0" indent="0" algn="ctr" defTabSz="755650">
             <a:lnSpc>
               <a:spcPct val="90000"/>
             </a:lnSpc>
@@ -17804,12 +17280,12 @@
             <a:spcAft>
               <a:spcPct val="35000"/>
             </a:spcAft>
+            <a:buNone/>
           </a:pPr>
           <a:r>
-            <a:rPr lang="en-US" sz="1700" kern="1200" dirty="0" smtClean="0"/>
+            <a:rPr lang="en-US" sz="1700" kern="1200" dirty="0"/>
             <a:t>Timely</a:t>
           </a:r>
-          <a:endParaRPr lang="en-US" sz="1700" kern="1200" dirty="0"/>
         </a:p>
       </dsp:txBody>
       <dsp:txXfrm>
@@ -17927,7 +17403,7 @@
         </a:bodyPr>
         <a:lstStyle/>
         <a:p>
-          <a:pPr lvl="0" algn="ctr" defTabSz="800100">
+          <a:pPr marL="0" lvl="0" indent="0" algn="ctr" defTabSz="800100">
             <a:lnSpc>
               <a:spcPct val="90000"/>
             </a:lnSpc>
@@ -17937,12 +17413,12 @@
             <a:spcAft>
               <a:spcPct val="35000"/>
             </a:spcAft>
+            <a:buNone/>
           </a:pPr>
           <a:r>
-            <a:rPr lang="en-US" sz="1800" kern="1200" dirty="0" smtClean="0"/>
+            <a:rPr lang="en-US" sz="1800" kern="1200" dirty="0"/>
             <a:t>Specific</a:t>
           </a:r>
-          <a:endParaRPr lang="en-US" sz="1800" kern="1200" dirty="0"/>
         </a:p>
       </dsp:txBody>
       <dsp:txXfrm>
@@ -18053,7 +17529,7 @@
         </a:bodyPr>
         <a:lstStyle/>
         <a:p>
-          <a:pPr lvl="0" algn="ctr" defTabSz="800100">
+          <a:pPr marL="0" lvl="0" indent="0" algn="ctr" defTabSz="800100">
             <a:lnSpc>
               <a:spcPct val="90000"/>
             </a:lnSpc>
@@ -18063,12 +17539,12 @@
             <a:spcAft>
               <a:spcPct val="35000"/>
             </a:spcAft>
+            <a:buNone/>
           </a:pPr>
           <a:r>
-            <a:rPr lang="en-US" sz="1800" kern="1200" dirty="0" smtClean="0"/>
+            <a:rPr lang="en-US" sz="1800" kern="1200" dirty="0"/>
             <a:t>Measurable</a:t>
           </a:r>
-          <a:endParaRPr lang="en-US" sz="1800" kern="1200" dirty="0"/>
         </a:p>
       </dsp:txBody>
       <dsp:txXfrm>
@@ -18179,7 +17655,7 @@
         </a:bodyPr>
         <a:lstStyle/>
         <a:p>
-          <a:pPr lvl="0" algn="ctr" defTabSz="800100">
+          <a:pPr marL="0" lvl="0" indent="0" algn="ctr" defTabSz="800100">
             <a:lnSpc>
               <a:spcPct val="90000"/>
             </a:lnSpc>
@@ -18189,12 +17665,12 @@
             <a:spcAft>
               <a:spcPct val="35000"/>
             </a:spcAft>
+            <a:buNone/>
           </a:pPr>
           <a:r>
-            <a:rPr lang="en-US" sz="1800" kern="1200" dirty="0" smtClean="0"/>
+            <a:rPr lang="en-US" sz="1800" kern="1200" dirty="0"/>
             <a:t>Accountable</a:t>
           </a:r>
-          <a:endParaRPr lang="en-US" sz="1800" kern="1200" dirty="0"/>
         </a:p>
       </dsp:txBody>
       <dsp:txXfrm>
@@ -18305,7 +17781,7 @@
         </a:bodyPr>
         <a:lstStyle/>
         <a:p>
-          <a:pPr lvl="0" algn="ctr" defTabSz="800100">
+          <a:pPr marL="0" lvl="0" indent="0" algn="ctr" defTabSz="800100">
             <a:lnSpc>
               <a:spcPct val="90000"/>
             </a:lnSpc>
@@ -18315,12 +17791,12 @@
             <a:spcAft>
               <a:spcPct val="35000"/>
             </a:spcAft>
+            <a:buNone/>
           </a:pPr>
           <a:r>
-            <a:rPr lang="en-US" sz="1800" kern="1200" dirty="0" smtClean="0"/>
+            <a:rPr lang="en-US" sz="1800" kern="1200" dirty="0"/>
             <a:t>Relevant</a:t>
           </a:r>
-          <a:endParaRPr lang="en-US" sz="1800" kern="1200" dirty="0"/>
         </a:p>
       </dsp:txBody>
       <dsp:txXfrm>
@@ -18426,7 +17902,7 @@
         </a:bodyPr>
         <a:lstStyle/>
         <a:p>
-          <a:pPr lvl="0" algn="ctr" defTabSz="800100">
+          <a:pPr marL="0" lvl="0" indent="0" algn="ctr" defTabSz="800100">
             <a:lnSpc>
               <a:spcPct val="90000"/>
             </a:lnSpc>
@@ -18436,12 +17912,12 @@
             <a:spcAft>
               <a:spcPct val="35000"/>
             </a:spcAft>
+            <a:buNone/>
           </a:pPr>
           <a:r>
-            <a:rPr lang="en-US" sz="1800" b="1" kern="1200" dirty="0" smtClean="0"/>
+            <a:rPr lang="en-US" sz="1800" b="1" kern="1200" dirty="0"/>
             <a:t>Timely</a:t>
           </a:r>
-          <a:endParaRPr lang="en-US" sz="1800" b="1" kern="1200" dirty="0"/>
         </a:p>
       </dsp:txBody>
       <dsp:txXfrm>
@@ -18515,7 +17991,7 @@
         </a:bodyPr>
         <a:lstStyle/>
         <a:p>
-          <a:pPr lvl="0" algn="ctr" defTabSz="1911350">
+          <a:pPr marL="0" lvl="0" indent="0" algn="ctr" defTabSz="1911350">
             <a:lnSpc>
               <a:spcPct val="90000"/>
             </a:lnSpc>
@@ -18525,12 +18001,12 @@
             <a:spcAft>
               <a:spcPct val="35000"/>
             </a:spcAft>
+            <a:buNone/>
           </a:pPr>
           <a:r>
-            <a:rPr lang="en-US" sz="4300" kern="1200" dirty="0" smtClean="0"/>
+            <a:rPr lang="en-US" sz="4300" kern="1200" dirty="0"/>
             <a:t>Autonomy</a:t>
           </a:r>
-          <a:endParaRPr lang="en-US" sz="4300" kern="1200" dirty="0"/>
         </a:p>
       </dsp:txBody>
       <dsp:txXfrm>
@@ -18592,7 +18068,7 @@
         </a:bodyPr>
         <a:lstStyle/>
         <a:p>
-          <a:pPr lvl="0" algn="ctr" defTabSz="1911350">
+          <a:pPr marL="0" lvl="0" indent="0" algn="ctr" defTabSz="1911350">
             <a:lnSpc>
               <a:spcPct val="90000"/>
             </a:lnSpc>
@@ -18602,12 +18078,12 @@
             <a:spcAft>
               <a:spcPct val="35000"/>
             </a:spcAft>
+            <a:buNone/>
           </a:pPr>
           <a:r>
-            <a:rPr lang="en-US" sz="4300" kern="1200" dirty="0" smtClean="0"/>
+            <a:rPr lang="en-US" sz="4300" kern="1200" dirty="0"/>
             <a:t>Mastery</a:t>
           </a:r>
-          <a:endParaRPr lang="en-US" sz="4300" kern="1200" dirty="0"/>
         </a:p>
       </dsp:txBody>
       <dsp:txXfrm>
@@ -18669,7 +18145,7 @@
         </a:bodyPr>
         <a:lstStyle/>
         <a:p>
-          <a:pPr lvl="0" algn="ctr" defTabSz="1911350">
+          <a:pPr marL="0" lvl="0" indent="0" algn="ctr" defTabSz="1911350">
             <a:lnSpc>
               <a:spcPct val="90000"/>
             </a:lnSpc>
@@ -18679,12 +18155,12 @@
             <a:spcAft>
               <a:spcPct val="35000"/>
             </a:spcAft>
+            <a:buNone/>
           </a:pPr>
           <a:r>
-            <a:rPr lang="en-US" sz="4300" kern="1200" dirty="0" smtClean="0"/>
+            <a:rPr lang="en-US" sz="4300" kern="1200" dirty="0"/>
             <a:t>Purpose</a:t>
           </a:r>
-          <a:endParaRPr lang="en-US" sz="4300" kern="1200" dirty="0"/>
         </a:p>
       </dsp:txBody>
       <dsp:txXfrm>
@@ -18768,7 +18244,7 @@
         </a:bodyPr>
         <a:lstStyle/>
         <a:p>
-          <a:pPr lvl="0" algn="l" defTabSz="1422400">
+          <a:pPr marL="0" lvl="0" indent="0" algn="l" defTabSz="1422400">
             <a:lnSpc>
               <a:spcPct val="90000"/>
             </a:lnSpc>
@@ -18778,12 +18254,12 @@
             <a:spcAft>
               <a:spcPct val="35000"/>
             </a:spcAft>
+            <a:buNone/>
           </a:pPr>
           <a:r>
-            <a:rPr lang="en-US" sz="3200" kern="1200" dirty="0" smtClean="0"/>
+            <a:rPr lang="en-US" sz="3200" kern="1200" dirty="0"/>
             <a:t>1. Achievement</a:t>
           </a:r>
-          <a:endParaRPr lang="en-US" sz="3200" kern="1200" dirty="0"/>
         </a:p>
       </dsp:txBody>
       <dsp:txXfrm>
@@ -18855,7 +18331,7 @@
         </a:bodyPr>
         <a:lstStyle/>
         <a:p>
-          <a:pPr lvl="0" algn="l" defTabSz="1422400">
+          <a:pPr marL="0" lvl="0" indent="0" algn="l" defTabSz="1422400">
             <a:lnSpc>
               <a:spcPct val="90000"/>
             </a:lnSpc>
@@ -18865,12 +18341,12 @@
             <a:spcAft>
               <a:spcPct val="35000"/>
             </a:spcAft>
+            <a:buNone/>
           </a:pPr>
           <a:r>
-            <a:rPr lang="en-US" sz="3200" kern="1200" dirty="0" smtClean="0"/>
+            <a:rPr lang="en-US" sz="3200" kern="1200" dirty="0"/>
             <a:t>2. Recognition</a:t>
           </a:r>
-          <a:endParaRPr lang="en-US" sz="3200" kern="1200" dirty="0"/>
         </a:p>
       </dsp:txBody>
       <dsp:txXfrm>
@@ -18942,7 +18418,7 @@
         </a:bodyPr>
         <a:lstStyle/>
         <a:p>
-          <a:pPr lvl="0" algn="l" defTabSz="1422400">
+          <a:pPr marL="0" lvl="0" indent="0" algn="l" defTabSz="1422400">
             <a:lnSpc>
               <a:spcPct val="90000"/>
             </a:lnSpc>
@@ -18952,12 +18428,12 @@
             <a:spcAft>
               <a:spcPct val="35000"/>
             </a:spcAft>
+            <a:buNone/>
           </a:pPr>
           <a:r>
-            <a:rPr lang="en-US" sz="3200" kern="1200" dirty="0" smtClean="0"/>
+            <a:rPr lang="en-US" sz="3200" kern="1200" dirty="0"/>
             <a:t>3. The work itself</a:t>
           </a:r>
-          <a:endParaRPr lang="en-US" sz="3200" kern="1200" dirty="0"/>
         </a:p>
       </dsp:txBody>
       <dsp:txXfrm>
@@ -19029,7 +18505,7 @@
         </a:bodyPr>
         <a:lstStyle/>
         <a:p>
-          <a:pPr lvl="0" algn="l" defTabSz="1422400">
+          <a:pPr marL="0" lvl="0" indent="0" algn="l" defTabSz="1422400">
             <a:lnSpc>
               <a:spcPct val="90000"/>
             </a:lnSpc>
@@ -19039,12 +18515,12 @@
             <a:spcAft>
               <a:spcPct val="35000"/>
             </a:spcAft>
+            <a:buNone/>
           </a:pPr>
           <a:r>
-            <a:rPr lang="en-US" sz="3200" kern="1200" dirty="0" smtClean="0"/>
+            <a:rPr lang="en-US" sz="3200" kern="1200" dirty="0"/>
             <a:t>4. Responsibility</a:t>
           </a:r>
-          <a:endParaRPr lang="en-US" sz="3200" kern="1200" dirty="0"/>
         </a:p>
       </dsp:txBody>
       <dsp:txXfrm>
@@ -19116,7 +18592,7 @@
         </a:bodyPr>
         <a:lstStyle/>
         <a:p>
-          <a:pPr lvl="0" algn="l" defTabSz="1422400">
+          <a:pPr marL="0" lvl="0" indent="0" algn="l" defTabSz="1422400">
             <a:lnSpc>
               <a:spcPct val="90000"/>
             </a:lnSpc>
@@ -19126,12 +18602,12 @@
             <a:spcAft>
               <a:spcPct val="35000"/>
             </a:spcAft>
+            <a:buNone/>
           </a:pPr>
           <a:r>
-            <a:rPr lang="en-US" sz="3200" kern="1200" dirty="0" smtClean="0"/>
+            <a:rPr lang="en-US" sz="3200" kern="1200" dirty="0"/>
             <a:t>5. Advancement</a:t>
           </a:r>
-          <a:endParaRPr lang="en-US" sz="3200" kern="1200" dirty="0"/>
         </a:p>
       </dsp:txBody>
       <dsp:txXfrm>
@@ -19203,7 +18679,7 @@
         </a:bodyPr>
         <a:lstStyle/>
         <a:p>
-          <a:pPr lvl="0" algn="l" defTabSz="1422400">
+          <a:pPr marL="0" lvl="0" indent="0" algn="l" defTabSz="1422400">
             <a:lnSpc>
               <a:spcPct val="90000"/>
             </a:lnSpc>
@@ -19213,12 +18689,12 @@
             <a:spcAft>
               <a:spcPct val="35000"/>
             </a:spcAft>
+            <a:buNone/>
           </a:pPr>
           <a:r>
-            <a:rPr lang="en-US" sz="3200" kern="1200" dirty="0" smtClean="0"/>
+            <a:rPr lang="en-US" sz="3200" kern="1200" dirty="0"/>
             <a:t>6. Growth</a:t>
           </a:r>
-          <a:endParaRPr lang="en-US" sz="3200" kern="1200" dirty="0"/>
         </a:p>
       </dsp:txBody>
       <dsp:txXfrm>
@@ -33378,7 +32854,7 @@
           <a:p>
             <a:fld id="{A74DBF24-B5F1-49DF-9BD9-0809863C42B1}" type="datetimeFigureOut">
               <a:rPr lang="en-US" smtClean="0"/>
-              <a:t>8/19/2016</a:t>
+              <a:t>8/27/2016</a:t>
             </a:fld>
             <a:endParaRPr lang="en-US"/>
           </a:p>
@@ -33764,54 +33240,42 @@
             </a:pPr>
             <a:r>
               <a:rPr lang="en-US" baseline="0" dirty="0"/>
-              <a:t>Intro (slides 1-4): </a:t>
-            </a:r>
-            <a:r>
-              <a:rPr lang="en-US" baseline="0" dirty="0" smtClean="0"/>
-              <a:t>2-3 </a:t>
-            </a:r>
-            <a:r>
-              <a:rPr lang="en-US" baseline="0" dirty="0"/>
-              <a:t>minutes</a:t>
+              <a:t>Intro (slides 1-4): 2-3 minutes</a:t>
             </a:r>
           </a:p>
           <a:p>
             <a:r>
-              <a:rPr lang="en-US" dirty="0" smtClean="0"/>
+              <a:rPr lang="en-US" dirty="0"/>
               <a:t>Smart</a:t>
             </a:r>
             <a:r>
-              <a:rPr lang="en-US" baseline="0" dirty="0" smtClean="0"/>
+              <a:rPr lang="en-US" baseline="0" dirty="0"/>
               <a:t> goals (5-22)</a:t>
             </a:r>
             <a:r>
-              <a:rPr lang="en-US" dirty="0" smtClean="0"/>
+              <a:rPr lang="en-US" dirty="0"/>
               <a:t>:</a:t>
             </a:r>
             <a:r>
-              <a:rPr lang="en-US" baseline="0" dirty="0" smtClean="0"/>
-              <a:t> 15-20 </a:t>
-            </a:r>
-            <a:r>
               <a:rPr lang="en-US" baseline="0" dirty="0"/>
-              <a:t>minutes</a:t>
+              <a:t> 15-20 minutes</a:t>
             </a:r>
           </a:p>
           <a:p>
             <a:r>
-              <a:rPr lang="en-US" baseline="0" dirty="0" smtClean="0"/>
+              <a:rPr lang="en-US" baseline="0" dirty="0"/>
               <a:t>Motivation (23-46): 20-25 minutes</a:t>
             </a:r>
           </a:p>
           <a:p>
             <a:r>
-              <a:rPr lang="en-US" baseline="0" dirty="0" smtClean="0"/>
+              <a:rPr lang="en-US" baseline="0" dirty="0"/>
               <a:t>Wrap up (47-49): 2-3 minutes</a:t>
             </a:r>
           </a:p>
           <a:p>
             <a:r>
-              <a:rPr lang="en-US" baseline="0" dirty="0" smtClean="0"/>
+              <a:rPr lang="en-US" baseline="0" dirty="0"/>
               <a:t>Total: 45-51 minutes</a:t>
             </a:r>
             <a:endParaRPr lang="en-US" dirty="0"/>
@@ -33905,13 +33369,77 @@
           <a:lstStyle/>
           <a:p>
             <a:r>
-              <a:rPr lang="en-US" dirty="0" smtClean="0"/>
-              <a:t>3-5</a:t>
+              <a:rPr lang="en-US" dirty="0"/>
+              <a:t>Images from </a:t>
             </a:r>
             <a:r>
-              <a:rPr lang="en-US" baseline="0" dirty="0" smtClean="0"/>
-              <a:t> minutes to write goals; 1-2 minutes to share at least one goal with a partner</a:t>
+              <a:rPr lang="en-US" sz="1200" b="0" i="0" kern="1200" dirty="0">
+                <a:solidFill>
+                  <a:schemeClr val="tx1"/>
+                </a:solidFill>
+                <a:effectLst/>
+                <a:latin typeface="+mn-lt"/>
+                <a:ea typeface="+mn-ea"/>
+                <a:cs typeface="+mn-cs"/>
+                <a:hlinkClick r:id="rId3"/>
+              </a:rPr>
+              <a:t>creativevix.com</a:t>
             </a:r>
+            <a:r>
+              <a:rPr lang="en-US" sz="1200" b="0" i="0" kern="1200" dirty="0">
+                <a:solidFill>
+                  <a:schemeClr val="tx1"/>
+                </a:solidFill>
+                <a:effectLst/>
+                <a:latin typeface="+mn-lt"/>
+                <a:ea typeface="+mn-ea"/>
+                <a:cs typeface="+mn-cs"/>
+              </a:rPr>
+              <a:t> </a:t>
+            </a:r>
+          </a:p>
+          <a:p>
+            <a:r>
+              <a:rPr lang="en-US" sz="1200" b="0" i="0" kern="1200" dirty="0">
+                <a:solidFill>
+                  <a:schemeClr val="tx1"/>
+                </a:solidFill>
+                <a:effectLst/>
+                <a:latin typeface="+mn-lt"/>
+                <a:ea typeface="+mn-ea"/>
+                <a:cs typeface="+mn-cs"/>
+              </a:rPr>
+              <a:t>Pexels.com</a:t>
+            </a:r>
+          </a:p>
+          <a:p>
+            <a:r>
+              <a:rPr lang="en-US" sz="1200" b="0" i="0" kern="1200" dirty="0">
+                <a:solidFill>
+                  <a:schemeClr val="tx1"/>
+                </a:solidFill>
+                <a:effectLst/>
+                <a:latin typeface="+mn-lt"/>
+                <a:ea typeface="+mn-ea"/>
+                <a:cs typeface="+mn-cs"/>
+                <a:hlinkClick r:id="rId4"/>
+              </a:rPr>
+              <a:t>startupstockphotos.com</a:t>
+            </a:r>
+            <a:r>
+              <a:rPr lang="en-US" sz="1200" b="0" i="0" kern="1200" dirty="0">
+                <a:solidFill>
+                  <a:schemeClr val="tx1"/>
+                </a:solidFill>
+                <a:effectLst/>
+                <a:latin typeface="+mn-lt"/>
+                <a:ea typeface="+mn-ea"/>
+                <a:cs typeface="+mn-cs"/>
+              </a:rPr>
+              <a:t> </a:t>
+            </a:r>
+          </a:p>
+          <a:p>
             <a:endParaRPr lang="en-US" dirty="0"/>
           </a:p>
         </p:txBody>
@@ -33933,7 +33461,7 @@
           <a:p>
             <a:fld id="{79A2B7E0-C804-4E6C-992F-D6942FEB1FBE}" type="slidenum">
               <a:rPr lang="en-US" smtClean="0"/>
-              <a:t>19</a:t>
+              <a:t>18</a:t>
             </a:fld>
             <a:endParaRPr lang="en-US"/>
           </a:p>
@@ -33942,7 +33470,7 @@
     </p:spTree>
     <p:extLst>
       <p:ext uri="{BB962C8B-B14F-4D97-AF65-F5344CB8AC3E}">
-        <p14:creationId xmlns:p14="http://schemas.microsoft.com/office/powerpoint/2010/main" val="3559176323"/>
+        <p14:creationId xmlns:p14="http://schemas.microsoft.com/office/powerpoint/2010/main" val="2360140469"/>
       </p:ext>
     </p:extLst>
   </p:cSld>
@@ -33997,11 +33525,103 @@
           <a:lstStyle/>
           <a:p>
             <a:r>
-              <a:rPr lang="en-US" dirty="0" smtClean="0"/>
+              <a:rPr lang="en-US" dirty="0"/>
+              <a:t>3-5</a:t>
+            </a:r>
+            <a:r>
+              <a:rPr lang="en-US" baseline="0" dirty="0"/>
+              <a:t> minutes to write goals; 1-2 minutes to share at least one goal with a partner</a:t>
+            </a:r>
+            <a:endParaRPr lang="en-US" dirty="0"/>
+          </a:p>
+        </p:txBody>
+      </p:sp>
+      <p:sp>
+        <p:nvSpPr>
+          <p:cNvPr id="4" name="Slide Number Placeholder 3"/>
+          <p:cNvSpPr>
+            <a:spLocks noGrp="1"/>
+          </p:cNvSpPr>
+          <p:nvPr>
+            <p:ph type="sldNum" sz="quarter" idx="10"/>
+          </p:nvPr>
+        </p:nvSpPr>
+        <p:spPr/>
+        <p:txBody>
+          <a:bodyPr/>
+          <a:lstStyle/>
+          <a:p>
+            <a:fld id="{79A2B7E0-C804-4E6C-992F-D6942FEB1FBE}" type="slidenum">
+              <a:rPr lang="en-US" smtClean="0"/>
+              <a:t>19</a:t>
+            </a:fld>
+            <a:endParaRPr lang="en-US"/>
+          </a:p>
+        </p:txBody>
+      </p:sp>
+    </p:spTree>
+    <p:extLst>
+      <p:ext uri="{BB962C8B-B14F-4D97-AF65-F5344CB8AC3E}">
+        <p14:creationId xmlns:p14="http://schemas.microsoft.com/office/powerpoint/2010/main" val="3559176323"/>
+      </p:ext>
+    </p:extLst>
+  </p:cSld>
+  <p:clrMapOvr>
+    <a:masterClrMapping/>
+  </p:clrMapOvr>
+</p:notes>
+</file>
+
+<file path=ppt/notesSlides/notesSlide12.xml><?xml version="1.0" encoding="utf-8"?>
+<p:notes xmlns:a="http://schemas.openxmlformats.org/drawingml/2006/main" xmlns:r="http://schemas.openxmlformats.org/officeDocument/2006/relationships" xmlns:p="http://schemas.openxmlformats.org/presentationml/2006/main">
+  <p:cSld>
+    <p:spTree>
+      <p:nvGrpSpPr>
+        <p:cNvPr id="1" name=""/>
+        <p:cNvGrpSpPr/>
+        <p:nvPr/>
+      </p:nvGrpSpPr>
+      <p:grpSpPr>
+        <a:xfrm>
+          <a:off x="0" y="0"/>
+          <a:ext cx="0" cy="0"/>
+          <a:chOff x="0" y="0"/>
+          <a:chExt cx="0" cy="0"/>
+        </a:xfrm>
+      </p:grpSpPr>
+      <p:sp>
+        <p:nvSpPr>
+          <p:cNvPr id="2" name="Slide Image Placeholder 1"/>
+          <p:cNvSpPr>
+            <a:spLocks noGrp="1" noRot="1" noChangeAspect="1"/>
+          </p:cNvSpPr>
+          <p:nvPr>
+            <p:ph type="sldImg"/>
+          </p:nvPr>
+        </p:nvSpPr>
+        <p:spPr/>
+      </p:sp>
+      <p:sp>
+        <p:nvSpPr>
+          <p:cNvPr id="3" name="Notes Placeholder 2"/>
+          <p:cNvSpPr>
+            <a:spLocks noGrp="1"/>
+          </p:cNvSpPr>
+          <p:nvPr>
+            <p:ph type="body" idx="1"/>
+          </p:nvPr>
+        </p:nvSpPr>
+        <p:spPr/>
+        <p:txBody>
+          <a:bodyPr/>
+          <a:lstStyle/>
+          <a:p>
+            <a:r>
+              <a:rPr lang="en-US" dirty="0"/>
               <a:t>Image from </a:t>
             </a:r>
             <a:r>
-              <a:rPr lang="en-US" sz="1200" b="0" i="0" u="sng" kern="1200" dirty="0" smtClean="0">
+              <a:rPr lang="en-US" sz="1200" b="0" i="0" u="sng" kern="1200" dirty="0">
                 <a:solidFill>
                   <a:schemeClr val="tx1"/>
                 </a:solidFill>
@@ -34053,7 +33673,7 @@
 </p:notes>
 </file>
 
-<file path=ppt/notesSlides/notesSlide12.xml><?xml version="1.0" encoding="utf-8"?>
+<file path=ppt/notesSlides/notesSlide13.xml><?xml version="1.0" encoding="utf-8"?>
 <p:notes xmlns:a="http://schemas.openxmlformats.org/drawingml/2006/main" xmlns:r="http://schemas.openxmlformats.org/officeDocument/2006/relationships" xmlns:p="http://schemas.openxmlformats.org/presentationml/2006/main">
   <p:cSld>
     <p:spTree>
@@ -34181,7 +33801,7 @@
 </p:notes>
 </file>
 
-<file path=ppt/notesSlides/notesSlide13.xml><?xml version="1.0" encoding="utf-8"?>
+<file path=ppt/notesSlides/notesSlide14.xml><?xml version="1.0" encoding="utf-8"?>
 <p:notes xmlns:a="http://schemas.openxmlformats.org/drawingml/2006/main" xmlns:r="http://schemas.openxmlformats.org/officeDocument/2006/relationships" xmlns:p="http://schemas.openxmlformats.org/presentationml/2006/main">
   <p:cSld>
     <p:spTree>
@@ -34355,193 +33975,6 @@
 </p:notes>
 </file>
 
-<file path=ppt/notesSlides/notesSlide14.xml><?xml version="1.0" encoding="utf-8"?>
-<p:notes xmlns:a="http://schemas.openxmlformats.org/drawingml/2006/main" xmlns:r="http://schemas.openxmlformats.org/officeDocument/2006/relationships" xmlns:p="http://schemas.openxmlformats.org/presentationml/2006/main">
-  <p:cSld>
-    <p:spTree>
-      <p:nvGrpSpPr>
-        <p:cNvPr id="1" name=""/>
-        <p:cNvGrpSpPr/>
-        <p:nvPr/>
-      </p:nvGrpSpPr>
-      <p:grpSpPr>
-        <a:xfrm>
-          <a:off x="0" y="0"/>
-          <a:ext cx="0" cy="0"/>
-          <a:chOff x="0" y="0"/>
-          <a:chExt cx="0" cy="0"/>
-        </a:xfrm>
-      </p:grpSpPr>
-      <p:sp>
-        <p:nvSpPr>
-          <p:cNvPr id="2" name="Slide Image Placeholder 1"/>
-          <p:cNvSpPr>
-            <a:spLocks noGrp="1" noRot="1" noChangeAspect="1"/>
-          </p:cNvSpPr>
-          <p:nvPr>
-            <p:ph type="sldImg"/>
-          </p:nvPr>
-        </p:nvSpPr>
-        <p:spPr/>
-      </p:sp>
-      <p:sp>
-        <p:nvSpPr>
-          <p:cNvPr id="3" name="Notes Placeholder 2"/>
-          <p:cNvSpPr>
-            <a:spLocks noGrp="1"/>
-          </p:cNvSpPr>
-          <p:nvPr>
-            <p:ph type="body" idx="1"/>
-          </p:nvPr>
-        </p:nvSpPr>
-        <p:spPr/>
-        <p:txBody>
-          <a:bodyPr/>
-          <a:lstStyle/>
-          <a:p>
-            <a:r>
-              <a:rPr lang="en-US" dirty="0" smtClean="0"/>
-              <a:t>Image from </a:t>
-            </a:r>
-            <a:r>
-              <a:rPr lang="en-US" sz="1200" b="0" i="0" u="none" strike="noStrike" kern="1200" dirty="0" smtClean="0">
-                <a:solidFill>
-                  <a:schemeClr val="tx1"/>
-                </a:solidFill>
-                <a:effectLst/>
-                <a:latin typeface="+mn-lt"/>
-                <a:ea typeface="+mn-ea"/>
-                <a:cs typeface="+mn-cs"/>
-                <a:hlinkClick r:id="rId3"/>
-              </a:rPr>
-              <a:t>commons.wikimedia.org</a:t>
-            </a:r>
-            <a:r>
-              <a:rPr lang="en-US" sz="1200" b="0" i="0" u="none" strike="noStrike" kern="1200" dirty="0" smtClean="0">
-                <a:solidFill>
-                  <a:schemeClr val="tx1"/>
-                </a:solidFill>
-                <a:effectLst/>
-                <a:latin typeface="+mn-lt"/>
-                <a:ea typeface="+mn-ea"/>
-                <a:cs typeface="+mn-cs"/>
-              </a:rPr>
-              <a:t> </a:t>
-            </a:r>
-          </a:p>
-          <a:p>
-            <a:r>
-              <a:rPr lang="en-US" sz="1200" b="0" i="0" u="none" strike="noStrike" kern="1200" dirty="0" smtClean="0">
-                <a:solidFill>
-                  <a:schemeClr val="tx1"/>
-                </a:solidFill>
-                <a:effectLst/>
-                <a:latin typeface="+mn-lt"/>
-                <a:ea typeface="+mn-ea"/>
-                <a:cs typeface="+mn-cs"/>
-                <a:hlinkClick r:id="rId4"/>
-              </a:rPr>
-              <a:t>pixabay.com</a:t>
-            </a:r>
-            <a:endParaRPr lang="en-US" sz="1200" b="0" i="0" u="none" strike="noStrike" kern="1200" dirty="0" smtClean="0">
-              <a:solidFill>
-                <a:schemeClr val="tx1"/>
-              </a:solidFill>
-              <a:effectLst/>
-              <a:latin typeface="+mn-lt"/>
-              <a:ea typeface="+mn-ea"/>
-              <a:cs typeface="+mn-cs"/>
-            </a:endParaRPr>
-          </a:p>
-          <a:p>
-            <a:r>
-              <a:rPr lang="en-US" sz="1200" b="0" i="0" kern="1200" dirty="0" smtClean="0">
-                <a:solidFill>
-                  <a:schemeClr val="tx1"/>
-                </a:solidFill>
-                <a:effectLst/>
-                <a:latin typeface="+mn-lt"/>
-                <a:ea typeface="+mn-ea"/>
-                <a:cs typeface="+mn-cs"/>
-              </a:rPr>
-              <a:t> </a:t>
-            </a:r>
-            <a:r>
-              <a:rPr lang="en-US" sz="1200" b="0" i="0" kern="1200" dirty="0" smtClean="0">
-                <a:solidFill>
-                  <a:schemeClr val="tx1"/>
-                </a:solidFill>
-                <a:effectLst/>
-                <a:latin typeface="+mn-lt"/>
-                <a:ea typeface="+mn-ea"/>
-                <a:cs typeface="+mn-cs"/>
-                <a:hlinkClick r:id="rId5"/>
-              </a:rPr>
-              <a:t>stock.tookapic.com</a:t>
-            </a:r>
-            <a:endParaRPr lang="en-US" sz="1200" b="0" i="0" kern="1200" dirty="0" smtClean="0">
-              <a:solidFill>
-                <a:schemeClr val="tx1"/>
-              </a:solidFill>
-              <a:effectLst/>
-              <a:latin typeface="+mn-lt"/>
-              <a:ea typeface="+mn-ea"/>
-              <a:cs typeface="+mn-cs"/>
-            </a:endParaRPr>
-          </a:p>
-          <a:p>
-            <a:r>
-              <a:rPr lang="en-US" sz="1200" b="0" i="0" kern="1200" dirty="0" smtClean="0">
-                <a:solidFill>
-                  <a:schemeClr val="tx1"/>
-                </a:solidFill>
-                <a:effectLst/>
-                <a:latin typeface="+mn-lt"/>
-                <a:ea typeface="+mn-ea"/>
-                <a:cs typeface="+mn-cs"/>
-              </a:rPr>
-              <a:t>pexels.com </a:t>
-            </a:r>
-            <a:endParaRPr lang="en-US" dirty="0"/>
-          </a:p>
-        </p:txBody>
-      </p:sp>
-      <p:sp>
-        <p:nvSpPr>
-          <p:cNvPr id="4" name="Slide Number Placeholder 3"/>
-          <p:cNvSpPr>
-            <a:spLocks noGrp="1"/>
-          </p:cNvSpPr>
-          <p:nvPr>
-            <p:ph type="sldNum" sz="quarter" idx="10"/>
-          </p:nvPr>
-        </p:nvSpPr>
-        <p:spPr/>
-        <p:txBody>
-          <a:bodyPr/>
-          <a:lstStyle/>
-          <a:p>
-            <a:fld id="{79A2B7E0-C804-4E6C-992F-D6942FEB1FBE}" type="slidenum">
-              <a:rPr lang="en-US" smtClean="0"/>
-              <a:t>29</a:t>
-            </a:fld>
-            <a:endParaRPr lang="en-US"/>
-          </a:p>
-        </p:txBody>
-      </p:sp>
-    </p:spTree>
-    <p:extLst>
-      <p:ext uri="{BB962C8B-B14F-4D97-AF65-F5344CB8AC3E}">
-        <p14:creationId xmlns:p14="http://schemas.microsoft.com/office/powerpoint/2010/main" val="2058442328"/>
-      </p:ext>
-    </p:extLst>
-  </p:cSld>
-  <p:clrMapOvr>
-    <a:masterClrMapping/>
-  </p:clrMapOvr>
-</p:notes>
-</file>
-
 <file path=ppt/notesSlides/notesSlide15.xml><?xml version="1.0" encoding="utf-8"?>
 <p:notes xmlns:a="http://schemas.openxmlformats.org/drawingml/2006/main" xmlns:r="http://schemas.openxmlformats.org/officeDocument/2006/relationships" xmlns:p="http://schemas.openxmlformats.org/presentationml/2006/main">
   <p:cSld>
@@ -34587,8 +34020,107 @@
           <a:lstStyle/>
           <a:p>
             <a:r>
-              <a:rPr lang="en-US" dirty="0" smtClean="0"/>
-              <a:t>Image from pexels.com</a:t>
+              <a:rPr lang="en-US" dirty="0"/>
+              <a:t>Image from </a:t>
+            </a:r>
+            <a:r>
+              <a:rPr lang="en-US" sz="1200" b="0" i="0" u="none" strike="noStrike" kern="1200" dirty="0">
+                <a:solidFill>
+                  <a:schemeClr val="tx1"/>
+                </a:solidFill>
+                <a:effectLst/>
+                <a:latin typeface="+mn-lt"/>
+                <a:ea typeface="+mn-ea"/>
+                <a:cs typeface="+mn-cs"/>
+                <a:hlinkClick r:id="rId3"/>
+              </a:rPr>
+              <a:t>commons.wikimedia.org</a:t>
+            </a:r>
+            <a:r>
+              <a:rPr lang="en-US" sz="1200" b="0" i="0" u="none" strike="noStrike" kern="1200" dirty="0">
+                <a:solidFill>
+                  <a:schemeClr val="tx1"/>
+                </a:solidFill>
+                <a:effectLst/>
+                <a:latin typeface="+mn-lt"/>
+                <a:ea typeface="+mn-ea"/>
+                <a:cs typeface="+mn-cs"/>
+              </a:rPr>
+              <a:t> </a:t>
+            </a:r>
+          </a:p>
+          <a:p>
+            <a:r>
+              <a:rPr lang="en-US" sz="1200" b="0" i="0" u="none" strike="noStrike" kern="1200" dirty="0">
+                <a:solidFill>
+                  <a:schemeClr val="tx1"/>
+                </a:solidFill>
+                <a:effectLst/>
+                <a:latin typeface="+mn-lt"/>
+                <a:ea typeface="+mn-ea"/>
+                <a:cs typeface="+mn-cs"/>
+                <a:hlinkClick r:id="rId4"/>
+              </a:rPr>
+              <a:t>pixabay.com</a:t>
+            </a:r>
+            <a:endParaRPr lang="en-US" sz="1200" b="0" i="0" u="none" strike="noStrike" kern="1200" dirty="0">
+              <a:solidFill>
+                <a:schemeClr val="tx1"/>
+              </a:solidFill>
+              <a:effectLst/>
+              <a:latin typeface="+mn-lt"/>
+              <a:ea typeface="+mn-ea"/>
+              <a:cs typeface="+mn-cs"/>
+            </a:endParaRPr>
+          </a:p>
+          <a:p>
+            <a:r>
+              <a:rPr lang="en-US" sz="1200" b="0" i="0" kern="1200" dirty="0">
+                <a:solidFill>
+                  <a:schemeClr val="tx1"/>
+                </a:solidFill>
+                <a:effectLst/>
+                <a:latin typeface="+mn-lt"/>
+                <a:ea typeface="+mn-ea"/>
+                <a:cs typeface="+mn-cs"/>
+              </a:rPr>
+              <a:t> </a:t>
+            </a:r>
+            <a:r>
+              <a:rPr lang="en-US" sz="1200" b="0" i="0" kern="1200" dirty="0">
+                <a:solidFill>
+                  <a:schemeClr val="tx1"/>
+                </a:solidFill>
+                <a:effectLst/>
+                <a:latin typeface="+mn-lt"/>
+                <a:ea typeface="+mn-ea"/>
+                <a:cs typeface="+mn-cs"/>
+                <a:hlinkClick r:id="rId5"/>
+              </a:rPr>
+              <a:t>stock.tookapic.com</a:t>
+            </a:r>
+            <a:endParaRPr lang="en-US" sz="1200" b="0" i="0" kern="1200" dirty="0">
+              <a:solidFill>
+                <a:schemeClr val="tx1"/>
+              </a:solidFill>
+              <a:effectLst/>
+              <a:latin typeface="+mn-lt"/>
+              <a:ea typeface="+mn-ea"/>
+              <a:cs typeface="+mn-cs"/>
+            </a:endParaRPr>
+          </a:p>
+          <a:p>
+            <a:r>
+              <a:rPr lang="en-US" sz="1200" b="0" i="0" kern="1200" dirty="0">
+                <a:solidFill>
+                  <a:schemeClr val="tx1"/>
+                </a:solidFill>
+                <a:effectLst/>
+                <a:latin typeface="+mn-lt"/>
+                <a:ea typeface="+mn-ea"/>
+                <a:cs typeface="+mn-cs"/>
+              </a:rPr>
+              <a:t>pexels.com </a:t>
             </a:r>
             <a:endParaRPr lang="en-US" dirty="0"/>
           </a:p>
@@ -34611,7 +34143,7 @@
           <a:p>
             <a:fld id="{79A2B7E0-C804-4E6C-992F-D6942FEB1FBE}" type="slidenum">
               <a:rPr lang="en-US" smtClean="0"/>
-              <a:t>31</a:t>
+              <a:t>29</a:t>
             </a:fld>
             <a:endParaRPr lang="en-US"/>
           </a:p>
@@ -34620,7 +34152,7 @@
     </p:spTree>
     <p:extLst>
       <p:ext uri="{BB962C8B-B14F-4D97-AF65-F5344CB8AC3E}">
-        <p14:creationId xmlns:p14="http://schemas.microsoft.com/office/powerpoint/2010/main" val="1720903551"/>
+        <p14:creationId xmlns:p14="http://schemas.microsoft.com/office/powerpoint/2010/main" val="2058442328"/>
       </p:ext>
     </p:extLst>
   </p:cSld>
@@ -34675,14 +34207,9 @@
           <a:lstStyle/>
           <a:p>
             <a:r>
-              <a:rPr lang="en-US" dirty="0" smtClean="0"/>
-              <a:t>Image</a:t>
+              <a:rPr lang="en-US" dirty="0"/>
+              <a:t>Image from pexels.com</a:t>
             </a:r>
-            <a:r>
-              <a:rPr lang="en-US" baseline="0" dirty="0" smtClean="0"/>
-              <a:t> from pexels.com</a:t>
-            </a:r>
-            <a:endParaRPr lang="en-US" dirty="0"/>
           </a:p>
         </p:txBody>
       </p:sp>
@@ -34703,7 +34230,7 @@
           <a:p>
             <a:fld id="{79A2B7E0-C804-4E6C-992F-D6942FEB1FBE}" type="slidenum">
               <a:rPr lang="en-US" smtClean="0"/>
-              <a:t>32</a:t>
+              <a:t>31</a:t>
             </a:fld>
             <a:endParaRPr lang="en-US"/>
           </a:p>
@@ -34712,7 +34239,7 @@
     </p:spTree>
     <p:extLst>
       <p:ext uri="{BB962C8B-B14F-4D97-AF65-F5344CB8AC3E}">
-        <p14:creationId xmlns:p14="http://schemas.microsoft.com/office/powerpoint/2010/main" val="1560102834"/>
+        <p14:creationId xmlns:p14="http://schemas.microsoft.com/office/powerpoint/2010/main" val="1720903551"/>
       </p:ext>
     </p:extLst>
   </p:cSld>
@@ -34767,12 +34294,12 @@
           <a:lstStyle/>
           <a:p>
             <a:r>
-              <a:rPr lang="en-US" dirty="0" smtClean="0"/>
-              <a:t>Have </a:t>
+              <a:rPr lang="en-US" dirty="0"/>
+              <a:t>Image</a:t>
             </a:r>
             <a:r>
-              <a:rPr lang="en-US" dirty="0" smtClean="0"/>
-              <a:t>students write their answers or share with a partner</a:t>
+              <a:rPr lang="en-US" baseline="0" dirty="0"/>
+              <a:t> from pexels.com</a:t>
             </a:r>
             <a:endParaRPr lang="en-US" dirty="0"/>
           </a:p>
@@ -34795,7 +34322,7 @@
           <a:p>
             <a:fld id="{79A2B7E0-C804-4E6C-992F-D6942FEB1FBE}" type="slidenum">
               <a:rPr lang="en-US" smtClean="0"/>
-              <a:t>33</a:t>
+              <a:t>32</a:t>
             </a:fld>
             <a:endParaRPr lang="en-US"/>
           </a:p>
@@ -34804,7 +34331,7 @@
     </p:spTree>
     <p:extLst>
       <p:ext uri="{BB962C8B-B14F-4D97-AF65-F5344CB8AC3E}">
-        <p14:creationId xmlns:p14="http://schemas.microsoft.com/office/powerpoint/2010/main" val="1775413734"/>
+        <p14:creationId xmlns:p14="http://schemas.microsoft.com/office/powerpoint/2010/main" val="1560102834"/>
       </p:ext>
     </p:extLst>
   </p:cSld>
@@ -34859,69 +34386,9 @@
           <a:lstStyle/>
           <a:p>
             <a:r>
-              <a:rPr lang="en-US" sz="1200" dirty="0" smtClean="0"/>
-              <a:t>Instructions for teacher (explain to class):</a:t>
+              <a:rPr lang="en-US" dirty="0"/>
+              <a:t>Have students write their answers or share with a partner</a:t>
             </a:r>
-            <a:endParaRPr lang="en-US" sz="1200" dirty="0" smtClean="0"/>
-          </a:p>
-          <a:p>
-            <a:r>
-              <a:rPr lang="en-US" sz="1200" dirty="0" smtClean="0"/>
-              <a:t>1. Identify one side of the classroom as the </a:t>
-            </a:r>
-            <a:r>
-              <a:rPr lang="en-US" sz="1200" b="1" dirty="0" smtClean="0"/>
-              <a:t>extrinsic</a:t>
-            </a:r>
-            <a:r>
-              <a:rPr lang="en-US" sz="1200" dirty="0" smtClean="0"/>
-              <a:t> side, and the opposite as </a:t>
-            </a:r>
-            <a:r>
-              <a:rPr lang="en-US" sz="1200" b="1" dirty="0" smtClean="0"/>
-              <a:t>intrinsic</a:t>
-            </a:r>
-            <a:r>
-              <a:rPr lang="en-US" sz="1200" dirty="0" smtClean="0"/>
-              <a:t>.  </a:t>
-            </a:r>
-          </a:p>
-          <a:p>
-            <a:r>
-              <a:rPr lang="en-US" sz="1200" dirty="0" smtClean="0"/>
-              <a:t>2. Read a</a:t>
-            </a:r>
-            <a:r>
-              <a:rPr lang="en-US" sz="1200" baseline="0" dirty="0" smtClean="0"/>
-              <a:t> </a:t>
-            </a:r>
-            <a:r>
-              <a:rPr lang="en-US" sz="1200" dirty="0" smtClean="0"/>
-              <a:t>situation,</a:t>
-            </a:r>
-            <a:r>
-              <a:rPr lang="en-US" sz="1200" baseline="0" dirty="0" smtClean="0"/>
-              <a:t> ask students</a:t>
-            </a:r>
-            <a:r>
-              <a:rPr lang="en-US" sz="1200" dirty="0" smtClean="0"/>
-              <a:t> to determine whether the motivator at play is extrinsic and intrinsic, then move to the appropriate side of the room and prepare to potentially defend their answer. </a:t>
-            </a:r>
-          </a:p>
-          <a:p>
-            <a:r>
-              <a:rPr lang="en-US" sz="1200" dirty="0" smtClean="0"/>
-              <a:t>3. Call on someone and ask them to explain their answer.  The class will determine which is “correct” together.  </a:t>
-            </a:r>
-          </a:p>
-          <a:p>
-            <a:r>
-              <a:rPr lang="en-US" sz="1200" dirty="0" smtClean="0"/>
-              <a:t>Ready?</a:t>
-            </a:r>
-          </a:p>
-          <a:p>
-            <a:endParaRPr lang="en-US" dirty="0"/>
           </a:p>
         </p:txBody>
       </p:sp>
@@ -34942,7 +34409,7 @@
           <a:p>
             <a:fld id="{79A2B7E0-C804-4E6C-992F-D6942FEB1FBE}" type="slidenum">
               <a:rPr lang="en-US" smtClean="0"/>
-              <a:t>34</a:t>
+              <a:t>33</a:t>
             </a:fld>
             <a:endParaRPr lang="en-US"/>
           </a:p>
@@ -34951,7 +34418,7 @@
     </p:spTree>
     <p:extLst>
       <p:ext uri="{BB962C8B-B14F-4D97-AF65-F5344CB8AC3E}">
-        <p14:creationId xmlns:p14="http://schemas.microsoft.com/office/powerpoint/2010/main" val="3337854926"/>
+        <p14:creationId xmlns:p14="http://schemas.microsoft.com/office/powerpoint/2010/main" val="1775413734"/>
       </p:ext>
     </p:extLst>
   </p:cSld>
@@ -35006,13 +34473,67 @@
           <a:lstStyle/>
           <a:p>
             <a:r>
-              <a:rPr lang="en-US" dirty="0" smtClean="0"/>
-              <a:t>Many people believe</a:t>
+              <a:rPr lang="en-US" sz="1200" dirty="0"/>
+              <a:t>Instructions for teacher (explain to class):</a:t>
+            </a:r>
+          </a:p>
+          <a:p>
+            <a:r>
+              <a:rPr lang="en-US" sz="1200" dirty="0"/>
+              <a:t>1. Identify one side of the classroom as the </a:t>
             </a:r>
             <a:r>
-              <a:rPr lang="en-US" baseline="0" dirty="0" smtClean="0"/>
-              <a:t> that teachers and parents need to start with extrinsic motivators (rewards and punishments) to get kids to do certain things (e.g., behave, practice piano, do chores or homework), but that eventually the intrinsic motivation will kick in. Other experts say that if you provide too much extrinsic motivation, then you extinguish intrinsic motivation. </a:t>
+              <a:rPr lang="en-US" sz="1200" b="1" dirty="0"/>
+              <a:t>extrinsic</a:t>
             </a:r>
+            <a:r>
+              <a:rPr lang="en-US" sz="1200" dirty="0"/>
+              <a:t> side, and the opposite as </a:t>
+            </a:r>
+            <a:r>
+              <a:rPr lang="en-US" sz="1200" b="1" dirty="0"/>
+              <a:t>intrinsic</a:t>
+            </a:r>
+            <a:r>
+              <a:rPr lang="en-US" sz="1200" dirty="0"/>
+              <a:t>.  </a:t>
+            </a:r>
+          </a:p>
+          <a:p>
+            <a:r>
+              <a:rPr lang="en-US" sz="1200" dirty="0"/>
+              <a:t>2. Read a</a:t>
+            </a:r>
+            <a:r>
+              <a:rPr lang="en-US" sz="1200" baseline="0" dirty="0"/>
+              <a:t> </a:t>
+            </a:r>
+            <a:r>
+              <a:rPr lang="en-US" sz="1200" dirty="0"/>
+              <a:t>situation,</a:t>
+            </a:r>
+            <a:r>
+              <a:rPr lang="en-US" sz="1200" baseline="0" dirty="0"/>
+              <a:t> ask students</a:t>
+            </a:r>
+            <a:r>
+              <a:rPr lang="en-US" sz="1200" dirty="0"/>
+              <a:t> to determine whether the motivator at play is extrinsic and intrinsic, then move to the appropriate side of the room and prepare to potentially defend their answer. </a:t>
+            </a:r>
+          </a:p>
+          <a:p>
+            <a:r>
+              <a:rPr lang="en-US" sz="1200" dirty="0"/>
+              <a:t>3. Call on someone and ask them to explain their answer.  The class will determine which is “correct” together.  </a:t>
+            </a:r>
+          </a:p>
+          <a:p>
+            <a:r>
+              <a:rPr lang="en-US" sz="1200" dirty="0"/>
+              <a:t>Ready?</a:t>
+            </a:r>
+          </a:p>
+          <a:p>
             <a:endParaRPr lang="en-US" dirty="0"/>
           </a:p>
         </p:txBody>
@@ -35034,7 +34555,7 @@
           <a:p>
             <a:fld id="{79A2B7E0-C804-4E6C-992F-D6942FEB1FBE}" type="slidenum">
               <a:rPr lang="en-US" smtClean="0"/>
-              <a:t>35</a:t>
+              <a:t>34</a:t>
             </a:fld>
             <a:endParaRPr lang="en-US"/>
           </a:p>
@@ -35043,7 +34564,7 @@
     </p:spTree>
     <p:extLst>
       <p:ext uri="{BB962C8B-B14F-4D97-AF65-F5344CB8AC3E}">
-        <p14:creationId xmlns:p14="http://schemas.microsoft.com/office/powerpoint/2010/main" val="8721839"/>
+        <p14:creationId xmlns:p14="http://schemas.microsoft.com/office/powerpoint/2010/main" val="3337854926"/>
       </p:ext>
     </p:extLst>
   </p:cSld>
@@ -35245,11 +34766,107 @@
           <a:lstStyle/>
           <a:p>
             <a:r>
-              <a:rPr lang="en-US" dirty="0" smtClean="0"/>
-              <a:t>Image from </a:t>
+              <a:rPr lang="en-US" dirty="0"/>
+              <a:t>Many people believe</a:t>
             </a:r>
             <a:r>
-              <a:rPr lang="en-US" sz="1200" b="0" i="0" u="none" strike="noStrike" kern="1200" dirty="0" smtClean="0">
+              <a:rPr lang="en-US" baseline="0" dirty="0"/>
+              <a:t> that teachers and parents need to start with extrinsic motivators (rewards and punishments) to get kids to do certain things (e.g., behave, practice piano, do chores or homework), but that eventually the intrinsic motivation will kick in. Other experts say that if you provide too much extrinsic motivation, then you extinguish intrinsic motivation. </a:t>
+            </a:r>
+            <a:endParaRPr lang="en-US" dirty="0"/>
+          </a:p>
+        </p:txBody>
+      </p:sp>
+      <p:sp>
+        <p:nvSpPr>
+          <p:cNvPr id="4" name="Slide Number Placeholder 3"/>
+          <p:cNvSpPr>
+            <a:spLocks noGrp="1"/>
+          </p:cNvSpPr>
+          <p:nvPr>
+            <p:ph type="sldNum" sz="quarter" idx="10"/>
+          </p:nvPr>
+        </p:nvSpPr>
+        <p:spPr/>
+        <p:txBody>
+          <a:bodyPr/>
+          <a:lstStyle/>
+          <a:p>
+            <a:fld id="{79A2B7E0-C804-4E6C-992F-D6942FEB1FBE}" type="slidenum">
+              <a:rPr lang="en-US" smtClean="0"/>
+              <a:t>35</a:t>
+            </a:fld>
+            <a:endParaRPr lang="en-US"/>
+          </a:p>
+        </p:txBody>
+      </p:sp>
+    </p:spTree>
+    <p:extLst>
+      <p:ext uri="{BB962C8B-B14F-4D97-AF65-F5344CB8AC3E}">
+        <p14:creationId xmlns:p14="http://schemas.microsoft.com/office/powerpoint/2010/main" val="8721839"/>
+      </p:ext>
+    </p:extLst>
+  </p:cSld>
+  <p:clrMapOvr>
+    <a:masterClrMapping/>
+  </p:clrMapOvr>
+</p:notes>
+</file>
+
+<file path=ppt/notesSlides/notesSlide21.xml><?xml version="1.0" encoding="utf-8"?>
+<p:notes xmlns:a="http://schemas.openxmlformats.org/drawingml/2006/main" xmlns:r="http://schemas.openxmlformats.org/officeDocument/2006/relationships" xmlns:p="http://schemas.openxmlformats.org/presentationml/2006/main">
+  <p:cSld>
+    <p:spTree>
+      <p:nvGrpSpPr>
+        <p:cNvPr id="1" name=""/>
+        <p:cNvGrpSpPr/>
+        <p:nvPr/>
+      </p:nvGrpSpPr>
+      <p:grpSpPr>
+        <a:xfrm>
+          <a:off x="0" y="0"/>
+          <a:ext cx="0" cy="0"/>
+          <a:chOff x="0" y="0"/>
+          <a:chExt cx="0" cy="0"/>
+        </a:xfrm>
+      </p:grpSpPr>
+      <p:sp>
+        <p:nvSpPr>
+          <p:cNvPr id="2" name="Slide Image Placeholder 1"/>
+          <p:cNvSpPr>
+            <a:spLocks noGrp="1" noRot="1" noChangeAspect="1"/>
+          </p:cNvSpPr>
+          <p:nvPr>
+            <p:ph type="sldImg"/>
+          </p:nvPr>
+        </p:nvSpPr>
+        <p:spPr/>
+      </p:sp>
+      <p:sp>
+        <p:nvSpPr>
+          <p:cNvPr id="3" name="Notes Placeholder 2"/>
+          <p:cNvSpPr>
+            <a:spLocks noGrp="1"/>
+          </p:cNvSpPr>
+          <p:nvPr>
+            <p:ph type="body" idx="1"/>
+          </p:nvPr>
+        </p:nvSpPr>
+        <p:spPr/>
+        <p:txBody>
+          <a:bodyPr/>
+          <a:lstStyle/>
+          <a:p>
+            <a:r>
+              <a:rPr lang="en-US" dirty="0"/>
+              <a:t>Image from</a:t>
+            </a:r>
+            <a:r>
+              <a:rPr lang="en-US" baseline="0" dirty="0"/>
+              <a:t> </a:t>
+            </a:r>
+            <a:r>
+              <a:rPr lang="en-US" sz="1200" b="0" i="0" u="sng" kern="1200" dirty="0">
                 <a:solidFill>
                   <a:schemeClr val="tx1"/>
                 </a:solidFill>
@@ -35259,10 +34876,10 @@
                 <a:cs typeface="+mn-cs"/>
                 <a:hlinkClick r:id="rId3"/>
               </a:rPr>
-              <a:t>www.istockphoto.com</a:t>
+              <a:t>conversation.salamzaban.com</a:t>
             </a:r>
             <a:r>
-              <a:rPr lang="en-US" sz="1200" b="0" i="0" u="none" strike="noStrike" kern="1200" dirty="0" smtClean="0">
+              <a:rPr lang="en-US" sz="1200" b="0" i="0" u="sng" kern="1200" dirty="0">
                 <a:solidFill>
                   <a:schemeClr val="tx1"/>
                 </a:solidFill>
@@ -35313,7 +34930,7 @@
 </p:notes>
 </file>
 
-<file path=ppt/notesSlides/notesSlide21.xml><?xml version="1.0" encoding="utf-8"?>
+<file path=ppt/notesSlides/notesSlide22.xml><?xml version="1.0" encoding="utf-8"?>
 <p:notes xmlns:a="http://schemas.openxmlformats.org/drawingml/2006/main" xmlns:r="http://schemas.openxmlformats.org/officeDocument/2006/relationships" xmlns:p="http://schemas.openxmlformats.org/presentationml/2006/main">
   <p:cSld>
     <p:spTree>
@@ -35375,34 +34992,28 @@
               <a:defRPr/>
             </a:pPr>
             <a:r>
-              <a:rPr lang="en-US" sz="1200" dirty="0" smtClean="0">
+              <a:rPr lang="en-US" sz="1200" dirty="0">
                 <a:hlinkClick r:id="rId3"/>
               </a:rPr>
-              <a:t>https</a:t>
+              <a:t>https://www.youtube.com/watch?v=V-BcXI1rV4I</a:t>
             </a:r>
-            <a:r>
-              <a:rPr lang="en-US" sz="1200" dirty="0" smtClean="0">
-                <a:hlinkClick r:id="rId3"/>
-              </a:rPr>
-              <a:t>://www.youtube.com/watch?v=V-BcXI1rV4I</a:t>
-            </a:r>
-            <a:endParaRPr lang="en-US" sz="1200" dirty="0" smtClean="0"/>
+            <a:endParaRPr lang="en-US" sz="1200" dirty="0"/>
           </a:p>
           <a:p>
             <a:r>
-              <a:rPr lang="en-US" dirty="0" smtClean="0"/>
+              <a:rPr lang="en-US" dirty="0"/>
               <a:t>The</a:t>
             </a:r>
             <a:r>
-              <a:rPr lang="en-US" baseline="0" dirty="0" smtClean="0"/>
+              <a:rPr lang="en-US" baseline="0" dirty="0"/>
               <a:t> video </a:t>
             </a:r>
             <a:r>
-              <a:rPr lang="en-US" dirty="0" smtClean="0"/>
+              <a:rPr lang="en-US" dirty="0"/>
               <a:t>may take a minute to load—sometimes</a:t>
             </a:r>
             <a:r>
-              <a:rPr lang="en-US" baseline="0" dirty="0" smtClean="0"/>
+              <a:rPr lang="en-US" baseline="0" dirty="0"/>
               <a:t> it helps to advance one slide, then come back. </a:t>
             </a:r>
             <a:endParaRPr lang="en-US" dirty="0"/>
@@ -35436,94 +35047,6 @@
     <p:extLst>
       <p:ext uri="{BB962C8B-B14F-4D97-AF65-F5344CB8AC3E}">
         <p14:creationId xmlns:p14="http://schemas.microsoft.com/office/powerpoint/2010/main" val="789119619"/>
-      </p:ext>
-    </p:extLst>
-  </p:cSld>
-  <p:clrMapOvr>
-    <a:masterClrMapping/>
-  </p:clrMapOvr>
-</p:notes>
-</file>
-
-<file path=ppt/notesSlides/notesSlide22.xml><?xml version="1.0" encoding="utf-8"?>
-<p:notes xmlns:a="http://schemas.openxmlformats.org/drawingml/2006/main" xmlns:r="http://schemas.openxmlformats.org/officeDocument/2006/relationships" xmlns:p="http://schemas.openxmlformats.org/presentationml/2006/main">
-  <p:cSld>
-    <p:spTree>
-      <p:nvGrpSpPr>
-        <p:cNvPr id="1" name=""/>
-        <p:cNvGrpSpPr/>
-        <p:nvPr/>
-      </p:nvGrpSpPr>
-      <p:grpSpPr>
-        <a:xfrm>
-          <a:off x="0" y="0"/>
-          <a:ext cx="0" cy="0"/>
-          <a:chOff x="0" y="0"/>
-          <a:chExt cx="0" cy="0"/>
-        </a:xfrm>
-      </p:grpSpPr>
-      <p:sp>
-        <p:nvSpPr>
-          <p:cNvPr id="2" name="Slide Image Placeholder 1"/>
-          <p:cNvSpPr>
-            <a:spLocks noGrp="1" noRot="1" noChangeAspect="1"/>
-          </p:cNvSpPr>
-          <p:nvPr>
-            <p:ph type="sldImg"/>
-          </p:nvPr>
-        </p:nvSpPr>
-        <p:spPr/>
-      </p:sp>
-      <p:sp>
-        <p:nvSpPr>
-          <p:cNvPr id="3" name="Notes Placeholder 2"/>
-          <p:cNvSpPr>
-            <a:spLocks noGrp="1"/>
-          </p:cNvSpPr>
-          <p:nvPr>
-            <p:ph type="body" idx="1"/>
-          </p:nvPr>
-        </p:nvSpPr>
-        <p:spPr/>
-        <p:txBody>
-          <a:bodyPr/>
-          <a:lstStyle/>
-          <a:p>
-            <a:r>
-              <a:rPr lang="en-US" dirty="0" smtClean="0"/>
-              <a:t>http://www.danpink.com/books/drive/ </a:t>
-            </a:r>
-            <a:endParaRPr lang="en-US" dirty="0"/>
-          </a:p>
-        </p:txBody>
-      </p:sp>
-      <p:sp>
-        <p:nvSpPr>
-          <p:cNvPr id="4" name="Slide Number Placeholder 3"/>
-          <p:cNvSpPr>
-            <a:spLocks noGrp="1"/>
-          </p:cNvSpPr>
-          <p:nvPr>
-            <p:ph type="sldNum" sz="quarter" idx="10"/>
-          </p:nvPr>
-        </p:nvSpPr>
-        <p:spPr/>
-        <p:txBody>
-          <a:bodyPr/>
-          <a:lstStyle/>
-          <a:p>
-            <a:fld id="{79A2B7E0-C804-4E6C-992F-D6942FEB1FBE}" type="slidenum">
-              <a:rPr lang="en-US" smtClean="0"/>
-              <a:t>39</a:t>
-            </a:fld>
-            <a:endParaRPr lang="en-US"/>
-          </a:p>
-        </p:txBody>
-      </p:sp>
-    </p:spTree>
-    <p:extLst>
-      <p:ext uri="{BB962C8B-B14F-4D97-AF65-F5344CB8AC3E}">
-        <p14:creationId xmlns:p14="http://schemas.microsoft.com/office/powerpoint/2010/main" val="264803765"/>
       </p:ext>
     </p:extLst>
   </p:cSld>
@@ -35578,7 +35101,94 @@
           <a:lstStyle/>
           <a:p>
             <a:r>
-              <a:rPr lang="en-US" sz="1200" b="0" i="0" u="none" strike="noStrike" kern="1200" dirty="0" smtClean="0">
+              <a:rPr lang="en-US" dirty="0"/>
+              <a:t>http://www.danpink.com/books/drive/ </a:t>
+            </a:r>
+          </a:p>
+        </p:txBody>
+      </p:sp>
+      <p:sp>
+        <p:nvSpPr>
+          <p:cNvPr id="4" name="Slide Number Placeholder 3"/>
+          <p:cNvSpPr>
+            <a:spLocks noGrp="1"/>
+          </p:cNvSpPr>
+          <p:nvPr>
+            <p:ph type="sldNum" sz="quarter" idx="10"/>
+          </p:nvPr>
+        </p:nvSpPr>
+        <p:spPr/>
+        <p:txBody>
+          <a:bodyPr/>
+          <a:lstStyle/>
+          <a:p>
+            <a:fld id="{79A2B7E0-C804-4E6C-992F-D6942FEB1FBE}" type="slidenum">
+              <a:rPr lang="en-US" smtClean="0"/>
+              <a:t>39</a:t>
+            </a:fld>
+            <a:endParaRPr lang="en-US"/>
+          </a:p>
+        </p:txBody>
+      </p:sp>
+    </p:spTree>
+    <p:extLst>
+      <p:ext uri="{BB962C8B-B14F-4D97-AF65-F5344CB8AC3E}">
+        <p14:creationId xmlns:p14="http://schemas.microsoft.com/office/powerpoint/2010/main" val="264803765"/>
+      </p:ext>
+    </p:extLst>
+  </p:cSld>
+  <p:clrMapOvr>
+    <a:masterClrMapping/>
+  </p:clrMapOvr>
+</p:notes>
+</file>
+
+<file path=ppt/notesSlides/notesSlide24.xml><?xml version="1.0" encoding="utf-8"?>
+<p:notes xmlns:a="http://schemas.openxmlformats.org/drawingml/2006/main" xmlns:r="http://schemas.openxmlformats.org/officeDocument/2006/relationships" xmlns:p="http://schemas.openxmlformats.org/presentationml/2006/main">
+  <p:cSld>
+    <p:spTree>
+      <p:nvGrpSpPr>
+        <p:cNvPr id="1" name=""/>
+        <p:cNvGrpSpPr/>
+        <p:nvPr/>
+      </p:nvGrpSpPr>
+      <p:grpSpPr>
+        <a:xfrm>
+          <a:off x="0" y="0"/>
+          <a:ext cx="0" cy="0"/>
+          <a:chOff x="0" y="0"/>
+          <a:chExt cx="0" cy="0"/>
+        </a:xfrm>
+      </p:grpSpPr>
+      <p:sp>
+        <p:nvSpPr>
+          <p:cNvPr id="2" name="Slide Image Placeholder 1"/>
+          <p:cNvSpPr>
+            <a:spLocks noGrp="1" noRot="1" noChangeAspect="1"/>
+          </p:cNvSpPr>
+          <p:nvPr>
+            <p:ph type="sldImg"/>
+          </p:nvPr>
+        </p:nvSpPr>
+        <p:spPr/>
+      </p:sp>
+      <p:sp>
+        <p:nvSpPr>
+          <p:cNvPr id="3" name="Notes Placeholder 2"/>
+          <p:cNvSpPr>
+            <a:spLocks noGrp="1"/>
+          </p:cNvSpPr>
+          <p:nvPr>
+            <p:ph type="body" idx="1"/>
+          </p:nvPr>
+        </p:nvSpPr>
+        <p:spPr/>
+        <p:txBody>
+          <a:bodyPr/>
+          <a:lstStyle/>
+          <a:p>
+            <a:r>
+              <a:rPr lang="en-US" sz="1200" b="0" i="0" u="none" strike="noStrike" kern="1200" dirty="0">
                 <a:solidFill>
                   <a:schemeClr val="tx1"/>
                 </a:solidFill>
@@ -35591,7 +35201,7 @@
               <a:t>www.flickr.com</a:t>
             </a:r>
             <a:r>
-              <a:rPr lang="en-US" sz="1200" b="0" i="0" u="none" strike="noStrike" kern="1200" dirty="0" smtClean="0">
+              <a:rPr lang="en-US" sz="1200" b="0" i="0" u="none" strike="noStrike" kern="1200" dirty="0">
                 <a:solidFill>
                   <a:schemeClr val="tx1"/>
                 </a:solidFill>
@@ -35642,7 +35252,7 @@
 </p:notes>
 </file>
 
-<file path=ppt/notesSlides/notesSlide24.xml><?xml version="1.0" encoding="utf-8"?>
+<file path=ppt/notesSlides/notesSlide25.xml><?xml version="1.0" encoding="utf-8"?>
 <p:notes xmlns:a="http://schemas.openxmlformats.org/drawingml/2006/main" xmlns:r="http://schemas.openxmlformats.org/officeDocument/2006/relationships" xmlns:p="http://schemas.openxmlformats.org/presentationml/2006/main">
   <p:cSld>
     <p:spTree>
@@ -35726,7 +35336,7 @@
 </p:notes>
 </file>
 
-<file path=ppt/notesSlides/notesSlide25.xml><?xml version="1.0" encoding="utf-8"?>
+<file path=ppt/notesSlides/notesSlide26.xml><?xml version="1.0" encoding="utf-8"?>
 <p:notes xmlns:a="http://schemas.openxmlformats.org/drawingml/2006/main" xmlns:r="http://schemas.openxmlformats.org/officeDocument/2006/relationships" xmlns:p="http://schemas.openxmlformats.org/presentationml/2006/main">
   <p:cSld>
     <p:spTree>
@@ -36026,7 +35636,7 @@
               <a:buNone/>
             </a:pPr>
             <a:r>
-              <a:rPr lang="en-US" baseline="0" dirty="0" smtClean="0"/>
+              <a:rPr lang="en-US" baseline="0" dirty="0"/>
               <a:t>Overview:</a:t>
             </a:r>
           </a:p>
@@ -36035,46 +35645,46 @@
               <a:buNone/>
             </a:pPr>
             <a:r>
-              <a:rPr lang="en-US" baseline="0" dirty="0" smtClean="0"/>
+              <a:rPr lang="en-US" baseline="0" dirty="0"/>
               <a:t>Intro (slides 1-4): 2-3 minutes</a:t>
             </a:r>
           </a:p>
           <a:p>
             <a:r>
-              <a:rPr lang="en-US" dirty="0" smtClean="0"/>
+              <a:rPr lang="en-US" dirty="0"/>
               <a:t>Smart</a:t>
             </a:r>
             <a:r>
-              <a:rPr lang="en-US" baseline="0" dirty="0" smtClean="0"/>
+              <a:rPr lang="en-US" baseline="0" dirty="0"/>
               <a:t> goals (5-22)</a:t>
             </a:r>
             <a:r>
-              <a:rPr lang="en-US" dirty="0" smtClean="0"/>
+              <a:rPr lang="en-US" dirty="0"/>
               <a:t>:</a:t>
             </a:r>
             <a:r>
-              <a:rPr lang="en-US" baseline="0" dirty="0" smtClean="0"/>
+              <a:rPr lang="en-US" baseline="0" dirty="0"/>
               <a:t> 15-20 minutes</a:t>
             </a:r>
           </a:p>
           <a:p>
             <a:r>
-              <a:rPr lang="en-US" baseline="0" dirty="0" smtClean="0"/>
+              <a:rPr lang="en-US" baseline="0" dirty="0"/>
               <a:t>Motivation (23-46): 20-25 minutes</a:t>
             </a:r>
           </a:p>
           <a:p>
             <a:r>
-              <a:rPr lang="en-US" baseline="0" dirty="0" smtClean="0"/>
+              <a:rPr lang="en-US" baseline="0" dirty="0"/>
               <a:t>Wrap up (47-49): 2-3 minutes</a:t>
             </a:r>
           </a:p>
           <a:p>
             <a:r>
-              <a:rPr lang="en-US" baseline="0" dirty="0" smtClean="0"/>
+              <a:rPr lang="en-US" baseline="0" dirty="0"/>
               <a:t>Total: 45-51 minutes</a:t>
             </a:r>
-            <a:endParaRPr lang="en-US" dirty="0" smtClean="0"/>
+            <a:endParaRPr lang="en-US" dirty="0"/>
           </a:p>
           <a:p>
             <a:endParaRPr lang="en-US" dirty="0"/>
@@ -36179,30 +35789,17 @@
               <a:defRPr/>
             </a:pPr>
             <a:r>
-              <a:rPr lang="en-US" dirty="0" smtClean="0"/>
+              <a:rPr lang="en-US" dirty="0"/>
               <a:t>Instructor:</a:t>
             </a:r>
             <a:r>
-              <a:rPr lang="en-US" baseline="0" dirty="0" smtClean="0"/>
+              <a:rPr lang="en-US" baseline="0" dirty="0"/>
               <a:t> </a:t>
             </a:r>
             <a:r>
-              <a:rPr lang="en-US" sz="1200" u="none" dirty="0" smtClean="0"/>
-              <a:t>Write a few </a:t>
+              <a:rPr lang="en-US" sz="1200" u="none" dirty="0"/>
+              <a:t>Write a few responses to the questions above on the board (or ask students to write their answers). </a:t>
             </a:r>
-            <a:r>
-              <a:rPr lang="en-US" sz="1200" u="none" dirty="0" smtClean="0"/>
-              <a:t>responses </a:t>
-            </a:r>
-            <a:r>
-              <a:rPr lang="en-US" sz="1200" u="none" dirty="0" smtClean="0"/>
-              <a:t>to the questions above on the </a:t>
-            </a:r>
-            <a:r>
-              <a:rPr lang="en-US" sz="1200" u="none" dirty="0" smtClean="0"/>
-              <a:t>board (or ask students to write their answers). </a:t>
-            </a:r>
-            <a:endParaRPr lang="en-US" sz="1200" u="none" dirty="0" smtClean="0"/>
           </a:p>
           <a:p>
             <a:pPr marL="0" marR="0" indent="0" algn="l" defTabSz="914400" rtl="0" eaLnBrk="1" fontAlgn="auto" latinLnBrk="0" hangingPunct="1">
@@ -36223,7 +35820,7 @@
               <a:defRPr/>
             </a:pPr>
             <a:r>
-              <a:rPr lang="en-US" sz="1200" u="none" dirty="0" smtClean="0"/>
+              <a:rPr lang="en-US" sz="1200" u="none" dirty="0"/>
               <a:t>Image from unsplash.com</a:t>
             </a:r>
           </a:p>
@@ -36313,10 +35910,9 @@
           <a:lstStyle/>
           <a:p>
             <a:r>
-              <a:rPr lang="en-US" dirty="0" smtClean="0"/>
+              <a:rPr lang="en-US" dirty="0"/>
               <a:t>Image from pixabay.com</a:t>
             </a:r>
-            <a:endParaRPr lang="en-US" dirty="0"/>
           </a:p>
         </p:txBody>
       </p:sp>
@@ -36401,12 +35997,12 @@
           <a:lstStyle/>
           <a:p>
             <a:r>
-              <a:rPr lang="en-US" dirty="0" smtClean="0"/>
-              <a:t>Feel free to think up your own example.</a:t>
+              <a:rPr lang="en-US" dirty="0"/>
+              <a:t>Image</a:t>
             </a:r>
             <a:r>
-              <a:rPr lang="en-US" baseline="0" dirty="0" smtClean="0"/>
-              <a:t> Start with something vague. </a:t>
+              <a:rPr lang="en-US" baseline="0" dirty="0"/>
+              <a:t> from pixabay.com</a:t>
             </a:r>
             <a:endParaRPr lang="en-US" dirty="0"/>
           </a:p>
@@ -36429,7 +36025,7 @@
           <a:p>
             <a:fld id="{79A2B7E0-C804-4E6C-992F-D6942FEB1FBE}" type="slidenum">
               <a:rPr lang="en-US" smtClean="0"/>
-              <a:t>11</a:t>
+              <a:t>9</a:t>
             </a:fld>
             <a:endParaRPr lang="en-US"/>
           </a:p>
@@ -36438,7 +36034,7 @@
     </p:spTree>
     <p:extLst>
       <p:ext uri="{BB962C8B-B14F-4D97-AF65-F5344CB8AC3E}">
-        <p14:creationId xmlns:p14="http://schemas.microsoft.com/office/powerpoint/2010/main" val="2824260673"/>
+        <p14:creationId xmlns:p14="http://schemas.microsoft.com/office/powerpoint/2010/main" val="1980157843"/>
       </p:ext>
     </p:extLst>
   </p:cSld>
@@ -36493,77 +36089,13 @@
           <a:lstStyle/>
           <a:p>
             <a:r>
-              <a:rPr lang="en-US" dirty="0" smtClean="0"/>
-              <a:t>Images from </a:t>
+              <a:rPr lang="en-US" dirty="0"/>
+              <a:t>Feel free to think up your own example.</a:t>
             </a:r>
             <a:r>
-              <a:rPr lang="en-US" sz="1200" b="0" i="0" kern="1200" dirty="0" smtClean="0">
-                <a:solidFill>
-                  <a:schemeClr val="tx1"/>
-                </a:solidFill>
-                <a:effectLst/>
-                <a:latin typeface="+mn-lt"/>
-                <a:ea typeface="+mn-ea"/>
-                <a:cs typeface="+mn-cs"/>
-                <a:hlinkClick r:id="rId3"/>
-              </a:rPr>
-              <a:t>creativevix.com</a:t>
+              <a:rPr lang="en-US" baseline="0" dirty="0"/>
+              <a:t> Start with something vague. </a:t>
             </a:r>
-            <a:r>
-              <a:rPr lang="en-US" sz="1200" b="0" i="0" kern="1200" dirty="0" smtClean="0">
-                <a:solidFill>
-                  <a:schemeClr val="tx1"/>
-                </a:solidFill>
-                <a:effectLst/>
-                <a:latin typeface="+mn-lt"/>
-                <a:ea typeface="+mn-ea"/>
-                <a:cs typeface="+mn-cs"/>
-              </a:rPr>
-              <a:t> </a:t>
-            </a:r>
-          </a:p>
-          <a:p>
-            <a:r>
-              <a:rPr lang="en-US" sz="1200" b="0" i="0" kern="1200" dirty="0" smtClean="0">
-                <a:solidFill>
-                  <a:schemeClr val="tx1"/>
-                </a:solidFill>
-                <a:effectLst/>
-                <a:latin typeface="+mn-lt"/>
-                <a:ea typeface="+mn-ea"/>
-                <a:cs typeface="+mn-cs"/>
-              </a:rPr>
-              <a:t>Pexels.com</a:t>
-            </a:r>
-          </a:p>
-          <a:p>
-            <a:r>
-              <a:rPr lang="en-US" sz="1200" b="0" i="0" kern="1200" dirty="0" smtClean="0">
-                <a:solidFill>
-                  <a:schemeClr val="tx1"/>
-                </a:solidFill>
-                <a:effectLst/>
-                <a:latin typeface="+mn-lt"/>
-                <a:ea typeface="+mn-ea"/>
-                <a:cs typeface="+mn-cs"/>
-                <a:hlinkClick r:id="rId4"/>
-              </a:rPr>
-              <a:t>startupstockphotos.com</a:t>
-            </a:r>
-            <a:r>
-              <a:rPr lang="en-US" sz="1200" b="0" i="0" kern="1200" dirty="0" smtClean="0">
-                <a:solidFill>
-                  <a:schemeClr val="tx1"/>
-                </a:solidFill>
-                <a:effectLst/>
-                <a:latin typeface="+mn-lt"/>
-                <a:ea typeface="+mn-ea"/>
-                <a:cs typeface="+mn-cs"/>
-              </a:rPr>
-              <a:t> </a:t>
-            </a:r>
-          </a:p>
-          <a:p>
             <a:endParaRPr lang="en-US" dirty="0"/>
           </a:p>
         </p:txBody>
@@ -36585,7 +36117,7 @@
           <a:p>
             <a:fld id="{79A2B7E0-C804-4E6C-992F-D6942FEB1FBE}" type="slidenum">
               <a:rPr lang="en-US" smtClean="0"/>
-              <a:t>18</a:t>
+              <a:t>11</a:t>
             </a:fld>
             <a:endParaRPr lang="en-US"/>
           </a:p>
@@ -36594,7 +36126,7 @@
     </p:spTree>
     <p:extLst>
       <p:ext uri="{BB962C8B-B14F-4D97-AF65-F5344CB8AC3E}">
-        <p14:creationId xmlns:p14="http://schemas.microsoft.com/office/powerpoint/2010/main" val="2360140469"/>
+        <p14:creationId xmlns:p14="http://schemas.microsoft.com/office/powerpoint/2010/main" val="2824260673"/>
       </p:ext>
     </p:extLst>
   </p:cSld>
@@ -36772,7 +36304,7 @@
           <a:p>
             <a:fld id="{8110F0B5-9096-402A-B25A-FDE18D8A2624}" type="datetimeFigureOut">
               <a:rPr lang="en-US" smtClean="0"/>
-              <a:t>8/19/2016</a:t>
+              <a:t>8/27/2016</a:t>
             </a:fld>
             <a:endParaRPr lang="en-US"/>
           </a:p>
@@ -37005,7 +36537,7 @@
           <a:p>
             <a:fld id="{8110F0B5-9096-402A-B25A-FDE18D8A2624}" type="datetimeFigureOut">
               <a:rPr lang="en-US" smtClean="0"/>
-              <a:t>8/19/2016</a:t>
+              <a:t>8/27/2016</a:t>
             </a:fld>
             <a:endParaRPr lang="en-US"/>
           </a:p>
@@ -37185,7 +36717,7 @@
           <a:p>
             <a:fld id="{8110F0B5-9096-402A-B25A-FDE18D8A2624}" type="datetimeFigureOut">
               <a:rPr lang="en-US" smtClean="0"/>
-              <a:t>8/19/2016</a:t>
+              <a:t>8/27/2016</a:t>
             </a:fld>
             <a:endParaRPr lang="en-US"/>
           </a:p>
@@ -37360,7 +36892,7 @@
           <a:p>
             <a:fld id="{8110F0B5-9096-402A-B25A-FDE18D8A2624}" type="datetimeFigureOut">
               <a:rPr lang="en-US" smtClean="0"/>
-              <a:t>8/19/2016</a:t>
+              <a:t>8/27/2016</a:t>
             </a:fld>
             <a:endParaRPr lang="en-US"/>
           </a:p>
@@ -37614,7 +37146,7 @@
           <a:p>
             <a:fld id="{8110F0B5-9096-402A-B25A-FDE18D8A2624}" type="datetimeFigureOut">
               <a:rPr lang="en-US" smtClean="0"/>
-              <a:t>8/19/2016</a:t>
+              <a:t>8/27/2016</a:t>
             </a:fld>
             <a:endParaRPr lang="en-US"/>
           </a:p>
@@ -37945,7 +37477,7 @@
           <a:p>
             <a:fld id="{8110F0B5-9096-402A-B25A-FDE18D8A2624}" type="datetimeFigureOut">
               <a:rPr lang="en-US" smtClean="0"/>
-              <a:t>8/19/2016</a:t>
+              <a:t>8/27/2016</a:t>
             </a:fld>
             <a:endParaRPr lang="en-US"/>
           </a:p>
@@ -38396,7 +37928,7 @@
           <a:p>
             <a:fld id="{8110F0B5-9096-402A-B25A-FDE18D8A2624}" type="datetimeFigureOut">
               <a:rPr lang="en-US" smtClean="0"/>
-              <a:t>8/19/2016</a:t>
+              <a:t>8/27/2016</a:t>
             </a:fld>
             <a:endParaRPr lang="en-US"/>
           </a:p>
@@ -38514,7 +38046,7 @@
           <a:p>
             <a:fld id="{8110F0B5-9096-402A-B25A-FDE18D8A2624}" type="datetimeFigureOut">
               <a:rPr lang="en-US" smtClean="0"/>
-              <a:t>8/19/2016</a:t>
+              <a:t>8/27/2016</a:t>
             </a:fld>
             <a:endParaRPr lang="en-US"/>
           </a:p>
@@ -38609,7 +38141,7 @@
           <a:p>
             <a:fld id="{8110F0B5-9096-402A-B25A-FDE18D8A2624}" type="datetimeFigureOut">
               <a:rPr lang="en-US" smtClean="0"/>
-              <a:t>8/19/2016</a:t>
+              <a:t>8/27/2016</a:t>
             </a:fld>
             <a:endParaRPr lang="en-US"/>
           </a:p>
@@ -38896,7 +38428,7 @@
           <a:p>
             <a:fld id="{8110F0B5-9096-402A-B25A-FDE18D8A2624}" type="datetimeFigureOut">
               <a:rPr lang="en-US" smtClean="0"/>
-              <a:t>8/19/2016</a:t>
+              <a:t>8/27/2016</a:t>
             </a:fld>
             <a:endParaRPr lang="en-US"/>
           </a:p>
@@ -39218,7 +38750,7 @@
           <a:p>
             <a:fld id="{8110F0B5-9096-402A-B25A-FDE18D8A2624}" type="datetimeFigureOut">
               <a:rPr lang="en-US" smtClean="0"/>
-              <a:t>8/19/2016</a:t>
+              <a:t>8/27/2016</a:t>
             </a:fld>
             <a:endParaRPr lang="en-US"/>
           </a:p>
@@ -39472,7 +39004,7 @@
           <a:p>
             <a:fld id="{8110F0B5-9096-402A-B25A-FDE18D8A2624}" type="datetimeFigureOut">
               <a:rPr lang="en-US" smtClean="0"/>
-              <a:t>8/19/2016</a:t>
+              <a:t>8/27/2016</a:t>
             </a:fld>
             <a:endParaRPr lang="en-US"/>
           </a:p>
@@ -40113,13 +39645,6 @@
   <p:clrMapOvr>
     <a:masterClrMapping/>
   </p:clrMapOvr>
-  <p:timing>
-    <p:tnLst>
-      <p:par>
-        <p:cTn id="1" dur="indefinite" restart="never" nodeType="tmRoot"/>
-      </p:par>
-    </p:tnLst>
-  </p:timing>
 </p:sld>
 </file>
 
@@ -40743,43 +40268,14 @@
           <a:lstStyle/>
           <a:p>
             <a:r>
-              <a:rPr lang="en-US" sz="3200" dirty="0" smtClean="0"/>
-              <a:t>As </a:t>
+              <a:rPr lang="en-US" sz="3200" dirty="0"/>
+              <a:t>As we move through this presentation, think of a goal you have, and apply the principles we discuss to your goal</a:t>
             </a:r>
-            <a:r>
-              <a:rPr lang="en-US" sz="3200" dirty="0"/>
-              <a:t>we move </a:t>
-            </a:r>
-            <a:r>
-              <a:rPr lang="en-US" sz="3200" dirty="0" smtClean="0"/>
-              <a:t>through </a:t>
-            </a:r>
-            <a:r>
-              <a:rPr lang="en-US" sz="3200" dirty="0"/>
-              <a:t>this presentation, think of a goal you </a:t>
-            </a:r>
-            <a:r>
-              <a:rPr lang="en-US" sz="3200" dirty="0" smtClean="0"/>
-              <a:t>have, </a:t>
-            </a:r>
-            <a:r>
-              <a:rPr lang="en-US" sz="3200" dirty="0"/>
-              <a:t>and apply </a:t>
-            </a:r>
-            <a:r>
-              <a:rPr lang="en-US" sz="3200" dirty="0" smtClean="0"/>
-              <a:t>the principles we discuss to your goal</a:t>
-            </a:r>
-            <a:endParaRPr lang="en-US" sz="3200" dirty="0"/>
           </a:p>
           <a:p>
             <a:r>
-              <a:rPr lang="en-US" sz="3200" dirty="0" smtClean="0"/>
-              <a:t>E.g., </a:t>
-            </a:r>
-            <a:r>
               <a:rPr lang="en-US" sz="3200" dirty="0"/>
-              <a:t>“I want to be the smartest person in the room.”</a:t>
+              <a:t>E.g., “I want to be the smartest person in the room.”</a:t>
             </a:r>
           </a:p>
         </p:txBody>
@@ -41060,12 +40556,8 @@
           </a:p>
           <a:p>
             <a:r>
-              <a:rPr lang="en-US" sz="2800" dirty="0" smtClean="0"/>
-              <a:t>Think</a:t>
-            </a:r>
-            <a:r>
               <a:rPr lang="en-US" sz="2800" dirty="0"/>
-              <a:t>: how can you make your situation more </a:t>
+              <a:t>Think: how can you make your situation more </a:t>
             </a:r>
             <a:r>
               <a:rPr lang="en-US" sz="2800" i="1" dirty="0"/>
@@ -41078,12 +40570,8 @@
           </a:p>
           <a:p>
             <a:r>
-              <a:rPr lang="en-US" sz="2800" dirty="0" smtClean="0"/>
-              <a:t>E.g., </a:t>
-            </a:r>
-            <a:r>
               <a:rPr lang="en-US" sz="2800" dirty="0"/>
-              <a:t>“I want to be the smartest person in the room  = “</a:t>
+              <a:t>E.g., “I want to be the smartest person in the room  = “</a:t>
             </a:r>
             <a:r>
               <a:rPr lang="en-US" sz="2800" b="1" dirty="0"/>
@@ -41427,12 +40915,8 @@
           </a:p>
           <a:p>
             <a:r>
-              <a:rPr lang="en-US" sz="2800" dirty="0" smtClean="0"/>
-              <a:t>Think</a:t>
-            </a:r>
-            <a:r>
               <a:rPr lang="en-US" sz="2800" dirty="0"/>
-              <a:t>: how can you make your situation </a:t>
+              <a:t>Think: how can you make your situation </a:t>
             </a:r>
             <a:r>
               <a:rPr lang="en-US" sz="2800" i="1" dirty="0"/>
@@ -41445,12 +40929,8 @@
           </a:p>
           <a:p>
             <a:r>
-              <a:rPr lang="en-US" sz="2800" dirty="0" smtClean="0"/>
-              <a:t>E.g., </a:t>
-            </a:r>
-            <a:r>
               <a:rPr lang="en-US" sz="2800" dirty="0"/>
-              <a:t>“I want to get really good grades.” = “</a:t>
+              <a:t>E.g., “I want to get really good grades.” = “</a:t>
             </a:r>
             <a:r>
               <a:rPr lang="en-US" sz="2800" b="1" dirty="0"/>
@@ -41794,12 +41274,8 @@
           </a:p>
           <a:p>
             <a:r>
-              <a:rPr lang="en-US" sz="2800" dirty="0" smtClean="0"/>
-              <a:t>Think</a:t>
-            </a:r>
-            <a:r>
               <a:rPr lang="en-US" sz="2800" dirty="0"/>
-              <a:t>: </a:t>
+              <a:t>Think: </a:t>
             </a:r>
             <a:r>
               <a:rPr lang="en-US" sz="2800" i="1" dirty="0"/>
@@ -41812,12 +41288,8 @@
           </a:p>
           <a:p>
             <a:r>
-              <a:rPr lang="en-US" sz="2800" dirty="0" smtClean="0"/>
-              <a:t>E.g., </a:t>
-            </a:r>
-            <a:r>
               <a:rPr lang="en-US" sz="2800" dirty="0"/>
-              <a:t>“I want to get on the dean’s list.” = “</a:t>
+              <a:t>E.g., “I want to get on the dean’s list.” = “</a:t>
             </a:r>
             <a:r>
               <a:rPr lang="en-US" sz="2800" b="1" dirty="0"/>
@@ -42158,12 +41630,8 @@
           </a:p>
           <a:p>
             <a:r>
-              <a:rPr lang="en-US" sz="2800" dirty="0" smtClean="0"/>
-              <a:t>Think</a:t>
-            </a:r>
-            <a:r>
               <a:rPr lang="en-US" sz="2800" dirty="0"/>
-              <a:t>: how can you make your situation </a:t>
+              <a:t>Think: how can you make your situation </a:t>
             </a:r>
             <a:r>
               <a:rPr lang="en-US" sz="2800" i="1" dirty="0"/>
@@ -42176,12 +41644,8 @@
           </a:p>
           <a:p>
             <a:r>
-              <a:rPr lang="en-US" sz="2800" dirty="0" smtClean="0"/>
-              <a:t>E.g., </a:t>
-            </a:r>
-            <a:r>
               <a:rPr lang="en-US" sz="2800" dirty="0"/>
-              <a:t>“I want to get on the dean’s list (my dad).” = “</a:t>
+              <a:t>E.g., “I want to get on the dean’s list (my dad).” = “</a:t>
             </a:r>
             <a:r>
               <a:rPr lang="en-US" sz="2800" b="1" dirty="0"/>
@@ -42525,22 +41989,14 @@
           </a:p>
           <a:p>
             <a:r>
-              <a:rPr lang="en-US" sz="2400" dirty="0" smtClean="0"/>
-              <a:t>Think</a:t>
-            </a:r>
-            <a:r>
               <a:rPr lang="en-US" sz="2400" dirty="0"/>
-              <a:t>: how long will this goal take to complete?</a:t>
+              <a:t>Think: how long will this goal take to complete?</a:t>
             </a:r>
           </a:p>
           <a:p>
             <a:r>
-              <a:rPr lang="en-US" sz="2400" dirty="0" smtClean="0"/>
-              <a:t>E.g., </a:t>
-            </a:r>
-            <a:r>
               <a:rPr lang="en-US" sz="2400" dirty="0"/>
-              <a:t>“I want to get on the dean’s list and be valedictorian (my dad).” = “</a:t>
+              <a:t>E.g., “I want to get on the dean’s list and be valedictorian (my dad).” = “</a:t>
             </a:r>
             <a:r>
               <a:rPr lang="en-US" sz="2400" b="1" dirty="0"/>
@@ -42889,26 +42345,9 @@
           </a:p>
           <a:p>
             <a:r>
-              <a:rPr lang="en-US" sz="3200" dirty="0" smtClean="0"/>
-              <a:t>Why </a:t>
+              <a:rPr lang="en-US" sz="3200" dirty="0"/>
+              <a:t>Why is the second goal more effective than the original?  </a:t>
             </a:r>
-            <a:r>
-              <a:rPr lang="en-US" sz="3200" dirty="0"/>
-              <a:t>is the </a:t>
-            </a:r>
-            <a:r>
-              <a:rPr lang="en-US" sz="3200" dirty="0" smtClean="0"/>
-              <a:t>second goal </a:t>
-            </a:r>
-            <a:r>
-              <a:rPr lang="en-US" sz="3200" dirty="0"/>
-              <a:t>more </a:t>
-            </a:r>
-            <a:r>
-              <a:rPr lang="en-US" sz="3200" dirty="0" smtClean="0"/>
-              <a:t>effective than the original?  </a:t>
-            </a:r>
-            <a:endParaRPr lang="en-US" sz="3200" dirty="0"/>
           </a:p>
         </p:txBody>
       </p:sp>
@@ -43238,16 +42677,15 @@
           </a:p>
           <a:p>
             <a:r>
-              <a:rPr lang="en-US" sz="2400" dirty="0" smtClean="0"/>
+              <a:rPr lang="en-US" sz="2400" dirty="0"/>
               <a:t>Social</a:t>
             </a:r>
           </a:p>
           <a:p>
             <a:r>
-              <a:rPr lang="en-US" sz="2400" dirty="0" smtClean="0"/>
+              <a:rPr lang="en-US" sz="2400" dirty="0"/>
               <a:t>Spiritual</a:t>
             </a:r>
-            <a:endParaRPr lang="en-US" sz="2400" dirty="0"/>
           </a:p>
           <a:p>
             <a:pPr marL="0" indent="0">
@@ -43355,13 +42793,13 @@
   <p:clrMapOvr>
     <a:masterClrMapping/>
   </p:clrMapOvr>
-  <mc:AlternateContent xmlns:mc="http://schemas.openxmlformats.org/markup-compatibility/2006">
-    <mc:Choice xmlns:p15="http://schemas.microsoft.com/office/powerpoint/2012/main" Requires="p15">
+  <mc:AlternateContent xmlns:mc="http://schemas.openxmlformats.org/markup-compatibility/2006" xmlns:p15="http://schemas.microsoft.com/office/powerpoint/2012/main">
+    <mc:Choice Requires="p15">
       <p:transition xmlns:p14="http://schemas.microsoft.com/office/powerpoint/2010/main" spd="slow" p14:dur="1250">
         <p15:prstTrans prst="pageCurlDouble"/>
       </p:transition>
     </mc:Choice>
-    <mc:Fallback>
+    <mc:Fallback xmlns="">
       <p:transition spd="slow">
         <p:fade/>
       </p:transition>
@@ -43807,10 +43245,9 @@
           <a:lstStyle/>
           <a:p>
             <a:r>
-              <a:rPr lang="en-US" dirty="0" smtClean="0"/>
+              <a:rPr lang="en-US" dirty="0"/>
               <a:t>Activity</a:t>
             </a:r>
-            <a:endParaRPr lang="en-US" dirty="0"/>
           </a:p>
         </p:txBody>
       </p:sp>
@@ -43840,12 +43277,8 @@
               <a:buNone/>
             </a:pPr>
             <a:r>
-              <a:rPr lang="en-US" sz="2800" dirty="0" smtClean="0"/>
-              <a:t>Write down </a:t>
-            </a:r>
-            <a:r>
               <a:rPr lang="en-US" sz="2800" dirty="0"/>
-              <a:t>SMART goals for the following categories in your life:</a:t>
+              <a:t>Write down SMART goals for the following categories in your life:</a:t>
             </a:r>
           </a:p>
           <a:p>
@@ -43928,58 +43361,56 @@
               <a:rPr lang="en-US" sz="2800" b="1" dirty="0"/>
               <a:t>Remember:  </a:t>
             </a:r>
-            <a:endParaRPr lang="en-US" sz="2800" b="1" dirty="0" smtClean="0"/>
           </a:p>
           <a:p>
             <a:r>
-              <a:rPr lang="en-US" sz="2800" b="1" dirty="0" smtClean="0"/>
+              <a:rPr lang="en-US" sz="2800" b="1" dirty="0"/>
               <a:t>S</a:t>
             </a:r>
             <a:r>
-              <a:rPr lang="en-US" sz="2800" dirty="0" smtClean="0"/>
+              <a:rPr lang="en-US" sz="2800" dirty="0"/>
               <a:t>pecific </a:t>
             </a:r>
           </a:p>
           <a:p>
             <a:r>
-              <a:rPr lang="en-US" sz="2800" b="1" dirty="0" smtClean="0"/>
+              <a:rPr lang="en-US" sz="2800" b="1" dirty="0"/>
               <a:t>M</a:t>
             </a:r>
             <a:r>
-              <a:rPr lang="en-US" sz="2800" dirty="0" smtClean="0"/>
+              <a:rPr lang="en-US" sz="2800" dirty="0"/>
               <a:t>easurable </a:t>
             </a:r>
           </a:p>
           <a:p>
             <a:r>
-              <a:rPr lang="en-US" sz="2800" b="1" dirty="0" smtClean="0"/>
+              <a:rPr lang="en-US" sz="2800" b="1" dirty="0"/>
               <a:t>A</a:t>
             </a:r>
             <a:r>
-              <a:rPr lang="en-US" sz="2800" dirty="0" smtClean="0"/>
+              <a:rPr lang="en-US" sz="2800" dirty="0"/>
               <a:t>ccountable </a:t>
             </a:r>
           </a:p>
           <a:p>
             <a:r>
-              <a:rPr lang="en-US" sz="2800" b="1" dirty="0" smtClean="0"/>
+              <a:rPr lang="en-US" sz="2800" b="1" dirty="0"/>
               <a:t>R</a:t>
             </a:r>
             <a:r>
-              <a:rPr lang="en-US" sz="2800" dirty="0" smtClean="0"/>
+              <a:rPr lang="en-US" sz="2800" dirty="0"/>
               <a:t>elevant </a:t>
             </a:r>
           </a:p>
           <a:p>
             <a:r>
-              <a:rPr lang="en-US" sz="2800" b="1" dirty="0" smtClean="0"/>
+              <a:rPr lang="en-US" sz="2800" b="1" dirty="0"/>
               <a:t>T</a:t>
             </a:r>
             <a:r>
-              <a:rPr lang="en-US" sz="2800" dirty="0" smtClean="0"/>
+              <a:rPr lang="en-US" sz="2800" dirty="0"/>
               <a:t>imely</a:t>
             </a:r>
-            <a:endParaRPr lang="en-US" sz="2800" dirty="0"/>
           </a:p>
           <a:p>
             <a:endParaRPr lang="en-US" dirty="0"/>
@@ -44261,7 +43692,7 @@
                             </p:stCondLst>
                             <p:childTnLst>
                               <p:par>
-                                <p:cTn id="25" presetID="10" presetClass="entr" presetSubtype="0" fill="hold" nodeType="clickEffect">
+                                <p:cTn id="25" presetID="10" presetClass="entr" presetSubtype="0" fill="hold" grpId="0" nodeType="clickEffect">
                                   <p:stCondLst>
                                     <p:cond delay="0"/>
                                   </p:stCondLst>
@@ -44269,6 +43700,124 @@
                                     <p:set>
                                       <p:cBhvr>
                                         <p:cTn id="26" dur="1" fill="hold">
+                                          <p:stCondLst>
+                                            <p:cond delay="0"/>
+                                          </p:stCondLst>
+                                        </p:cTn>
+                                        <p:tgtEl>
+                                          <p:spTgt spid="4">
+                                            <p:bg/>
+                                          </p:spTgt>
+                                        </p:tgtEl>
+                                        <p:attrNameLst>
+                                          <p:attrName>style.visibility</p:attrName>
+                                        </p:attrNameLst>
+                                      </p:cBhvr>
+                                      <p:to>
+                                        <p:strVal val="visible"/>
+                                      </p:to>
+                                    </p:set>
+                                    <p:animEffect transition="in" filter="fade">
+                                      <p:cBhvr>
+                                        <p:cTn id="27" dur="500"/>
+                                        <p:tgtEl>
+                                          <p:spTgt spid="4">
+                                            <p:bg/>
+                                          </p:spTgt>
+                                        </p:tgtEl>
+                                      </p:cBhvr>
+                                    </p:animEffect>
+                                  </p:childTnLst>
+                                </p:cTn>
+                              </p:par>
+                            </p:childTnLst>
+                          </p:cTn>
+                        </p:par>
+                      </p:childTnLst>
+                    </p:cTn>
+                  </p:par>
+                  <p:par>
+                    <p:cTn id="28" fill="hold">
+                      <p:stCondLst>
+                        <p:cond delay="indefinite"/>
+                      </p:stCondLst>
+                      <p:childTnLst>
+                        <p:par>
+                          <p:cTn id="29" fill="hold">
+                            <p:stCondLst>
+                              <p:cond delay="0"/>
+                            </p:stCondLst>
+                            <p:childTnLst>
+                              <p:par>
+                                <p:cTn id="30" presetID="10" presetClass="entr" presetSubtype="0" fill="hold" grpId="0" nodeType="clickEffect">
+                                  <p:stCondLst>
+                                    <p:cond delay="0"/>
+                                  </p:stCondLst>
+                                  <p:childTnLst>
+                                    <p:set>
+                                      <p:cBhvr>
+                                        <p:cTn id="31" dur="1" fill="hold">
+                                          <p:stCondLst>
+                                            <p:cond delay="0"/>
+                                          </p:stCondLst>
+                                        </p:cTn>
+                                        <p:tgtEl>
+                                          <p:spTgt spid="4">
+                                            <p:txEl>
+                                              <p:pRg st="0" end="0"/>
+                                            </p:txEl>
+                                          </p:spTgt>
+                                        </p:tgtEl>
+                                        <p:attrNameLst>
+                                          <p:attrName>style.visibility</p:attrName>
+                                        </p:attrNameLst>
+                                      </p:cBhvr>
+                                      <p:to>
+                                        <p:strVal val="visible"/>
+                                      </p:to>
+                                    </p:set>
+                                    <p:animEffect transition="in" filter="fade">
+                                      <p:cBhvr>
+                                        <p:cTn id="32" dur="500"/>
+                                        <p:tgtEl>
+                                          <p:spTgt spid="4">
+                                            <p:txEl>
+                                              <p:pRg st="0" end="0"/>
+                                            </p:txEl>
+                                          </p:spTgt>
+                                        </p:tgtEl>
+                                      </p:cBhvr>
+                                    </p:animEffect>
+                                  </p:childTnLst>
+                                </p:cTn>
+                              </p:par>
+                            </p:childTnLst>
+                          </p:cTn>
+                        </p:par>
+                      </p:childTnLst>
+                    </p:cTn>
+                  </p:par>
+                  <p:par>
+                    <p:cTn id="33" fill="hold">
+                      <p:stCondLst>
+                        <p:cond delay="indefinite"/>
+                      </p:stCondLst>
+                      <p:childTnLst>
+                        <p:par>
+                          <p:cTn id="34" fill="hold">
+                            <p:stCondLst>
+                              <p:cond delay="0"/>
+                            </p:stCondLst>
+                            <p:childTnLst>
+                              <p:par>
+                                <p:cTn id="35" presetID="10" presetClass="entr" presetSubtype="0" fill="hold" grpId="0" nodeType="clickEffect">
+                                  <p:stCondLst>
+                                    <p:cond delay="0"/>
+                                  </p:stCondLst>
+                                  <p:childTnLst>
+                                    <p:set>
+                                      <p:cBhvr>
+                                        <p:cTn id="36" dur="1" fill="hold">
                                           <p:stCondLst>
                                             <p:cond delay="0"/>
                                           </p:stCondLst>
@@ -44290,7 +43839,7 @@
                                     </p:set>
                                     <p:animEffect transition="in" filter="fade">
                                       <p:cBhvr>
-                                        <p:cTn id="27" dur="500"/>
+                                        <p:cTn id="37" dur="500"/>
                                         <p:tgtEl>
                                           <p:spTgt spid="4">
                                             <p:txEl>
@@ -44303,15 +43852,33 @@
                                   </p:childTnLst>
                                 </p:cTn>
                               </p:par>
+                            </p:childTnLst>
+                          </p:cTn>
+                        </p:par>
+                      </p:childTnLst>
+                    </p:cTn>
+                  </p:par>
+                  <p:par>
+                    <p:cTn id="38" fill="hold">
+                      <p:stCondLst>
+                        <p:cond delay="indefinite"/>
+                      </p:stCondLst>
+                      <p:childTnLst>
+                        <p:par>
+                          <p:cTn id="39" fill="hold">
+                            <p:stCondLst>
+                              <p:cond delay="0"/>
+                            </p:stCondLst>
+                            <p:childTnLst>
                               <p:par>
-                                <p:cTn id="28" presetID="10" presetClass="entr" presetSubtype="0" fill="hold" nodeType="withEffect">
+                                <p:cTn id="40" presetID="10" presetClass="entr" presetSubtype="0" fill="hold" grpId="0" nodeType="clickEffect">
                                   <p:stCondLst>
                                     <p:cond delay="0"/>
                                   </p:stCondLst>
                                   <p:childTnLst>
                                     <p:set>
                                       <p:cBhvr>
-                                        <p:cTn id="29" dur="1" fill="hold">
+                                        <p:cTn id="41" dur="1" fill="hold">
                                           <p:stCondLst>
                                             <p:cond delay="0"/>
                                           </p:stCondLst>
@@ -44333,7 +43900,7 @@
                                     </p:set>
                                     <p:animEffect transition="in" filter="fade">
                                       <p:cBhvr>
-                                        <p:cTn id="30" dur="500"/>
+                                        <p:cTn id="42" dur="500"/>
                                         <p:tgtEl>
                                           <p:spTgt spid="4">
                                             <p:txEl>
@@ -44346,15 +43913,33 @@
                                   </p:childTnLst>
                                 </p:cTn>
                               </p:par>
+                            </p:childTnLst>
+                          </p:cTn>
+                        </p:par>
+                      </p:childTnLst>
+                    </p:cTn>
+                  </p:par>
+                  <p:par>
+                    <p:cTn id="43" fill="hold">
+                      <p:stCondLst>
+                        <p:cond delay="indefinite"/>
+                      </p:stCondLst>
+                      <p:childTnLst>
+                        <p:par>
+                          <p:cTn id="44" fill="hold">
+                            <p:stCondLst>
+                              <p:cond delay="0"/>
+                            </p:stCondLst>
+                            <p:childTnLst>
                               <p:par>
-                                <p:cTn id="31" presetID="10" presetClass="entr" presetSubtype="0" fill="hold" nodeType="withEffect">
+                                <p:cTn id="45" presetID="10" presetClass="entr" presetSubtype="0" fill="hold" grpId="0" nodeType="clickEffect">
                                   <p:stCondLst>
                                     <p:cond delay="0"/>
                                   </p:stCondLst>
                                   <p:childTnLst>
                                     <p:set>
                                       <p:cBhvr>
-                                        <p:cTn id="32" dur="1" fill="hold">
+                                        <p:cTn id="46" dur="1" fill="hold">
                                           <p:stCondLst>
                                             <p:cond delay="0"/>
                                           </p:stCondLst>
@@ -44376,7 +43961,7 @@
                                     </p:set>
                                     <p:animEffect transition="in" filter="fade">
                                       <p:cBhvr>
-                                        <p:cTn id="33" dur="500"/>
+                                        <p:cTn id="47" dur="500"/>
                                         <p:tgtEl>
                                           <p:spTgt spid="4">
                                             <p:txEl>
@@ -44389,15 +43974,33 @@
                                   </p:childTnLst>
                                 </p:cTn>
                               </p:par>
+                            </p:childTnLst>
+                          </p:cTn>
+                        </p:par>
+                      </p:childTnLst>
+                    </p:cTn>
+                  </p:par>
+                  <p:par>
+                    <p:cTn id="48" fill="hold">
+                      <p:stCondLst>
+                        <p:cond delay="indefinite"/>
+                      </p:stCondLst>
+                      <p:childTnLst>
+                        <p:par>
+                          <p:cTn id="49" fill="hold">
+                            <p:stCondLst>
+                              <p:cond delay="0"/>
+                            </p:stCondLst>
+                            <p:childTnLst>
                               <p:par>
-                                <p:cTn id="34" presetID="10" presetClass="entr" presetSubtype="0" fill="hold" nodeType="withEffect">
+                                <p:cTn id="50" presetID="10" presetClass="entr" presetSubtype="0" fill="hold" grpId="0" nodeType="clickEffect">
                                   <p:stCondLst>
                                     <p:cond delay="0"/>
                                   </p:stCondLst>
                                   <p:childTnLst>
                                     <p:set>
                                       <p:cBhvr>
-                                        <p:cTn id="35" dur="1" fill="hold">
+                                        <p:cTn id="51" dur="1" fill="hold">
                                           <p:stCondLst>
                                             <p:cond delay="0"/>
                                           </p:stCondLst>
@@ -44419,7 +44022,7 @@
                                     </p:set>
                                     <p:animEffect transition="in" filter="fade">
                                       <p:cBhvr>
-                                        <p:cTn id="36" dur="500"/>
+                                        <p:cTn id="52" dur="500"/>
                                         <p:tgtEl>
                                           <p:spTgt spid="4">
                                             <p:txEl>
@@ -44432,15 +44035,33 @@
                                   </p:childTnLst>
                                 </p:cTn>
                               </p:par>
+                            </p:childTnLst>
+                          </p:cTn>
+                        </p:par>
+                      </p:childTnLst>
+                    </p:cTn>
+                  </p:par>
+                  <p:par>
+                    <p:cTn id="53" fill="hold">
+                      <p:stCondLst>
+                        <p:cond delay="indefinite"/>
+                      </p:stCondLst>
+                      <p:childTnLst>
+                        <p:par>
+                          <p:cTn id="54" fill="hold">
+                            <p:stCondLst>
+                              <p:cond delay="0"/>
+                            </p:stCondLst>
+                            <p:childTnLst>
                               <p:par>
-                                <p:cTn id="37" presetID="10" presetClass="entr" presetSubtype="0" fill="hold" nodeType="withEffect">
+                                <p:cTn id="55" presetID="10" presetClass="entr" presetSubtype="0" fill="hold" grpId="0" nodeType="clickEffect">
                                   <p:stCondLst>
                                     <p:cond delay="0"/>
                                   </p:stCondLst>
                                   <p:childTnLst>
                                     <p:set>
                                       <p:cBhvr>
-                                        <p:cTn id="38" dur="1" fill="hold">
+                                        <p:cTn id="56" dur="1" fill="hold">
                                           <p:stCondLst>
                                             <p:cond delay="0"/>
                                           </p:stCondLst>
@@ -44462,7 +44083,7 @@
                                     </p:set>
                                     <p:animEffect transition="in" filter="fade">
                                       <p:cBhvr>
-                                        <p:cTn id="39" dur="500"/>
+                                        <p:cTn id="57" dur="500"/>
                                         <p:tgtEl>
                                           <p:spTgt spid="4">
                                             <p:txEl>
@@ -44504,6 +44125,7 @@
     </p:tnLst>
     <p:bldLst>
       <p:bldP spid="3" grpId="0" build="p"/>
+      <p:bldP spid="4" grpId="0" build="p" animBg="1"/>
     </p:bldLst>
   </p:timing>
 </p:sld>
@@ -44598,15 +44220,7 @@
             </a:pPr>
             <a:r>
               <a:rPr lang="en-US" sz="3200" dirty="0"/>
-              <a:t>Discuss the role of </a:t>
-            </a:r>
-            <a:r>
-              <a:rPr lang="en-US" sz="3200" dirty="0" smtClean="0"/>
-              <a:t>grit </a:t>
-            </a:r>
-            <a:r>
-              <a:rPr lang="en-US" sz="3200" dirty="0"/>
-              <a:t>in starting something new</a:t>
+              <a:t>Discuss the role of grit in starting something new</a:t>
             </a:r>
           </a:p>
           <a:p>
@@ -44939,16 +44553,8 @@
               <a:buNone/>
             </a:pPr>
             <a:r>
-              <a:rPr lang="en-US" sz="3200" dirty="0" smtClean="0"/>
-              <a:t>Use </a:t>
-            </a:r>
-            <a:r>
               <a:rPr lang="en-US" sz="3200" dirty="0"/>
-              <a:t>SMART goals to direct your efforts</a:t>
-            </a:r>
-            <a:r>
-              <a:rPr lang="en-US" sz="3200" dirty="0" smtClean="0"/>
-              <a:t>—</a:t>
+              <a:t>Use SMART goals to direct your efforts—</a:t>
             </a:r>
           </a:p>
           <a:p>
@@ -44959,12 +44565,8 @@
               <a:buNone/>
             </a:pPr>
             <a:r>
-              <a:rPr lang="en-US" sz="3200" dirty="0" smtClean="0"/>
-              <a:t>particularly </a:t>
-            </a:r>
-            <a:r>
               <a:rPr lang="en-US" sz="3200" dirty="0"/>
-              <a:t>in novel situations </a:t>
+              <a:t>particularly in novel situations </a:t>
             </a:r>
           </a:p>
         </p:txBody>
@@ -44991,13 +44593,6 @@
       </p:transition>
     </mc:Fallback>
   </mc:AlternateContent>
-  <p:timing>
-    <p:tnLst>
-      <p:par>
-        <p:cTn id="1" dur="indefinite" restart="never" nodeType="tmRoot"/>
-      </p:par>
-    </p:tnLst>
-  </p:timing>
 </p:sld>
 </file>
 
@@ -45042,8 +44637,8 @@
         </p:blipFill>
         <p:spPr>
           <a:xfrm>
-            <a:off x="30354" y="-56233"/>
-            <a:ext cx="11391333" cy="7589954"/>
+            <a:off x="0" y="-533478"/>
+            <a:ext cx="12192000" cy="8123432"/>
           </a:xfrm>
         </p:spPr>
       </p:pic>
@@ -45164,13 +44759,6 @@
       </p:transition>
     </mc:Fallback>
   </mc:AlternateContent>
-  <p:timing>
-    <p:tnLst>
-      <p:par>
-        <p:cTn id="1" dur="indefinite" restart="never" nodeType="tmRoot"/>
-      </p:par>
-    </p:tnLst>
-  </p:timing>
 </p:sld>
 </file>
 
@@ -45266,20 +44854,16 @@
           </a:bodyPr>
           <a:lstStyle/>
           <a:p>
-            <a:endParaRPr lang="en-US" sz="3200" b="1" dirty="0" smtClean="0"/>
+            <a:endParaRPr lang="en-US" sz="3200" b="1" dirty="0"/>
           </a:p>
           <a:p>
             <a:r>
-              <a:rPr lang="en-US" sz="3200" b="1" dirty="0" smtClean="0"/>
+              <a:rPr lang="en-US" sz="3200" b="1" dirty="0"/>
               <a:t>Act</a:t>
             </a:r>
             <a:r>
               <a:rPr lang="en-US" sz="3200" dirty="0"/>
-              <a:t>: Set three goals that you want to accomplish in the next </a:t>
-            </a:r>
-            <a:r>
-              <a:rPr lang="en-US" sz="3200" dirty="0" smtClean="0"/>
-              <a:t>year (maybe in the next week).</a:t>
+              <a:t>: Set three goals that you want to accomplish in the next year (maybe in the next week).</a:t>
             </a:r>
             <a:endParaRPr lang="en-US" sz="3200" b="1" dirty="0"/>
           </a:p>
@@ -45298,25 +44882,18 @@
   <p:clrMapOvr>
     <a:masterClrMapping/>
   </p:clrMapOvr>
-  <mc:AlternateContent xmlns:mc="http://schemas.openxmlformats.org/markup-compatibility/2006">
-    <mc:Choice xmlns:p14="http://schemas.microsoft.com/office/powerpoint/2010/main" Requires="p14">
+  <mc:AlternateContent xmlns:mc="http://schemas.openxmlformats.org/markup-compatibility/2006" xmlns:p14="http://schemas.microsoft.com/office/powerpoint/2010/main">
+    <mc:Choice Requires="p14">
       <p:transition spd="slow" p14:dur="4400">
         <p14:honeycomb/>
       </p:transition>
     </mc:Choice>
-    <mc:Fallback>
+    <mc:Fallback xmlns="">
       <p:transition spd="slow">
         <p:fade/>
       </p:transition>
     </mc:Fallback>
   </mc:AlternateContent>
-  <p:timing>
-    <p:tnLst>
-      <p:par>
-        <p:cTn id="1" dur="indefinite" restart="never" nodeType="tmRoot"/>
-      </p:par>
-    </p:tnLst>
-  </p:timing>
 </p:sld>
 </file>
 
@@ -45400,13 +44977,6 @@
       </p:transition>
     </mc:Fallback>
   </mc:AlternateContent>
-  <p:timing>
-    <p:tnLst>
-      <p:par>
-        <p:cTn id="1" dur="indefinite" restart="never" nodeType="tmRoot"/>
-      </p:par>
-    </p:tnLst>
-  </p:timing>
 </p:sld>
 </file>
 
@@ -45448,10 +45018,9 @@
           <a:lstStyle/>
           <a:p>
             <a:r>
-              <a:rPr lang="en-US" dirty="0" smtClean="0"/>
+              <a:rPr lang="en-US" dirty="0"/>
               <a:t>Motivation</a:t>
             </a:r>
-            <a:endParaRPr lang="en-US" dirty="0"/>
           </a:p>
         </p:txBody>
       </p:sp>
@@ -45478,12 +45047,8 @@
           <a:lstStyle/>
           <a:p>
             <a:r>
-              <a:rPr lang="en-US" sz="2800" dirty="0" smtClean="0"/>
-              <a:t>Goals </a:t>
-            </a:r>
-            <a:r>
               <a:rPr lang="en-US" sz="2800" dirty="0"/>
-              <a:t>are important, yes, but they’re not the driving force behind our actions</a:t>
+              <a:t>Goals are important, yes, but they’re not the driving force behind our actions</a:t>
             </a:r>
           </a:p>
           <a:p>
@@ -45539,13 +45104,6 @@
   <p:clrMapOvr>
     <a:masterClrMapping/>
   </p:clrMapOvr>
-  <p:timing>
-    <p:tnLst>
-      <p:par>
-        <p:cTn id="1" dur="indefinite" restart="never" nodeType="tmRoot"/>
-      </p:par>
-    </p:tnLst>
-  </p:timing>
 </p:sld>
 </file>
 
@@ -45627,13 +45185,8 @@
             </a:pPr>
             <a:r>
               <a:rPr lang="en-US" sz="2400" dirty="0"/>
-              <a:t>Write down </a:t>
+              <a:t>Write down a one-sentence definition.  </a:t>
             </a:r>
-            <a:r>
-              <a:rPr lang="en-US" sz="2400" dirty="0" smtClean="0"/>
-              <a:t>a one-sentence definition.  </a:t>
-            </a:r>
-            <a:endParaRPr lang="en-US" sz="2400" dirty="0"/>
           </a:p>
         </p:txBody>
       </p:sp>
@@ -45647,13 +45200,6 @@
   <p:clrMapOvr>
     <a:masterClrMapping/>
   </p:clrMapOvr>
-  <p:timing>
-    <p:tnLst>
-      <p:par>
-        <p:cTn id="1" dur="indefinite" restart="never" nodeType="tmRoot"/>
-      </p:par>
-    </p:tnLst>
-  </p:timing>
 </p:sld>
 </file>
 
@@ -45756,47 +45302,7 @@
                   <a:schemeClr val="bg1"/>
                 </a:solidFill>
               </a:rPr>
-              <a:t>There are many definitions for </a:t>
-            </a:r>
-            <a:r>
-              <a:rPr lang="en-US" sz="3200" dirty="0" smtClean="0">
-                <a:solidFill>
-                  <a:schemeClr val="bg1"/>
-                </a:solidFill>
-              </a:rPr>
-              <a:t>motivation</a:t>
-            </a:r>
-            <a:r>
-              <a:rPr lang="en-US" sz="3200" dirty="0" smtClean="0">
-                <a:solidFill>
-                  <a:schemeClr val="bg1"/>
-                </a:solidFill>
-              </a:rPr>
-              <a:t>, </a:t>
-            </a:r>
-            <a:r>
-              <a:rPr lang="en-US" sz="3200" dirty="0">
-                <a:solidFill>
-                  <a:schemeClr val="bg1"/>
-                </a:solidFill>
-              </a:rPr>
-              <a:t>similar to </a:t>
-            </a:r>
-            <a:r>
-              <a:rPr lang="en-US" sz="3200" dirty="0" smtClean="0">
-                <a:solidFill>
-                  <a:schemeClr val="bg1"/>
-                </a:solidFill>
-              </a:rPr>
-              <a:t>those you </a:t>
-            </a:r>
-            <a:r>
-              <a:rPr lang="en-US" sz="3200" dirty="0">
-                <a:solidFill>
-                  <a:schemeClr val="bg1"/>
-                </a:solidFill>
-              </a:rPr>
-              <a:t>provided: </a:t>
+              <a:t>There are many definitions for motivation, similar to those you provided: </a:t>
             </a:r>
           </a:p>
           <a:p>
@@ -45839,11 +45345,6 @@
               </a:rPr>
               <a:t>“Motivation is an urge to behave or act in a way that will satisfy certain conditions, such as wishes, desires, or goals.”</a:t>
             </a:r>
-            <a:endParaRPr lang="en-US" sz="3200" b="1" dirty="0">
-              <a:solidFill>
-                <a:schemeClr val="bg1"/>
-              </a:solidFill>
-            </a:endParaRPr>
           </a:p>
         </p:txBody>
       </p:sp>
@@ -46108,16 +45609,6 @@
               <a:buNone/>
             </a:pPr>
             <a:r>
-              <a:rPr lang="en-US" sz="3200" dirty="0" smtClean="0">
-                <a:solidFill>
-                  <a:schemeClr val="bg1"/>
-                </a:solidFill>
-                <a:latin typeface="Arial" panose="020B0604020202020204" pitchFamily="34" charset="0"/>
-                <a:cs typeface="Arial" panose="020B0604020202020204" pitchFamily="34" charset="0"/>
-              </a:rPr>
-              <a:t>“</a:t>
-            </a:r>
-            <a:r>
               <a:rPr lang="en-US" sz="3200" dirty="0">
                 <a:solidFill>
                   <a:schemeClr val="bg1"/>
@@ -46125,45 +45616,8 @@
                 <a:latin typeface="Arial" panose="020B0604020202020204" pitchFamily="34" charset="0"/>
                 <a:cs typeface="Arial" panose="020B0604020202020204" pitchFamily="34" charset="0"/>
               </a:rPr>
-              <a:t>Motivation can also be defined as </a:t>
+              <a:t>“Motivation can also be defined as ‘one's direction to behavior, or what causes a person to want to repeat a behavior and vice versa.’”</a:t>
             </a:r>
-            <a:r>
-              <a:rPr lang="en-US" sz="3200" dirty="0" smtClean="0">
-                <a:solidFill>
-                  <a:schemeClr val="bg1"/>
-                </a:solidFill>
-                <a:latin typeface="Arial" panose="020B0604020202020204" pitchFamily="34" charset="0"/>
-                <a:cs typeface="Arial" panose="020B0604020202020204" pitchFamily="34" charset="0"/>
-              </a:rPr>
-              <a:t>‘one's </a:t>
-            </a:r>
-            <a:r>
-              <a:rPr lang="en-US" sz="3200" dirty="0">
-                <a:solidFill>
-                  <a:schemeClr val="bg1"/>
-                </a:solidFill>
-                <a:latin typeface="Arial" panose="020B0604020202020204" pitchFamily="34" charset="0"/>
-                <a:cs typeface="Arial" panose="020B0604020202020204" pitchFamily="34" charset="0"/>
-              </a:rPr>
-              <a:t>direction to behavior, or what causes a person to want to repeat a behavior and vice versa</a:t>
-            </a:r>
-            <a:r>
-              <a:rPr lang="en-US" sz="3200" dirty="0" smtClean="0">
-                <a:solidFill>
-                  <a:schemeClr val="bg1"/>
-                </a:solidFill>
-                <a:latin typeface="Arial" panose="020B0604020202020204" pitchFamily="34" charset="0"/>
-                <a:cs typeface="Arial" panose="020B0604020202020204" pitchFamily="34" charset="0"/>
-              </a:rPr>
-              <a:t>.’”</a:t>
-            </a:r>
-            <a:endParaRPr lang="en-US" sz="3200" dirty="0">
-              <a:solidFill>
-                <a:schemeClr val="bg1"/>
-              </a:solidFill>
-              <a:latin typeface="Arial" panose="020B0604020202020204" pitchFamily="34" charset="0"/>
-              <a:cs typeface="Arial" panose="020B0604020202020204" pitchFamily="34" charset="0"/>
-            </a:endParaRPr>
           </a:p>
         </p:txBody>
       </p:sp>
@@ -46599,10 +46053,9 @@
           </a:p>
           <a:p>
             <a:r>
-              <a:rPr lang="en-US" sz="2800" dirty="0" smtClean="0"/>
+              <a:rPr lang="en-US" sz="2800" dirty="0"/>
               <a:t>What motivates you?</a:t>
             </a:r>
-            <a:endParaRPr lang="en-US" sz="2800" dirty="0"/>
           </a:p>
         </p:txBody>
       </p:sp>
@@ -47155,19 +46608,14 @@
               <a:rPr lang="en-US" sz="3200" dirty="0"/>
               <a:t>Your future is in your hands.  </a:t>
             </a:r>
-            <a:endParaRPr lang="en-US" sz="3200" dirty="0" smtClean="0"/>
           </a:p>
           <a:p>
             <a:pPr marL="0" indent="0" algn="ctr">
               <a:buNone/>
             </a:pPr>
             <a:r>
-              <a:rPr lang="en-US" sz="3200" i="1" dirty="0" smtClean="0"/>
-              <a:t>What </a:t>
-            </a:r>
-            <a:r>
               <a:rPr lang="en-US" sz="3200" i="1" dirty="0"/>
-              <a:t>will you make of it? </a:t>
+              <a:t>What will you make of it? </a:t>
             </a:r>
           </a:p>
           <a:p>
@@ -47518,12 +46966,8 @@
               <a:buNone/>
             </a:pPr>
             <a:r>
-              <a:rPr lang="en-US" sz="3200" dirty="0" smtClean="0"/>
-              <a:t>Another </a:t>
-            </a:r>
-            <a:r>
               <a:rPr lang="en-US" sz="3200" dirty="0"/>
-              <a:t>long-standing discussion in psychology is the distinct importance and differences between </a:t>
+              <a:t>Another long-standing discussion in psychology is the distinct importance and differences between </a:t>
             </a:r>
             <a:r>
               <a:rPr lang="en-US" sz="3200" b="1" dirty="0"/>
@@ -47554,13 +46998,6 @@
   <p:clrMapOvr>
     <a:masterClrMapping/>
   </p:clrMapOvr>
-  <p:timing>
-    <p:tnLst>
-      <p:par>
-        <p:cTn id="1" dur="indefinite" restart="never" nodeType="tmRoot"/>
-      </p:par>
-    </p:tnLst>
-  </p:timing>
 </p:sld>
 </file>
 
@@ -47693,12 +47130,8 @@
           </a:p>
           <a:p>
             <a:r>
-              <a:rPr lang="en-US" sz="2400" dirty="0" smtClean="0"/>
-              <a:t>E.g., </a:t>
-            </a:r>
-            <a:r>
               <a:rPr lang="en-US" sz="2400" dirty="0"/>
-              <a:t>Money, grades, a place on the dean’s list, a new car, etc.</a:t>
+              <a:t>E.g., Money, grades, a place on the dean’s list, a new car, etc.</a:t>
             </a:r>
           </a:p>
         </p:txBody>
@@ -47716,13 +47149,6 @@
   <p:transition spd="slow">
     <p:randomBar dir="vert"/>
   </p:transition>
-  <p:timing>
-    <p:tnLst>
-      <p:par>
-        <p:cTn id="1" dur="indefinite" restart="never" nodeType="tmRoot"/>
-      </p:par>
-    </p:tnLst>
-  </p:timing>
 </p:sld>
 </file>
 
@@ -47809,7 +47235,7 @@
         <p:spPr>
           <a:xfrm>
             <a:off x="1115982" y="-6218"/>
-            <a:ext cx="10287003" cy="6858000"/>
+            <a:ext cx="10302588" cy="6868390"/>
           </a:xfrm>
         </p:spPr>
       </p:pic>
@@ -47929,13 +47355,6 @@
   <p:transition spd="slow">
     <p:randomBar dir="vert"/>
   </p:transition>
-  <p:timing>
-    <p:tnLst>
-      <p:par>
-        <p:cTn id="1" dur="indefinite" restart="never" nodeType="tmRoot"/>
-      </p:par>
-    </p:tnLst>
-  </p:timing>
 </p:sld>
 </file>
 
@@ -48014,12 +47433,8 @@
               <a:buAutoNum type="arabicPeriod"/>
             </a:pPr>
             <a:r>
-              <a:rPr lang="en-US" sz="3200" dirty="0" smtClean="0"/>
-              <a:t>What </a:t>
-            </a:r>
-            <a:r>
               <a:rPr lang="en-US" sz="3200" dirty="0"/>
-              <a:t>are three </a:t>
+              <a:t>What are three </a:t>
             </a:r>
             <a:r>
               <a:rPr lang="en-US" sz="3200" b="1" dirty="0"/>
@@ -48313,13 +47728,8 @@
           <a:p>
             <a:r>
               <a:rPr lang="en-US" dirty="0"/>
-              <a:t>Class </a:t>
+              <a:t>Class Activity: Intrinsic or Extrinsic?</a:t>
             </a:r>
-            <a:r>
-              <a:rPr lang="en-US" dirty="0" smtClean="0"/>
-              <a:t>Activity: Intrinsic or Extrinsic?</a:t>
-            </a:r>
-            <a:endParaRPr lang="en-US" dirty="0"/>
           </a:p>
         </p:txBody>
       </p:sp>
@@ -49020,12 +48430,8 @@
               <a:buNone/>
             </a:pPr>
             <a:r>
-              <a:rPr lang="en-US" sz="3200" dirty="0" smtClean="0"/>
-              <a:t>Why </a:t>
-            </a:r>
-            <a:r>
               <a:rPr lang="en-US" sz="3200" dirty="0"/>
-              <a:t>might it be important to be able to differentiate extrinsic from intrinsic motivators? </a:t>
+              <a:t>Why might it be important to be able to differentiate extrinsic from intrinsic motivators? </a:t>
             </a:r>
           </a:p>
         </p:txBody>
@@ -49256,6 +48662,35 @@
           <a:chExt cx="0" cy="0"/>
         </a:xfrm>
       </p:grpSpPr>
+      <p:pic>
+        <p:nvPicPr>
+          <p:cNvPr id="4" name="Picture 3"/>
+          <p:cNvPicPr>
+            <a:picLocks noChangeAspect="1"/>
+          </p:cNvPicPr>
+          <p:nvPr/>
+        </p:nvPicPr>
+        <p:blipFill rotWithShape="1">
+          <a:blip r:embed="rId3">
+            <a:extLst>
+              <a:ext uri="{28A0092B-C50C-407E-A947-70E740481C1C}">
+                <a14:useLocalDpi xmlns:a14="http://schemas.microsoft.com/office/drawing/2010/main" val="0"/>
+              </a:ext>
+            </a:extLst>
+          </a:blip>
+          <a:srcRect r="12872"/>
+          <a:stretch/>
+        </p:blipFill>
+        <p:spPr>
+          <a:xfrm>
+            <a:off x="5252085" y="2274570"/>
+            <a:ext cx="6018519" cy="4583430"/>
+          </a:xfrm>
+          <a:prstGeom prst="rect">
+            <a:avLst/>
+          </a:prstGeom>
+        </p:spPr>
+      </p:pic>
       <p:sp>
         <p:nvSpPr>
           <p:cNvPr id="2" name="Title 1"/>
@@ -49303,54 +48738,11 @@
             </a:pPr>
             <a:r>
               <a:rPr lang="en-US" sz="3200" dirty="0"/>
-              <a:t>Let’s examine a few perspectives on motivation and see which </a:t>
+              <a:t>Let’s examine a few perspectives on motivation and see which you agree with most.</a:t>
             </a:r>
-            <a:r>
-              <a:rPr lang="en-US" sz="3200" dirty="0" smtClean="0"/>
-              <a:t>you </a:t>
-            </a:r>
-            <a:r>
-              <a:rPr lang="en-US" sz="3200" dirty="0"/>
-              <a:t>agree with </a:t>
-            </a:r>
-            <a:r>
-              <a:rPr lang="en-US" sz="3200" dirty="0" smtClean="0"/>
-              <a:t>most.</a:t>
-            </a:r>
-            <a:endParaRPr lang="en-US" sz="3200" dirty="0"/>
           </a:p>
         </p:txBody>
       </p:sp>
-      <p:pic>
-        <p:nvPicPr>
-          <p:cNvPr id="5" name="Picture 4"/>
-          <p:cNvPicPr>
-            <a:picLocks noChangeAspect="1"/>
-          </p:cNvPicPr>
-          <p:nvPr/>
-        </p:nvPicPr>
-        <p:blipFill>
-          <a:blip r:embed="rId3" cstate="hqprint">
-            <a:extLst>
-              <a:ext uri="{28A0092B-C50C-407E-A947-70E740481C1C}">
-                <a14:useLocalDpi xmlns:a14="http://schemas.microsoft.com/office/drawing/2010/main" val="0"/>
-              </a:ext>
-            </a:extLst>
-          </a:blip>
-          <a:stretch>
-            <a:fillRect/>
-          </a:stretch>
-        </p:blipFill>
-        <p:spPr>
-          <a:xfrm>
-            <a:off x="5742432" y="2140086"/>
-            <a:ext cx="4976788" cy="3303740"/>
-          </a:xfrm>
-          <a:prstGeom prst="rect">
-            <a:avLst/>
-          </a:prstGeom>
-        </p:spPr>
-      </p:pic>
     </p:spTree>
     <p:extLst>
       <p:ext uri="{BB962C8B-B14F-4D97-AF65-F5344CB8AC3E}">
@@ -49361,13 +48753,6 @@
   <p:clrMapOvr>
     <a:masterClrMapping/>
   </p:clrMapOvr>
-  <p:timing>
-    <p:tnLst>
-      <p:par>
-        <p:cTn id="1" dur="indefinite" restart="never" nodeType="tmRoot"/>
-      </p:par>
-    </p:tnLst>
-  </p:timing>
 </p:sld>
 </file>
 
@@ -49441,18 +48826,9 @@
               <a:buNone/>
             </a:pPr>
             <a:r>
-              <a:rPr lang="en-US" sz="2800" dirty="0" smtClean="0"/>
-              <a:t>Abraham </a:t>
+              <a:rPr lang="en-US" sz="2800" dirty="0"/>
+              <a:t>Abraham Maslow thought that our needs were essentially hierarchical—baser needs (e.g., food, shelter, etc.) need to be met before other things can.</a:t>
             </a:r>
-            <a:r>
-              <a:rPr lang="en-US" sz="2800" dirty="0"/>
-              <a:t>Maslow thought that our needs were essentially hierarchical—baser needs (e.g., food, shelter, etc.) need to be met before other things </a:t>
-            </a:r>
-            <a:r>
-              <a:rPr lang="en-US" sz="2800" dirty="0" smtClean="0"/>
-              <a:t>can.</a:t>
-            </a:r>
-            <a:endParaRPr lang="en-US" sz="2800" dirty="0"/>
           </a:p>
         </p:txBody>
       </p:sp>
@@ -49724,7 +49100,7 @@
             </a:ln>
             <a:extLst>
               <a:ext uri="{C572A759-6A51-4108-AA02-DFA0A04FC94B}">
-                <ma14:wrappingTextBoxFlag xmlns="" xmlns:ma14="http://schemas.microsoft.com/office/mac/drawingml/2011/main" val="1"/>
+                <ma14:wrappingTextBoxFlag xmlns:ma14="http://schemas.microsoft.com/office/mac/drawingml/2011/main" xmlns="" val="1"/>
               </a:ext>
             </a:extLst>
           </p:spPr>
@@ -49760,7 +49136,7 @@
             </a:ln>
             <a:extLst>
               <a:ext uri="{C572A759-6A51-4108-AA02-DFA0A04FC94B}">
-                <ma14:wrappingTextBoxFlag xmlns="" xmlns:ma14="http://schemas.microsoft.com/office/mac/drawingml/2011/main" val="1"/>
+                <ma14:wrappingTextBoxFlag xmlns:ma14="http://schemas.microsoft.com/office/mac/drawingml/2011/main" xmlns="" val="1"/>
               </a:ext>
             </a:extLst>
           </p:spPr>
@@ -49796,7 +49172,7 @@
             </a:ln>
             <a:extLst>
               <a:ext uri="{C572A759-6A51-4108-AA02-DFA0A04FC94B}">
-                <ma14:wrappingTextBoxFlag xmlns="" xmlns:ma14="http://schemas.microsoft.com/office/mac/drawingml/2011/main" val="1"/>
+                <ma14:wrappingTextBoxFlag xmlns:ma14="http://schemas.microsoft.com/office/mac/drawingml/2011/main" xmlns="" val="1"/>
               </a:ext>
             </a:extLst>
           </p:spPr>
@@ -49832,7 +49208,7 @@
             </a:ln>
             <a:extLst>
               <a:ext uri="{C572A759-6A51-4108-AA02-DFA0A04FC94B}">
-                <ma14:wrappingTextBoxFlag xmlns="" xmlns:ma14="http://schemas.microsoft.com/office/mac/drawingml/2011/main" val="1"/>
+                <ma14:wrappingTextBoxFlag xmlns:ma14="http://schemas.microsoft.com/office/mac/drawingml/2011/main" xmlns="" val="1"/>
               </a:ext>
             </a:extLst>
           </p:spPr>
@@ -49869,7 +49245,7 @@
             </a:ln>
             <a:extLst>
               <a:ext uri="{C572A759-6A51-4108-AA02-DFA0A04FC94B}">
-                <ma14:wrappingTextBoxFlag xmlns="" xmlns:ma14="http://schemas.microsoft.com/office/mac/drawingml/2011/main" val="1"/>
+                <ma14:wrappingTextBoxFlag xmlns:ma14="http://schemas.microsoft.com/office/mac/drawingml/2011/main" xmlns="" val="1"/>
               </a:ext>
             </a:extLst>
           </p:spPr>
@@ -49906,13 +49282,6 @@
   <p:clrMapOvr>
     <a:masterClrMapping/>
   </p:clrMapOvr>
-  <p:timing>
-    <p:tnLst>
-      <p:par>
-        <p:cTn id="1" dur="indefinite" restart="never" nodeType="tmRoot"/>
-      </p:par>
-    </p:tnLst>
-  </p:timing>
 </p:sld>
 </file>
 
@@ -50012,13 +49381,6 @@
   <p:transition spd="slow">
     <p:push dir="u"/>
   </p:transition>
-  <p:timing>
-    <p:tnLst>
-      <p:par>
-        <p:cTn id="1" dur="indefinite" restart="never" nodeType="tmRoot"/>
-      </p:par>
-    </p:tnLst>
-  </p:timing>
 </p:sld>
 </file>
 
@@ -50055,10 +49417,9 @@
           <a:lstStyle/>
           <a:p>
             <a:r>
-              <a:rPr lang="en-US" dirty="0" smtClean="0"/>
+              <a:rPr lang="en-US" dirty="0"/>
               <a:t>Contrasting View</a:t>
             </a:r>
-            <a:endParaRPr lang="en-US" dirty="0"/>
           </a:p>
         </p:txBody>
       </p:sp>
@@ -50088,12 +49449,8 @@
               <a:buNone/>
             </a:pPr>
             <a:r>
-              <a:rPr lang="en-US" sz="3200" dirty="0" smtClean="0"/>
-              <a:t>In</a:t>
-            </a:r>
-            <a:r>
               <a:rPr lang="en-US" sz="3200" dirty="0"/>
-              <a:t> </a:t>
+              <a:t>In </a:t>
             </a:r>
             <a:r>
               <a:rPr lang="en-US" sz="3200" i="1" dirty="0"/>
@@ -50101,33 +49458,8 @@
             </a:r>
             <a:r>
               <a:rPr lang="en-US" sz="3200" dirty="0"/>
-              <a:t>, </a:t>
+              <a:t>, Daniel Pink argues that in complex tasks, carrots and sticks don’t motivate people nearly as well as these three elements: </a:t>
             </a:r>
-            <a:r>
-              <a:rPr lang="en-US" sz="3200" dirty="0" smtClean="0"/>
-              <a:t>Daniel Pink argues that </a:t>
-            </a:r>
-            <a:r>
-              <a:rPr lang="en-US" sz="3200" dirty="0" smtClean="0"/>
-              <a:t>in complex tasks, carrots </a:t>
-            </a:r>
-            <a:r>
-              <a:rPr lang="en-US" sz="3200" dirty="0" smtClean="0"/>
-              <a:t>and sticks </a:t>
-            </a:r>
-            <a:r>
-              <a:rPr lang="en-US" sz="3200" dirty="0" smtClean="0"/>
-              <a:t>don’t </a:t>
-            </a:r>
-            <a:r>
-              <a:rPr lang="en-US" sz="3200" dirty="0" smtClean="0"/>
-              <a:t>motivate </a:t>
-            </a:r>
-            <a:r>
-              <a:rPr lang="en-US" sz="3200" dirty="0" smtClean="0"/>
-              <a:t>people nearly as well as these three elements: </a:t>
-            </a:r>
-            <a:endParaRPr lang="en-US" sz="3200" dirty="0" smtClean="0"/>
           </a:p>
         </p:txBody>
       </p:sp>
@@ -50163,9 +49495,18 @@
   <p:clrMapOvr>
     <a:masterClrMapping/>
   </p:clrMapOvr>
-  <p:transition spd="slow">
-    <p:push dir="u"/>
-  </p:transition>
+  <mc:AlternateContent xmlns:mc="http://schemas.openxmlformats.org/markup-compatibility/2006">
+    <mc:Choice xmlns:p14="http://schemas.microsoft.com/office/powerpoint/2010/main" Requires="p14">
+      <p:transition spd="slow" p14:dur="2000">
+        <p14:prism isContent="1"/>
+      </p:transition>
+    </mc:Choice>
+    <mc:Fallback>
+      <p:transition spd="slow">
+        <p:fade/>
+      </p:transition>
+    </mc:Fallback>
+  </mc:AlternateContent>
   <p:timing>
     <p:tnLst>
       <p:par>
@@ -50732,7 +50073,7 @@
         </p:blipFill>
         <p:spPr>
           <a:xfrm>
-            <a:off x="30480" y="-567532"/>
+            <a:off x="0" y="-556102"/>
             <a:ext cx="12192000" cy="9144000"/>
           </a:xfrm>
           <a:prstGeom prst="rect">
@@ -50845,25 +50186,18 @@
   <p:clrMapOvr>
     <a:masterClrMapping/>
   </p:clrMapOvr>
-  <mc:AlternateContent xmlns:mc="http://schemas.openxmlformats.org/markup-compatibility/2006">
-    <mc:Choice xmlns:p14="http://schemas.microsoft.com/office/powerpoint/2010/main" Requires="p14">
+  <mc:AlternateContent xmlns:mc="http://schemas.openxmlformats.org/markup-compatibility/2006" xmlns:p14="http://schemas.microsoft.com/office/powerpoint/2010/main">
+    <mc:Choice Requires="p14">
       <p:transition spd="slow">
         <p14:flash/>
       </p:transition>
     </mc:Choice>
-    <mc:Fallback>
+    <mc:Fallback xmlns="">
       <p:transition spd="slow">
         <p:fade/>
       </p:transition>
     </mc:Fallback>
   </mc:AlternateContent>
-  <p:timing>
-    <p:tnLst>
-      <p:par>
-        <p:cTn id="1" dur="indefinite" restart="never" nodeType="tmRoot"/>
-      </p:par>
-    </p:tnLst>
-  </p:timing>
 </p:sld>
 </file>
 
@@ -50933,21 +50267,8 @@
             </a:pPr>
             <a:r>
               <a:rPr lang="en-US" sz="3200" dirty="0"/>
-              <a:t>Frederick Herzberg (</a:t>
+              <a:t>Frederick Herzberg (1959) showed six factors as the top motivational factors:</a:t>
             </a:r>
-            <a:r>
-              <a:rPr lang="en-US" sz="3200" dirty="0" smtClean="0"/>
-              <a:t>1959) showed </a:t>
-            </a:r>
-            <a:r>
-              <a:rPr lang="en-US" sz="3200" dirty="0"/>
-              <a:t>six factors as the top motivational </a:t>
-            </a:r>
-            <a:r>
-              <a:rPr lang="en-US" sz="3200" dirty="0" smtClean="0"/>
-              <a:t>factors:</a:t>
-            </a:r>
-            <a:endParaRPr lang="en-US" sz="3200" dirty="0"/>
           </a:p>
           <a:p>
             <a:endParaRPr lang="en-US" sz="2400" dirty="0"/>
@@ -52316,13 +51637,8 @@
             </a:r>
             <a:r>
               <a:rPr lang="en-US" sz="3200" dirty="0"/>
-              <a:t> can help you achieve more with </a:t>
+              <a:t> can help you achieve more with them.</a:t>
             </a:r>
-            <a:r>
-              <a:rPr lang="en-US" sz="3200" dirty="0" smtClean="0"/>
-              <a:t>them.</a:t>
-            </a:r>
-            <a:endParaRPr lang="en-US" sz="3200" dirty="0"/>
           </a:p>
         </p:txBody>
       </p:sp>
@@ -52336,25 +51652,18 @@
   <p:clrMapOvr>
     <a:masterClrMapping/>
   </p:clrMapOvr>
-  <mc:AlternateContent xmlns:mc="http://schemas.openxmlformats.org/markup-compatibility/2006">
-    <mc:Choice xmlns:p15="http://schemas.microsoft.com/office/powerpoint/2012/main" Requires="p15">
+  <mc:AlternateContent xmlns:mc="http://schemas.openxmlformats.org/markup-compatibility/2006" xmlns:p15="http://schemas.microsoft.com/office/powerpoint/2012/main">
+    <mc:Choice Requires="p15">
       <p:transition xmlns:p14="http://schemas.microsoft.com/office/powerpoint/2010/main" spd="slow" p14:dur="1250">
         <p15:prstTrans prst="airplane"/>
       </p:transition>
     </mc:Choice>
-    <mc:Fallback>
+    <mc:Fallback xmlns="">
       <p:transition spd="slow">
         <p:fade/>
       </p:transition>
     </mc:Fallback>
   </mc:AlternateContent>
-  <p:timing>
-    <p:tnLst>
-      <p:par>
-        <p:cTn id="1" dur="indefinite" restart="never" nodeType="tmRoot"/>
-      </p:par>
-    </p:tnLst>
-  </p:timing>
 </p:sld>
 </file>
 
@@ -52421,13 +51730,8 @@
           <a:p>
             <a:r>
               <a:rPr lang="en-US" sz="3600" dirty="0"/>
-              <a:t>Identify your major </a:t>
+              <a:t>Identify your major motivators</a:t>
             </a:r>
-            <a:r>
-              <a:rPr lang="en-US" sz="3600" dirty="0" smtClean="0"/>
-              <a:t>motivators</a:t>
-            </a:r>
-            <a:endParaRPr lang="en-US" sz="3600" dirty="0"/>
           </a:p>
         </p:txBody>
       </p:sp>
@@ -52710,12 +52014,8 @@
               <a:buAutoNum type="arabicPeriod"/>
             </a:pPr>
             <a:r>
-              <a:rPr lang="en-US" sz="3200" dirty="0" smtClean="0"/>
-              <a:t>Discuss </a:t>
-            </a:r>
-            <a:r>
               <a:rPr lang="en-US" sz="3200" dirty="0"/>
-              <a:t>motivation and how to harness ours</a:t>
+              <a:t>Discuss motivation and how to harness ours</a:t>
             </a:r>
           </a:p>
         </p:txBody>
@@ -53011,56 +52311,56 @@
           <a:lstStyle/>
           <a:p>
             <a:r>
-              <a:rPr lang="en-US" sz="2400" dirty="0" smtClean="0"/>
+              <a:rPr lang="en-US" sz="2400" dirty="0"/>
               <a:t>SMART goals: </a:t>
             </a:r>
             <a:r>
-              <a:rPr lang="en-US" sz="2400" dirty="0" smtClean="0">
+              <a:rPr lang="en-US" sz="2400" dirty="0">
                 <a:hlinkClick r:id="rId3"/>
               </a:rPr>
               <a:t>topachievement.com/</a:t>
             </a:r>
             <a:r>
-              <a:rPr lang="en-US" sz="2400" b="1" dirty="0" smtClean="0">
+              <a:rPr lang="en-US" sz="2400" b="1" dirty="0">
                 <a:hlinkClick r:id="rId3"/>
               </a:rPr>
               <a:t>smart</a:t>
             </a:r>
             <a:r>
-              <a:rPr lang="en-US" sz="2400" dirty="0" smtClean="0">
+              <a:rPr lang="en-US" sz="2400" dirty="0">
                 <a:hlinkClick r:id="rId3"/>
               </a:rPr>
               <a:t>.html </a:t>
             </a:r>
-            <a:endParaRPr lang="en-US" sz="2400" dirty="0" smtClean="0">
+            <a:endParaRPr lang="en-US" sz="2400" dirty="0">
               <a:hlinkClick r:id="rId4"/>
             </a:endParaRPr>
           </a:p>
           <a:p>
             <a:r>
-              <a:rPr lang="en-US" sz="2400" dirty="0" smtClean="0"/>
+              <a:rPr lang="en-US" sz="2400" dirty="0"/>
               <a:t>Maslow’s Hierarchy: </a:t>
             </a:r>
             <a:r>
-              <a:rPr lang="en-US" sz="2400" dirty="0" smtClean="0">
+              <a:rPr lang="en-US" sz="2400" dirty="0">
                 <a:hlinkClick r:id="rId5"/>
               </a:rPr>
               <a:t>www.simplypsychology.org/</a:t>
             </a:r>
             <a:r>
-              <a:rPr lang="en-US" sz="2400" b="1" dirty="0" smtClean="0">
+              <a:rPr lang="en-US" sz="2400" b="1" dirty="0">
                 <a:hlinkClick r:id="rId5"/>
               </a:rPr>
               <a:t>maslow</a:t>
             </a:r>
             <a:r>
-              <a:rPr lang="en-US" sz="2400" dirty="0" smtClean="0">
+              <a:rPr lang="en-US" sz="2400" dirty="0">
                 <a:hlinkClick r:id="rId5"/>
               </a:rPr>
               <a:t>.html</a:t>
             </a:r>
             <a:r>
-              <a:rPr lang="en-US" sz="2400" dirty="0" smtClean="0"/>
+              <a:rPr lang="en-US" sz="2400" dirty="0"/>
               <a:t> </a:t>
             </a:r>
           </a:p>
@@ -53073,43 +52373,27 @@
               <a:rPr lang="en-US" sz="2400" dirty="0">
                 <a:hlinkClick r:id="rId6"/>
               </a:rPr>
-              <a:t>http://</a:t>
+              <a:t>http://www.netmba.com/mgmt/ob/motivation/herzberg/</a:t>
             </a:r>
-            <a:r>
-              <a:rPr lang="en-US" sz="2400" dirty="0" smtClean="0">
-                <a:hlinkClick r:id="rId6"/>
-              </a:rPr>
-              <a:t>www.netmba.com/mgmt/ob/motivation/herzberg/</a:t>
-            </a:r>
-            <a:endParaRPr lang="en-US" sz="2400" dirty="0" smtClean="0"/>
+            <a:endParaRPr lang="en-US" sz="2400" dirty="0"/>
           </a:p>
           <a:p>
             <a:r>
-              <a:rPr lang="en-US" sz="2400" dirty="0" smtClean="0"/>
+              <a:rPr lang="en-US" sz="2400" dirty="0"/>
               <a:t>Motivation: </a:t>
-            </a:r>
-            <a:r>
-              <a:rPr lang="en-US" sz="2400" dirty="0" smtClean="0">
-                <a:hlinkClick r:id="rId7"/>
-              </a:rPr>
-              <a:t>https</a:t>
             </a:r>
             <a:r>
               <a:rPr lang="en-US" sz="2400" dirty="0">
                 <a:hlinkClick r:id="rId7"/>
               </a:rPr>
-              <a:t>://www.boundless.com/psychology/textbooks/boundless-psychology-textbook/motivation-12/introduction-to-motivation-64/defining-motivation-247-12782/</a:t>
+              <a:t>https://www.boundless.com/psychology/textbooks/boundless-psychology-textbook/motivation-12/introduction-to-motivation-64/defining-motivation-247-12782/</a:t>
             </a:r>
             <a:endParaRPr lang="en-US" sz="2400" dirty="0"/>
           </a:p>
           <a:p>
             <a:r>
-              <a:rPr lang="en-US" sz="2400" dirty="0" smtClean="0"/>
-              <a:t>Drive</a:t>
-            </a:r>
-            <a:r>
               <a:rPr lang="en-US" sz="2400" dirty="0"/>
-              <a:t>, Daniel Pink</a:t>
+              <a:t>Drive, Daniel Pink</a:t>
             </a:r>
           </a:p>
           <a:p>
@@ -53128,16 +52412,10 @@
           <a:p>
             <a:pPr lvl="1"/>
             <a:r>
-              <a:rPr lang="en-US" sz="2400" dirty="0" smtClean="0">
-                <a:hlinkClick r:id="rId8"/>
-              </a:rPr>
-              <a:t>https</a:t>
-            </a:r>
-            <a:r>
               <a:rPr lang="en-US" sz="2400" dirty="0">
                 <a:hlinkClick r:id="rId8"/>
               </a:rPr>
-              <a:t>://www.youtube.com/watch?v=u6XAPnuFjJc</a:t>
+              <a:t>https://www.youtube.com/watch?v=u6XAPnuFjJc</a:t>
             </a:r>
             <a:r>
               <a:rPr lang="en-US" sz="2400" dirty="0"/>
@@ -53159,13 +52437,6 @@
   <p:clrMapOvr>
     <a:masterClrMapping/>
   </p:clrMapOvr>
-  <p:timing>
-    <p:tnLst>
-      <p:par>
-        <p:cTn id="1" dur="indefinite" restart="never" nodeType="tmRoot"/>
-      </p:par>
-    </p:tnLst>
-  </p:timing>
 </p:sld>
 </file>
 
@@ -53222,13 +52493,6 @@
   <p:clrMapOvr>
     <a:masterClrMapping/>
   </p:clrMapOvr>
-  <p:timing>
-    <p:tnLst>
-      <p:par>
-        <p:cTn id="1" dur="indefinite" restart="never" nodeType="tmRoot"/>
-      </p:par>
-    </p:tnLst>
-  </p:timing>
 </p:sld>
 </file>
 
@@ -53300,25 +52564,18 @@
   <p:clrMapOvr>
     <a:masterClrMapping/>
   </p:clrMapOvr>
-  <mc:AlternateContent xmlns:mc="http://schemas.openxmlformats.org/markup-compatibility/2006">
-    <mc:Choice xmlns:p15="http://schemas.microsoft.com/office/powerpoint/2012/main" Requires="p15">
+  <mc:AlternateContent xmlns:mc="http://schemas.openxmlformats.org/markup-compatibility/2006" xmlns:p15="http://schemas.microsoft.com/office/powerpoint/2012/main">
+    <mc:Choice Requires="p15">
       <p:transition xmlns:p14="http://schemas.microsoft.com/office/powerpoint/2010/main" spd="slow" p14:dur="2000">
         <p15:prstTrans prst="drape"/>
       </p:transition>
     </mc:Choice>
-    <mc:Fallback>
+    <mc:Fallback xmlns="">
       <p:transition spd="slow">
         <p:fade/>
       </p:transition>
     </mc:Fallback>
   </mc:AlternateContent>
-  <p:timing>
-    <p:tnLst>
-      <p:par>
-        <p:cTn id="1" dur="indefinite" restart="never" nodeType="tmRoot"/>
-      </p:par>
-    </p:tnLst>
-  </p:timing>
 </p:sld>
 </file>
 
@@ -53389,13 +52646,8 @@
           <a:p>
             <a:r>
               <a:rPr lang="en-US" sz="3200" dirty="0"/>
-              <a:t>Let’s expand on </a:t>
+              <a:t>Let’s expand on those ideas</a:t>
             </a:r>
-            <a:r>
-              <a:rPr lang="en-US" sz="3200" dirty="0" smtClean="0"/>
-              <a:t>those ideas</a:t>
-            </a:r>
-            <a:endParaRPr lang="en-US" sz="3200" dirty="0"/>
           </a:p>
         </p:txBody>
       </p:sp>
@@ -53409,13 +52661,6 @@
   <p:clrMapOvr>
     <a:masterClrMapping/>
   </p:clrMapOvr>
-  <p:timing>
-    <p:tnLst>
-      <p:par>
-        <p:cTn id="1" dur="indefinite" restart="never" nodeType="tmRoot"/>
-      </p:par>
-    </p:tnLst>
-  </p:timing>
 </p:sld>
 </file>
 
@@ -53496,26 +52741,14 @@
           </a:p>
           <a:p>
             <a:r>
-              <a:rPr lang="en-US" sz="2800" dirty="0" smtClean="0"/>
-              <a:t>Where </a:t>
-            </a:r>
-            <a:r>
               <a:rPr lang="en-US" sz="2800" dirty="0"/>
-              <a:t>will you be working? </a:t>
+              <a:t>Where will you be working? </a:t>
             </a:r>
           </a:p>
           <a:p>
             <a:r>
               <a:rPr lang="en-US" sz="2800" dirty="0"/>
-              <a:t>How much will you be </a:t>
-            </a:r>
-            <a:r>
-              <a:rPr lang="en-US" sz="2800" dirty="0" smtClean="0"/>
-              <a:t>earning</a:t>
-            </a:r>
-            <a:r>
-              <a:rPr lang="en-US" sz="2800" dirty="0"/>
-              <a:t>? </a:t>
+              <a:t>How much will you be earning? </a:t>
             </a:r>
           </a:p>
           <a:p>
@@ -53950,12 +53183,8 @@
               <a:buNone/>
             </a:pPr>
             <a:r>
-              <a:rPr lang="en-US" sz="3200" dirty="0" smtClean="0"/>
-              <a:t>Further</a:t>
-            </a:r>
-            <a:r>
               <a:rPr lang="en-US" sz="3200" dirty="0"/>
-              <a:t>, how can you take advantage of your current opportunities? </a:t>
+              <a:t>Further, how can you take advantage of your current opportunities? </a:t>
             </a:r>
           </a:p>
         </p:txBody>
@@ -53984,15 +53213,7 @@
           <a:p>
             <a:r>
               <a:rPr lang="en-US" sz="3200" dirty="0"/>
-              <a:t>How can you take advantage of that </a:t>
-            </a:r>
-            <a:r>
-              <a:rPr lang="en-US" sz="3200" dirty="0" smtClean="0"/>
-              <a:t>new </a:t>
-            </a:r>
-            <a:r>
-              <a:rPr lang="en-US" sz="3200" dirty="0"/>
-              <a:t>opportunity? </a:t>
+              <a:t>How can you take advantage of that new opportunity? </a:t>
             </a:r>
           </a:p>
           <a:p>
@@ -54165,7 +53386,7 @@
           </p:nvPr>
         </p:nvPicPr>
         <p:blipFill rotWithShape="1">
-          <a:blip r:embed="rId2">
+          <a:blip r:embed="rId3">
             <a:extLst>
               <a:ext uri="{28A0092B-C50C-407E-A947-70E740481C1C}">
                 <a14:useLocalDpi xmlns:a14="http://schemas.microsoft.com/office/drawing/2010/main" val="0"/>
@@ -54200,12 +53421,8 @@
           <a:lstStyle/>
           <a:p>
             <a:r>
-              <a:rPr lang="en-US" sz="3200" dirty="0" smtClean="0"/>
-              <a:t>Setting </a:t>
-            </a:r>
-            <a:r>
               <a:rPr lang="en-US" sz="3200" dirty="0"/>
-              <a:t>goals is a way to provide purpose and direction to your actions. </a:t>
+              <a:t>Setting goals is a way to provide purpose and direction to your actions. </a:t>
             </a:r>
           </a:p>
           <a:p>
@@ -54226,13 +53443,13 @@
   <p:clrMapOvr>
     <a:masterClrMapping/>
   </p:clrMapOvr>
-  <mc:AlternateContent xmlns:mc="http://schemas.openxmlformats.org/markup-compatibility/2006">
-    <mc:Choice xmlns:p14="http://schemas.microsoft.com/office/powerpoint/2010/main" Requires="p14">
+  <mc:AlternateContent xmlns:mc="http://schemas.openxmlformats.org/markup-compatibility/2006" xmlns:p14="http://schemas.microsoft.com/office/powerpoint/2010/main">
+    <mc:Choice Requires="p14">
       <p:transition spd="slow" p14:dur="1600">
         <p:blinds dir="vert"/>
       </p:transition>
     </mc:Choice>
-    <mc:Fallback>
+    <mc:Fallback xmlns="">
       <p:transition spd="slow">
         <p:blinds dir="vert"/>
       </p:transition>
